--- a/final/final_presentation.pptx
+++ b/final/final_presentation.pptx
@@ -5,17 +5,18 @@
     <p:sldMasterId id="2147483660" r:id="rId1"/>
   </p:sldMasterIdLst>
   <p:notesMasterIdLst>
-    <p:notesMasterId r:id="rId10"/>
+    <p:notesMasterId r:id="rId11"/>
   </p:notesMasterIdLst>
   <p:sldIdLst>
     <p:sldId id="256" r:id="rId2"/>
     <p:sldId id="257" r:id="rId3"/>
-    <p:sldId id="258" r:id="rId4"/>
-    <p:sldId id="259" r:id="rId5"/>
-    <p:sldId id="260" r:id="rId6"/>
-    <p:sldId id="261" r:id="rId7"/>
-    <p:sldId id="262" r:id="rId8"/>
-    <p:sldId id="263" r:id="rId9"/>
+    <p:sldId id="264" r:id="rId4"/>
+    <p:sldId id="258" r:id="rId5"/>
+    <p:sldId id="259" r:id="rId6"/>
+    <p:sldId id="260" r:id="rId7"/>
+    <p:sldId id="261" r:id="rId8"/>
+    <p:sldId id="262" r:id="rId9"/>
+    <p:sldId id="263" r:id="rId10"/>
   </p:sldIdLst>
   <p:sldSz cx="12192000" cy="6858000"/>
   <p:notesSz cx="6858000" cy="9144000"/>
@@ -114,7 +115,5364 @@
       </a:defRPr>
     </a:lvl9pPr>
   </p:defaultTextStyle>
+  <p:extLst>
+    <p:ext uri="{EFAFB233-063F-42B5-8137-9DF3F51BA10A}">
+      <p15:sldGuideLst xmlns:p15="http://schemas.microsoft.com/office/powerpoint/2012/main"/>
+    </p:ext>
+  </p:extLst>
 </p:presentation>
+</file>
+
+<file path=ppt/diagrams/colors1.xml><?xml version="1.0" encoding="utf-8"?>
+<dgm:colorsDef xmlns:dgm="http://schemas.openxmlformats.org/drawingml/2006/diagram" xmlns:a="http://schemas.openxmlformats.org/drawingml/2006/main" uniqueId="urn:microsoft.com/office/officeart/2005/8/colors/accent1_2">
+  <dgm:title val=""/>
+  <dgm:desc val=""/>
+  <dgm:catLst>
+    <dgm:cat type="accent1" pri="11200"/>
+  </dgm:catLst>
+  <dgm:styleLbl name="node0">
+    <dgm:fillClrLst meth="repeat">
+      <a:schemeClr val="accent1"/>
+    </dgm:fillClrLst>
+    <dgm:linClrLst meth="repeat">
+      <a:schemeClr val="lt1"/>
+    </dgm:linClrLst>
+    <dgm:effectClrLst/>
+    <dgm:txLinClrLst/>
+    <dgm:txFillClrLst/>
+    <dgm:txEffectClrLst/>
+  </dgm:styleLbl>
+  <dgm:styleLbl name="alignNode1">
+    <dgm:fillClrLst meth="repeat">
+      <a:schemeClr val="accent1"/>
+    </dgm:fillClrLst>
+    <dgm:linClrLst meth="repeat">
+      <a:schemeClr val="accent1"/>
+    </dgm:linClrLst>
+    <dgm:effectClrLst/>
+    <dgm:txLinClrLst/>
+    <dgm:txFillClrLst/>
+    <dgm:txEffectClrLst/>
+  </dgm:styleLbl>
+  <dgm:styleLbl name="node1">
+    <dgm:fillClrLst meth="repeat">
+      <a:schemeClr val="accent1"/>
+    </dgm:fillClrLst>
+    <dgm:linClrLst meth="repeat">
+      <a:schemeClr val="lt1"/>
+    </dgm:linClrLst>
+    <dgm:effectClrLst/>
+    <dgm:txLinClrLst/>
+    <dgm:txFillClrLst/>
+    <dgm:txEffectClrLst/>
+  </dgm:styleLbl>
+  <dgm:styleLbl name="lnNode1">
+    <dgm:fillClrLst meth="repeat">
+      <a:schemeClr val="accent1"/>
+    </dgm:fillClrLst>
+    <dgm:linClrLst meth="repeat">
+      <a:schemeClr val="lt1"/>
+    </dgm:linClrLst>
+    <dgm:effectClrLst/>
+    <dgm:txLinClrLst/>
+    <dgm:txFillClrLst/>
+    <dgm:txEffectClrLst/>
+  </dgm:styleLbl>
+  <dgm:styleLbl name="vennNode1">
+    <dgm:fillClrLst meth="repeat">
+      <a:schemeClr val="accent1">
+        <a:alpha val="50000"/>
+      </a:schemeClr>
+    </dgm:fillClrLst>
+    <dgm:linClrLst meth="repeat">
+      <a:schemeClr val="lt1"/>
+    </dgm:linClrLst>
+    <dgm:effectClrLst/>
+    <dgm:txLinClrLst/>
+    <dgm:txFillClrLst/>
+    <dgm:txEffectClrLst/>
+  </dgm:styleLbl>
+  <dgm:styleLbl name="node2">
+    <dgm:fillClrLst meth="repeat">
+      <a:schemeClr val="accent1"/>
+    </dgm:fillClrLst>
+    <dgm:linClrLst meth="repeat">
+      <a:schemeClr val="lt1"/>
+    </dgm:linClrLst>
+    <dgm:effectClrLst/>
+    <dgm:txLinClrLst/>
+    <dgm:txFillClrLst/>
+    <dgm:txEffectClrLst/>
+  </dgm:styleLbl>
+  <dgm:styleLbl name="node3">
+    <dgm:fillClrLst meth="repeat">
+      <a:schemeClr val="accent1"/>
+    </dgm:fillClrLst>
+    <dgm:linClrLst meth="repeat">
+      <a:schemeClr val="lt1"/>
+    </dgm:linClrLst>
+    <dgm:effectClrLst/>
+    <dgm:txLinClrLst/>
+    <dgm:txFillClrLst/>
+    <dgm:txEffectClrLst/>
+  </dgm:styleLbl>
+  <dgm:styleLbl name="node4">
+    <dgm:fillClrLst meth="repeat">
+      <a:schemeClr val="accent1"/>
+    </dgm:fillClrLst>
+    <dgm:linClrLst meth="repeat">
+      <a:schemeClr val="lt1"/>
+    </dgm:linClrLst>
+    <dgm:effectClrLst/>
+    <dgm:txLinClrLst/>
+    <dgm:txFillClrLst/>
+    <dgm:txEffectClrLst/>
+  </dgm:styleLbl>
+  <dgm:styleLbl name="fgImgPlace1">
+    <dgm:fillClrLst meth="repeat">
+      <a:schemeClr val="accent1">
+        <a:tint val="50000"/>
+      </a:schemeClr>
+    </dgm:fillClrLst>
+    <dgm:linClrLst meth="repeat">
+      <a:schemeClr val="lt1"/>
+    </dgm:linClrLst>
+    <dgm:effectClrLst/>
+    <dgm:txLinClrLst/>
+    <dgm:txFillClrLst meth="repeat">
+      <a:schemeClr val="lt1"/>
+    </dgm:txFillClrLst>
+    <dgm:txEffectClrLst/>
+  </dgm:styleLbl>
+  <dgm:styleLbl name="alignImgPlace1">
+    <dgm:fillClrLst meth="repeat">
+      <a:schemeClr val="accent1">
+        <a:tint val="50000"/>
+      </a:schemeClr>
+    </dgm:fillClrLst>
+    <dgm:linClrLst meth="repeat">
+      <a:schemeClr val="lt1"/>
+    </dgm:linClrLst>
+    <dgm:effectClrLst/>
+    <dgm:txLinClrLst/>
+    <dgm:txFillClrLst meth="repeat">
+      <a:schemeClr val="lt1"/>
+    </dgm:txFillClrLst>
+    <dgm:txEffectClrLst/>
+  </dgm:styleLbl>
+  <dgm:styleLbl name="bgImgPlace1">
+    <dgm:fillClrLst meth="repeat">
+      <a:schemeClr val="accent1">
+        <a:tint val="50000"/>
+      </a:schemeClr>
+    </dgm:fillClrLst>
+    <dgm:linClrLst meth="repeat">
+      <a:schemeClr val="lt1"/>
+    </dgm:linClrLst>
+    <dgm:effectClrLst/>
+    <dgm:txLinClrLst/>
+    <dgm:txFillClrLst meth="repeat">
+      <a:schemeClr val="lt1"/>
+    </dgm:txFillClrLst>
+    <dgm:txEffectClrLst/>
+  </dgm:styleLbl>
+  <dgm:styleLbl name="sibTrans2D1">
+    <dgm:fillClrLst meth="repeat">
+      <a:schemeClr val="accent1">
+        <a:tint val="60000"/>
+      </a:schemeClr>
+    </dgm:fillClrLst>
+    <dgm:linClrLst meth="repeat">
+      <a:schemeClr val="accent1">
+        <a:tint val="60000"/>
+      </a:schemeClr>
+    </dgm:linClrLst>
+    <dgm:effectClrLst/>
+    <dgm:txLinClrLst/>
+    <dgm:txFillClrLst/>
+    <dgm:txEffectClrLst/>
+  </dgm:styleLbl>
+  <dgm:styleLbl name="fgSibTrans2D1">
+    <dgm:fillClrLst meth="repeat">
+      <a:schemeClr val="accent1">
+        <a:tint val="60000"/>
+      </a:schemeClr>
+    </dgm:fillClrLst>
+    <dgm:linClrLst meth="repeat">
+      <a:schemeClr val="accent1">
+        <a:tint val="60000"/>
+      </a:schemeClr>
+    </dgm:linClrLst>
+    <dgm:effectClrLst/>
+    <dgm:txLinClrLst/>
+    <dgm:txFillClrLst/>
+    <dgm:txEffectClrLst/>
+  </dgm:styleLbl>
+  <dgm:styleLbl name="bgSibTrans2D1">
+    <dgm:fillClrLst meth="repeat">
+      <a:schemeClr val="accent1">
+        <a:tint val="60000"/>
+      </a:schemeClr>
+    </dgm:fillClrLst>
+    <dgm:linClrLst meth="repeat">
+      <a:schemeClr val="accent1">
+        <a:tint val="60000"/>
+      </a:schemeClr>
+    </dgm:linClrLst>
+    <dgm:effectClrLst/>
+    <dgm:txLinClrLst/>
+    <dgm:txFillClrLst/>
+    <dgm:txEffectClrLst/>
+  </dgm:styleLbl>
+  <dgm:styleLbl name="sibTrans1D1">
+    <dgm:fillClrLst meth="repeat">
+      <a:schemeClr val="accent1"/>
+    </dgm:fillClrLst>
+    <dgm:linClrLst meth="repeat">
+      <a:schemeClr val="accent1"/>
+    </dgm:linClrLst>
+    <dgm:effectClrLst/>
+    <dgm:txLinClrLst/>
+    <dgm:txFillClrLst meth="repeat">
+      <a:schemeClr val="tx1"/>
+    </dgm:txFillClrLst>
+    <dgm:txEffectClrLst/>
+  </dgm:styleLbl>
+  <dgm:styleLbl name="callout">
+    <dgm:fillClrLst meth="repeat">
+      <a:schemeClr val="accent1"/>
+    </dgm:fillClrLst>
+    <dgm:linClrLst meth="repeat">
+      <a:schemeClr val="accent1">
+        <a:tint val="50000"/>
+      </a:schemeClr>
+    </dgm:linClrLst>
+    <dgm:effectClrLst/>
+    <dgm:txLinClrLst/>
+    <dgm:txFillClrLst meth="repeat">
+      <a:schemeClr val="tx1"/>
+    </dgm:txFillClrLst>
+    <dgm:txEffectClrLst/>
+  </dgm:styleLbl>
+  <dgm:styleLbl name="asst0">
+    <dgm:fillClrLst meth="repeat">
+      <a:schemeClr val="accent1"/>
+    </dgm:fillClrLst>
+    <dgm:linClrLst meth="repeat">
+      <a:schemeClr val="lt1"/>
+    </dgm:linClrLst>
+    <dgm:effectClrLst/>
+    <dgm:txLinClrLst/>
+    <dgm:txFillClrLst/>
+    <dgm:txEffectClrLst/>
+  </dgm:styleLbl>
+  <dgm:styleLbl name="asst1">
+    <dgm:fillClrLst meth="repeat">
+      <a:schemeClr val="accent1"/>
+    </dgm:fillClrLst>
+    <dgm:linClrLst meth="repeat">
+      <a:schemeClr val="lt1"/>
+    </dgm:linClrLst>
+    <dgm:effectClrLst/>
+    <dgm:txLinClrLst/>
+    <dgm:txFillClrLst/>
+    <dgm:txEffectClrLst/>
+  </dgm:styleLbl>
+  <dgm:styleLbl name="asst2">
+    <dgm:fillClrLst meth="repeat">
+      <a:schemeClr val="accent1"/>
+    </dgm:fillClrLst>
+    <dgm:linClrLst meth="repeat">
+      <a:schemeClr val="lt1"/>
+    </dgm:linClrLst>
+    <dgm:effectClrLst/>
+    <dgm:txLinClrLst/>
+    <dgm:txFillClrLst/>
+    <dgm:txEffectClrLst/>
+  </dgm:styleLbl>
+  <dgm:styleLbl name="asst3">
+    <dgm:fillClrLst meth="repeat">
+      <a:schemeClr val="accent1"/>
+    </dgm:fillClrLst>
+    <dgm:linClrLst meth="repeat">
+      <a:schemeClr val="lt1"/>
+    </dgm:linClrLst>
+    <dgm:effectClrLst/>
+    <dgm:txLinClrLst/>
+    <dgm:txFillClrLst/>
+    <dgm:txEffectClrLst/>
+  </dgm:styleLbl>
+  <dgm:styleLbl name="asst4">
+    <dgm:fillClrLst meth="repeat">
+      <a:schemeClr val="accent1"/>
+    </dgm:fillClrLst>
+    <dgm:linClrLst meth="repeat">
+      <a:schemeClr val="lt1"/>
+    </dgm:linClrLst>
+    <dgm:effectClrLst/>
+    <dgm:txLinClrLst/>
+    <dgm:txFillClrLst/>
+    <dgm:txEffectClrLst/>
+  </dgm:styleLbl>
+  <dgm:styleLbl name="parChTrans2D1">
+    <dgm:fillClrLst meth="repeat">
+      <a:schemeClr val="accent1">
+        <a:tint val="60000"/>
+      </a:schemeClr>
+    </dgm:fillClrLst>
+    <dgm:linClrLst meth="repeat">
+      <a:schemeClr val="accent1">
+        <a:tint val="60000"/>
+      </a:schemeClr>
+    </dgm:linClrLst>
+    <dgm:effectClrLst/>
+    <dgm:txLinClrLst/>
+    <dgm:txFillClrLst meth="repeat">
+      <a:schemeClr val="lt1"/>
+    </dgm:txFillClrLst>
+    <dgm:txEffectClrLst/>
+  </dgm:styleLbl>
+  <dgm:styleLbl name="parChTrans2D2">
+    <dgm:fillClrLst meth="repeat">
+      <a:schemeClr val="accent1"/>
+    </dgm:fillClrLst>
+    <dgm:linClrLst meth="repeat">
+      <a:schemeClr val="accent1"/>
+    </dgm:linClrLst>
+    <dgm:effectClrLst/>
+    <dgm:txLinClrLst/>
+    <dgm:txFillClrLst meth="repeat">
+      <a:schemeClr val="lt1"/>
+    </dgm:txFillClrLst>
+    <dgm:txEffectClrLst/>
+  </dgm:styleLbl>
+  <dgm:styleLbl name="parChTrans2D3">
+    <dgm:fillClrLst meth="repeat">
+      <a:schemeClr val="accent1"/>
+    </dgm:fillClrLst>
+    <dgm:linClrLst meth="repeat">
+      <a:schemeClr val="accent1"/>
+    </dgm:linClrLst>
+    <dgm:effectClrLst/>
+    <dgm:txLinClrLst/>
+    <dgm:txFillClrLst meth="repeat">
+      <a:schemeClr val="lt1"/>
+    </dgm:txFillClrLst>
+    <dgm:txEffectClrLst/>
+  </dgm:styleLbl>
+  <dgm:styleLbl name="parChTrans2D4">
+    <dgm:fillClrLst meth="repeat">
+      <a:schemeClr val="accent1"/>
+    </dgm:fillClrLst>
+    <dgm:linClrLst meth="repeat">
+      <a:schemeClr val="accent1"/>
+    </dgm:linClrLst>
+    <dgm:effectClrLst/>
+    <dgm:txLinClrLst/>
+    <dgm:txFillClrLst meth="repeat">
+      <a:schemeClr val="lt1"/>
+    </dgm:txFillClrLst>
+    <dgm:txEffectClrLst/>
+  </dgm:styleLbl>
+  <dgm:styleLbl name="parChTrans1D1">
+    <dgm:fillClrLst meth="repeat">
+      <a:schemeClr val="accent1"/>
+    </dgm:fillClrLst>
+    <dgm:linClrLst meth="repeat">
+      <a:schemeClr val="accent1">
+        <a:shade val="60000"/>
+      </a:schemeClr>
+    </dgm:linClrLst>
+    <dgm:effectClrLst/>
+    <dgm:txLinClrLst/>
+    <dgm:txFillClrLst meth="repeat">
+      <a:schemeClr val="tx1"/>
+    </dgm:txFillClrLst>
+    <dgm:txEffectClrLst/>
+  </dgm:styleLbl>
+  <dgm:styleLbl name="parChTrans1D2">
+    <dgm:fillClrLst meth="repeat">
+      <a:schemeClr val="accent1"/>
+    </dgm:fillClrLst>
+    <dgm:linClrLst meth="repeat">
+      <a:schemeClr val="accent1">
+        <a:shade val="60000"/>
+      </a:schemeClr>
+    </dgm:linClrLst>
+    <dgm:effectClrLst/>
+    <dgm:txLinClrLst/>
+    <dgm:txFillClrLst meth="repeat">
+      <a:schemeClr val="tx1"/>
+    </dgm:txFillClrLst>
+    <dgm:txEffectClrLst/>
+  </dgm:styleLbl>
+  <dgm:styleLbl name="parChTrans1D3">
+    <dgm:fillClrLst meth="repeat">
+      <a:schemeClr val="accent1"/>
+    </dgm:fillClrLst>
+    <dgm:linClrLst meth="repeat">
+      <a:schemeClr val="accent1">
+        <a:shade val="80000"/>
+      </a:schemeClr>
+    </dgm:linClrLst>
+    <dgm:effectClrLst/>
+    <dgm:txLinClrLst/>
+    <dgm:txFillClrLst meth="repeat">
+      <a:schemeClr val="tx1"/>
+    </dgm:txFillClrLst>
+    <dgm:txEffectClrLst/>
+  </dgm:styleLbl>
+  <dgm:styleLbl name="parChTrans1D4">
+    <dgm:fillClrLst meth="repeat">
+      <a:schemeClr val="accent1"/>
+    </dgm:fillClrLst>
+    <dgm:linClrLst meth="repeat">
+      <a:schemeClr val="accent1">
+        <a:shade val="80000"/>
+      </a:schemeClr>
+    </dgm:linClrLst>
+    <dgm:effectClrLst/>
+    <dgm:txLinClrLst/>
+    <dgm:txFillClrLst meth="repeat">
+      <a:schemeClr val="tx1"/>
+    </dgm:txFillClrLst>
+    <dgm:txEffectClrLst/>
+  </dgm:styleLbl>
+  <dgm:styleLbl name="fgAcc1">
+    <dgm:fillClrLst meth="repeat">
+      <a:schemeClr val="lt1">
+        <a:alpha val="90000"/>
+      </a:schemeClr>
+    </dgm:fillClrLst>
+    <dgm:linClrLst meth="repeat">
+      <a:schemeClr val="accent1"/>
+    </dgm:linClrLst>
+    <dgm:effectClrLst/>
+    <dgm:txLinClrLst/>
+    <dgm:txFillClrLst meth="repeat">
+      <a:schemeClr val="dk1"/>
+    </dgm:txFillClrLst>
+    <dgm:txEffectClrLst/>
+  </dgm:styleLbl>
+  <dgm:styleLbl name="conFgAcc1">
+    <dgm:fillClrLst meth="repeat">
+      <a:schemeClr val="lt1">
+        <a:alpha val="90000"/>
+      </a:schemeClr>
+    </dgm:fillClrLst>
+    <dgm:linClrLst meth="repeat">
+      <a:schemeClr val="accent1"/>
+    </dgm:linClrLst>
+    <dgm:effectClrLst/>
+    <dgm:txLinClrLst/>
+    <dgm:txFillClrLst meth="repeat">
+      <a:schemeClr val="dk1"/>
+    </dgm:txFillClrLst>
+    <dgm:txEffectClrLst/>
+  </dgm:styleLbl>
+  <dgm:styleLbl name="alignAcc1">
+    <dgm:fillClrLst meth="repeat">
+      <a:schemeClr val="lt1">
+        <a:alpha val="90000"/>
+      </a:schemeClr>
+    </dgm:fillClrLst>
+    <dgm:linClrLst meth="repeat">
+      <a:schemeClr val="accent1"/>
+    </dgm:linClrLst>
+    <dgm:effectClrLst/>
+    <dgm:txLinClrLst/>
+    <dgm:txFillClrLst meth="repeat">
+      <a:schemeClr val="dk1"/>
+    </dgm:txFillClrLst>
+    <dgm:txEffectClrLst/>
+  </dgm:styleLbl>
+  <dgm:styleLbl name="trAlignAcc1">
+    <dgm:fillClrLst meth="repeat">
+      <a:schemeClr val="lt1">
+        <a:alpha val="40000"/>
+      </a:schemeClr>
+    </dgm:fillClrLst>
+    <dgm:linClrLst meth="repeat">
+      <a:schemeClr val="accent1"/>
+    </dgm:linClrLst>
+    <dgm:effectClrLst/>
+    <dgm:txLinClrLst/>
+    <dgm:txFillClrLst meth="repeat">
+      <a:schemeClr val="dk1"/>
+    </dgm:txFillClrLst>
+    <dgm:txEffectClrLst/>
+  </dgm:styleLbl>
+  <dgm:styleLbl name="bgAcc1">
+    <dgm:fillClrLst meth="repeat">
+      <a:schemeClr val="lt1">
+        <a:alpha val="90000"/>
+      </a:schemeClr>
+    </dgm:fillClrLst>
+    <dgm:linClrLst meth="repeat">
+      <a:schemeClr val="accent1"/>
+    </dgm:linClrLst>
+    <dgm:effectClrLst/>
+    <dgm:txLinClrLst/>
+    <dgm:txFillClrLst meth="repeat">
+      <a:schemeClr val="dk1"/>
+    </dgm:txFillClrLst>
+    <dgm:txEffectClrLst/>
+  </dgm:styleLbl>
+  <dgm:styleLbl name="solidFgAcc1">
+    <dgm:fillClrLst meth="repeat">
+      <a:schemeClr val="lt1"/>
+    </dgm:fillClrLst>
+    <dgm:linClrLst meth="repeat">
+      <a:schemeClr val="accent1"/>
+    </dgm:linClrLst>
+    <dgm:effectClrLst/>
+    <dgm:txLinClrLst/>
+    <dgm:txFillClrLst meth="repeat">
+      <a:schemeClr val="dk1"/>
+    </dgm:txFillClrLst>
+    <dgm:txEffectClrLst/>
+  </dgm:styleLbl>
+  <dgm:styleLbl name="solidAlignAcc1">
+    <dgm:fillClrLst meth="repeat">
+      <a:schemeClr val="lt1"/>
+    </dgm:fillClrLst>
+    <dgm:linClrLst meth="repeat">
+      <a:schemeClr val="accent1"/>
+    </dgm:linClrLst>
+    <dgm:effectClrLst/>
+    <dgm:txLinClrLst/>
+    <dgm:txFillClrLst meth="repeat">
+      <a:schemeClr val="dk1"/>
+    </dgm:txFillClrLst>
+    <dgm:txEffectClrLst/>
+  </dgm:styleLbl>
+  <dgm:styleLbl name="solidBgAcc1">
+    <dgm:fillClrLst meth="repeat">
+      <a:schemeClr val="lt1"/>
+    </dgm:fillClrLst>
+    <dgm:linClrLst meth="repeat">
+      <a:schemeClr val="accent1"/>
+    </dgm:linClrLst>
+    <dgm:effectClrLst/>
+    <dgm:txLinClrLst/>
+    <dgm:txFillClrLst meth="repeat">
+      <a:schemeClr val="dk1"/>
+    </dgm:txFillClrLst>
+    <dgm:txEffectClrLst/>
+  </dgm:styleLbl>
+  <dgm:styleLbl name="fgAccFollowNode1">
+    <dgm:fillClrLst meth="repeat">
+      <a:schemeClr val="accent1">
+        <a:alpha val="90000"/>
+        <a:tint val="40000"/>
+      </a:schemeClr>
+    </dgm:fillClrLst>
+    <dgm:linClrLst meth="repeat">
+      <a:schemeClr val="accent1">
+        <a:alpha val="90000"/>
+        <a:tint val="40000"/>
+      </a:schemeClr>
+    </dgm:linClrLst>
+    <dgm:effectClrLst/>
+    <dgm:txLinClrLst/>
+    <dgm:txFillClrLst meth="repeat">
+      <a:schemeClr val="dk1"/>
+    </dgm:txFillClrLst>
+    <dgm:txEffectClrLst/>
+  </dgm:styleLbl>
+  <dgm:styleLbl name="alignAccFollowNode1">
+    <dgm:fillClrLst meth="repeat">
+      <a:schemeClr val="accent1">
+        <a:alpha val="90000"/>
+        <a:tint val="40000"/>
+      </a:schemeClr>
+    </dgm:fillClrLst>
+    <dgm:linClrLst meth="repeat">
+      <a:schemeClr val="accent1">
+        <a:alpha val="90000"/>
+        <a:tint val="40000"/>
+      </a:schemeClr>
+    </dgm:linClrLst>
+    <dgm:effectClrLst/>
+    <dgm:txLinClrLst/>
+    <dgm:txFillClrLst meth="repeat">
+      <a:schemeClr val="dk1"/>
+    </dgm:txFillClrLst>
+    <dgm:txEffectClrLst/>
+  </dgm:styleLbl>
+  <dgm:styleLbl name="bgAccFollowNode1">
+    <dgm:fillClrLst meth="repeat">
+      <a:schemeClr val="accent1">
+        <a:alpha val="90000"/>
+        <a:tint val="40000"/>
+      </a:schemeClr>
+    </dgm:fillClrLst>
+    <dgm:linClrLst meth="repeat">
+      <a:schemeClr val="accent1">
+        <a:alpha val="90000"/>
+        <a:tint val="40000"/>
+      </a:schemeClr>
+    </dgm:linClrLst>
+    <dgm:effectClrLst/>
+    <dgm:txLinClrLst/>
+    <dgm:txFillClrLst meth="repeat">
+      <a:schemeClr val="dk1"/>
+    </dgm:txFillClrLst>
+    <dgm:txEffectClrLst/>
+  </dgm:styleLbl>
+  <dgm:styleLbl name="fgAcc0">
+    <dgm:fillClrLst meth="repeat">
+      <a:schemeClr val="lt1">
+        <a:alpha val="90000"/>
+      </a:schemeClr>
+    </dgm:fillClrLst>
+    <dgm:linClrLst meth="repeat">
+      <a:schemeClr val="accent1"/>
+    </dgm:linClrLst>
+    <dgm:effectClrLst/>
+    <dgm:txLinClrLst/>
+    <dgm:txFillClrLst meth="repeat">
+      <a:schemeClr val="dk1"/>
+    </dgm:txFillClrLst>
+    <dgm:txEffectClrLst/>
+  </dgm:styleLbl>
+  <dgm:styleLbl name="fgAcc2">
+    <dgm:fillClrLst meth="repeat">
+      <a:schemeClr val="lt1">
+        <a:alpha val="90000"/>
+      </a:schemeClr>
+    </dgm:fillClrLst>
+    <dgm:linClrLst meth="repeat">
+      <a:schemeClr val="accent1"/>
+    </dgm:linClrLst>
+    <dgm:effectClrLst/>
+    <dgm:txLinClrLst/>
+    <dgm:txFillClrLst meth="repeat">
+      <a:schemeClr val="dk1"/>
+    </dgm:txFillClrLst>
+    <dgm:txEffectClrLst/>
+  </dgm:styleLbl>
+  <dgm:styleLbl name="fgAcc3">
+    <dgm:fillClrLst meth="repeat">
+      <a:schemeClr val="lt1">
+        <a:alpha val="90000"/>
+      </a:schemeClr>
+    </dgm:fillClrLst>
+    <dgm:linClrLst meth="repeat">
+      <a:schemeClr val="accent1"/>
+    </dgm:linClrLst>
+    <dgm:effectClrLst/>
+    <dgm:txLinClrLst/>
+    <dgm:txFillClrLst meth="repeat">
+      <a:schemeClr val="dk1"/>
+    </dgm:txFillClrLst>
+    <dgm:txEffectClrLst/>
+  </dgm:styleLbl>
+  <dgm:styleLbl name="fgAcc4">
+    <dgm:fillClrLst meth="repeat">
+      <a:schemeClr val="lt1">
+        <a:alpha val="90000"/>
+      </a:schemeClr>
+    </dgm:fillClrLst>
+    <dgm:linClrLst meth="repeat">
+      <a:schemeClr val="accent1"/>
+    </dgm:linClrLst>
+    <dgm:effectClrLst/>
+    <dgm:txLinClrLst/>
+    <dgm:txFillClrLst meth="repeat">
+      <a:schemeClr val="dk1"/>
+    </dgm:txFillClrLst>
+    <dgm:txEffectClrLst/>
+  </dgm:styleLbl>
+  <dgm:styleLbl name="bgShp">
+    <dgm:fillClrLst meth="repeat">
+      <a:schemeClr val="accent1">
+        <a:tint val="40000"/>
+      </a:schemeClr>
+    </dgm:fillClrLst>
+    <dgm:linClrLst meth="repeat">
+      <a:schemeClr val="accent1"/>
+    </dgm:linClrLst>
+    <dgm:effectClrLst/>
+    <dgm:txLinClrLst/>
+    <dgm:txFillClrLst meth="repeat">
+      <a:schemeClr val="dk1"/>
+    </dgm:txFillClrLst>
+    <dgm:txEffectClrLst/>
+  </dgm:styleLbl>
+  <dgm:styleLbl name="dkBgShp">
+    <dgm:fillClrLst meth="repeat">
+      <a:schemeClr val="accent1">
+        <a:shade val="80000"/>
+      </a:schemeClr>
+    </dgm:fillClrLst>
+    <dgm:linClrLst meth="repeat">
+      <a:schemeClr val="accent1"/>
+    </dgm:linClrLst>
+    <dgm:effectClrLst/>
+    <dgm:txLinClrLst/>
+    <dgm:txFillClrLst meth="repeat">
+      <a:schemeClr val="lt1"/>
+    </dgm:txFillClrLst>
+    <dgm:txEffectClrLst/>
+  </dgm:styleLbl>
+  <dgm:styleLbl name="trBgShp">
+    <dgm:fillClrLst meth="repeat">
+      <a:schemeClr val="accent1">
+        <a:tint val="50000"/>
+        <a:alpha val="40000"/>
+      </a:schemeClr>
+    </dgm:fillClrLst>
+    <dgm:linClrLst meth="repeat">
+      <a:schemeClr val="accent1"/>
+    </dgm:linClrLst>
+    <dgm:effectClrLst/>
+    <dgm:txLinClrLst/>
+    <dgm:txFillClrLst meth="repeat">
+      <a:schemeClr val="lt1"/>
+    </dgm:txFillClrLst>
+    <dgm:txEffectClrLst/>
+  </dgm:styleLbl>
+  <dgm:styleLbl name="fgShp">
+    <dgm:fillClrLst meth="repeat">
+      <a:schemeClr val="accent1">
+        <a:tint val="60000"/>
+      </a:schemeClr>
+    </dgm:fillClrLst>
+    <dgm:linClrLst meth="repeat">
+      <a:schemeClr val="lt1"/>
+    </dgm:linClrLst>
+    <dgm:effectClrLst/>
+    <dgm:txLinClrLst/>
+    <dgm:txFillClrLst meth="repeat">
+      <a:schemeClr val="dk1"/>
+    </dgm:txFillClrLst>
+    <dgm:txEffectClrLst/>
+  </dgm:styleLbl>
+  <dgm:styleLbl name="revTx">
+    <dgm:fillClrLst meth="repeat">
+      <a:schemeClr val="lt1">
+        <a:alpha val="0"/>
+      </a:schemeClr>
+    </dgm:fillClrLst>
+    <dgm:linClrLst meth="repeat">
+      <a:schemeClr val="dk1">
+        <a:alpha val="0"/>
+      </a:schemeClr>
+    </dgm:linClrLst>
+    <dgm:effectClrLst/>
+    <dgm:txLinClrLst/>
+    <dgm:txFillClrLst meth="repeat">
+      <a:schemeClr val="tx1"/>
+    </dgm:txFillClrLst>
+    <dgm:txEffectClrLst/>
+  </dgm:styleLbl>
+</dgm:colorsDef>
+</file>
+
+<file path=ppt/diagrams/data1.xml><?xml version="1.0" encoding="utf-8"?>
+<dgm:dataModel xmlns:dgm="http://schemas.openxmlformats.org/drawingml/2006/diagram" xmlns:a="http://schemas.openxmlformats.org/drawingml/2006/main">
+  <dgm:ptLst>
+    <dgm:pt modelId="{898C5174-94EB-DE4C-AE3B-D66DB0F289F0}" type="doc">
+      <dgm:prSet loTypeId="urn:microsoft.com/office/officeart/2005/8/layout/lProcess1" loCatId="" qsTypeId="urn:microsoft.com/office/officeart/2005/8/quickstyle/simple1" qsCatId="simple" csTypeId="urn:microsoft.com/office/officeart/2005/8/colors/accent1_2" csCatId="accent1" phldr="1"/>
+      <dgm:spPr/>
+      <dgm:t>
+        <a:bodyPr/>
+        <a:lstStyle/>
+        <a:p>
+          <a:endParaRPr lang="en-US"/>
+        </a:p>
+      </dgm:t>
+    </dgm:pt>
+    <dgm:pt modelId="{A57B4573-9752-CE4D-9B21-F03FAC0A4E98}">
+      <dgm:prSet phldrT="[Text]" custT="1"/>
+      <dgm:spPr/>
+      <dgm:t>
+        <a:bodyPr/>
+        <a:lstStyle/>
+        <a:p>
+          <a:r>
+            <a:rPr lang="en-US" sz="2000" b="1" dirty="0"/>
+            <a:t>Brainstorm</a:t>
+          </a:r>
+        </a:p>
+      </dgm:t>
+    </dgm:pt>
+    <dgm:pt modelId="{733E57C5-8198-F040-8B17-5964D4283562}" type="parTrans" cxnId="{BDC13F07-2C80-1D43-9359-9C3AFE07608A}">
+      <dgm:prSet/>
+      <dgm:spPr/>
+      <dgm:t>
+        <a:bodyPr/>
+        <a:lstStyle/>
+        <a:p>
+          <a:endParaRPr lang="en-US"/>
+        </a:p>
+      </dgm:t>
+    </dgm:pt>
+    <dgm:pt modelId="{0ED5BCD9-E776-7E45-A1B7-081D606CBD44}" type="sibTrans" cxnId="{BDC13F07-2C80-1D43-9359-9C3AFE07608A}">
+      <dgm:prSet/>
+      <dgm:spPr/>
+      <dgm:t>
+        <a:bodyPr/>
+        <a:lstStyle/>
+        <a:p>
+          <a:endParaRPr lang="en-US"/>
+        </a:p>
+      </dgm:t>
+    </dgm:pt>
+    <dgm:pt modelId="{02AC17F7-5E74-6745-9785-3B378A9EA37B}">
+      <dgm:prSet phldrT="[Text]" custT="1"/>
+      <dgm:spPr/>
+      <dgm:t>
+        <a:bodyPr/>
+        <a:lstStyle/>
+        <a:p>
+          <a:r>
+            <a:rPr lang="en-US" sz="1400" b="1" dirty="0"/>
+            <a:t>Explore Data Sources</a:t>
+          </a:r>
+        </a:p>
+      </dgm:t>
+    </dgm:pt>
+    <dgm:pt modelId="{B0897C2B-562B-EA49-959A-75313E19660D}" type="parTrans" cxnId="{350E8B28-DC11-6B40-9D79-E648F4603106}">
+      <dgm:prSet/>
+      <dgm:spPr/>
+      <dgm:t>
+        <a:bodyPr/>
+        <a:lstStyle/>
+        <a:p>
+          <a:endParaRPr lang="en-US"/>
+        </a:p>
+      </dgm:t>
+    </dgm:pt>
+    <dgm:pt modelId="{94E579BA-08D4-DB43-9A9F-0F39E7B32246}" type="sibTrans" cxnId="{350E8B28-DC11-6B40-9D79-E648F4603106}">
+      <dgm:prSet/>
+      <dgm:spPr/>
+      <dgm:t>
+        <a:bodyPr/>
+        <a:lstStyle/>
+        <a:p>
+          <a:endParaRPr lang="en-US"/>
+        </a:p>
+      </dgm:t>
+    </dgm:pt>
+    <dgm:pt modelId="{FBE2640A-87D5-4F47-96EB-2F1CB70D5AF3}">
+      <dgm:prSet phldrT="[Text]" custT="1"/>
+      <dgm:spPr/>
+      <dgm:t>
+        <a:bodyPr/>
+        <a:lstStyle/>
+        <a:p>
+          <a:r>
+            <a:rPr lang="en-US" sz="2000" b="1" dirty="0"/>
+            <a:t>Collect Data</a:t>
+          </a:r>
+        </a:p>
+      </dgm:t>
+    </dgm:pt>
+    <dgm:pt modelId="{70608D6C-6162-A249-AEE3-C850C57893E8}" type="parTrans" cxnId="{2F070696-79CA-8540-9011-820B94839E3D}">
+      <dgm:prSet/>
+      <dgm:spPr/>
+      <dgm:t>
+        <a:bodyPr/>
+        <a:lstStyle/>
+        <a:p>
+          <a:endParaRPr lang="en-US"/>
+        </a:p>
+      </dgm:t>
+    </dgm:pt>
+    <dgm:pt modelId="{C5153930-8B57-3448-BADB-24DC4641E682}" type="sibTrans" cxnId="{2F070696-79CA-8540-9011-820B94839E3D}">
+      <dgm:prSet/>
+      <dgm:spPr/>
+      <dgm:t>
+        <a:bodyPr/>
+        <a:lstStyle/>
+        <a:p>
+          <a:endParaRPr lang="en-US"/>
+        </a:p>
+      </dgm:t>
+    </dgm:pt>
+    <dgm:pt modelId="{36D7BCDA-E4BB-D949-B466-57ECDB73EDE9}">
+      <dgm:prSet phldrT="[Text]" custT="1"/>
+      <dgm:spPr/>
+      <dgm:t>
+        <a:bodyPr/>
+        <a:lstStyle/>
+        <a:p>
+          <a:r>
+            <a:rPr lang="en-US" sz="1400" b="1" dirty="0"/>
+            <a:t>Covid-19 Cases</a:t>
+          </a:r>
+        </a:p>
+      </dgm:t>
+    </dgm:pt>
+    <dgm:pt modelId="{2065DA7C-E00F-DF43-98B9-4566BA3604D9}" type="parTrans" cxnId="{D5C04162-6154-6443-8E14-ACCAA3B3A607}">
+      <dgm:prSet/>
+      <dgm:spPr/>
+      <dgm:t>
+        <a:bodyPr/>
+        <a:lstStyle/>
+        <a:p>
+          <a:endParaRPr lang="en-US"/>
+        </a:p>
+      </dgm:t>
+    </dgm:pt>
+    <dgm:pt modelId="{E3A6FF26-83D7-0D46-AAD1-87EBD83B17FF}" type="sibTrans" cxnId="{D5C04162-6154-6443-8E14-ACCAA3B3A607}">
+      <dgm:prSet/>
+      <dgm:spPr/>
+      <dgm:t>
+        <a:bodyPr/>
+        <a:lstStyle/>
+        <a:p>
+          <a:endParaRPr lang="en-US"/>
+        </a:p>
+      </dgm:t>
+    </dgm:pt>
+    <dgm:pt modelId="{5A893E2B-E89B-BE4C-AF3C-5533CC0FD0E6}">
+      <dgm:prSet phldrT="[Text]" custT="1"/>
+      <dgm:spPr/>
+      <dgm:t>
+        <a:bodyPr/>
+        <a:lstStyle/>
+        <a:p>
+          <a:r>
+            <a:rPr lang="en-US" sz="2000" b="1" dirty="0"/>
+            <a:t>Review</a:t>
+          </a:r>
+        </a:p>
+      </dgm:t>
+    </dgm:pt>
+    <dgm:pt modelId="{5B591528-DC5C-B848-833D-AB4CCC40231F}" type="parTrans" cxnId="{AED2998F-417C-5E49-B52E-31079F4ED17E}">
+      <dgm:prSet/>
+      <dgm:spPr/>
+      <dgm:t>
+        <a:bodyPr/>
+        <a:lstStyle/>
+        <a:p>
+          <a:endParaRPr lang="en-US"/>
+        </a:p>
+      </dgm:t>
+    </dgm:pt>
+    <dgm:pt modelId="{07984C1B-951F-464E-8AD1-3BDCF7499E85}" type="sibTrans" cxnId="{AED2998F-417C-5E49-B52E-31079F4ED17E}">
+      <dgm:prSet/>
+      <dgm:spPr/>
+      <dgm:t>
+        <a:bodyPr/>
+        <a:lstStyle/>
+        <a:p>
+          <a:endParaRPr lang="en-US"/>
+        </a:p>
+      </dgm:t>
+    </dgm:pt>
+    <dgm:pt modelId="{6F9E8415-7BEB-F545-9AD1-F97E43387DF1}">
+      <dgm:prSet custT="1"/>
+      <dgm:spPr/>
+      <dgm:t>
+        <a:bodyPr/>
+        <a:lstStyle/>
+        <a:p>
+          <a:r>
+            <a:rPr lang="en-US" sz="2000" b="1" dirty="0"/>
+            <a:t>Organize Data</a:t>
+          </a:r>
+        </a:p>
+      </dgm:t>
+    </dgm:pt>
+    <dgm:pt modelId="{FF2AAB83-6969-E046-A616-0C2746D3C9D9}" type="parTrans" cxnId="{45BFCC94-7B07-DD41-86E6-563F280753DE}">
+      <dgm:prSet/>
+      <dgm:spPr/>
+      <dgm:t>
+        <a:bodyPr/>
+        <a:lstStyle/>
+        <a:p>
+          <a:endParaRPr lang="en-US"/>
+        </a:p>
+      </dgm:t>
+    </dgm:pt>
+    <dgm:pt modelId="{2F4C5D3A-A588-B848-86A6-C947730FBDA7}" type="sibTrans" cxnId="{45BFCC94-7B07-DD41-86E6-563F280753DE}">
+      <dgm:prSet/>
+      <dgm:spPr/>
+      <dgm:t>
+        <a:bodyPr/>
+        <a:lstStyle/>
+        <a:p>
+          <a:endParaRPr lang="en-US"/>
+        </a:p>
+      </dgm:t>
+    </dgm:pt>
+    <dgm:pt modelId="{BB7673A4-F943-8E4E-B238-23871B057044}">
+      <dgm:prSet custT="1"/>
+      <dgm:spPr/>
+      <dgm:t>
+        <a:bodyPr/>
+        <a:lstStyle/>
+        <a:p>
+          <a:r>
+            <a:rPr lang="en-US" sz="1400" b="1" dirty="0"/>
+            <a:t>*Need to update</a:t>
+          </a:r>
+        </a:p>
+      </dgm:t>
+    </dgm:pt>
+    <dgm:pt modelId="{4EFBDC61-BCE7-D941-8D24-C1E2FF152611}" type="parTrans" cxnId="{E0E16C91-28F2-BB44-8726-8A8E793D33D8}">
+      <dgm:prSet/>
+      <dgm:spPr/>
+      <dgm:t>
+        <a:bodyPr/>
+        <a:lstStyle/>
+        <a:p>
+          <a:endParaRPr lang="en-US"/>
+        </a:p>
+      </dgm:t>
+    </dgm:pt>
+    <dgm:pt modelId="{2DE8218A-03EB-9B40-BD8D-AA5F2135817D}" type="sibTrans" cxnId="{E0E16C91-28F2-BB44-8726-8A8E793D33D8}">
+      <dgm:prSet/>
+      <dgm:spPr/>
+      <dgm:t>
+        <a:bodyPr/>
+        <a:lstStyle/>
+        <a:p>
+          <a:endParaRPr lang="en-US"/>
+        </a:p>
+      </dgm:t>
+    </dgm:pt>
+    <dgm:pt modelId="{A9DEE4AD-093B-E44C-AE89-A6B765379BE9}">
+      <dgm:prSet custT="1"/>
+      <dgm:spPr/>
+      <dgm:t>
+        <a:bodyPr/>
+        <a:lstStyle/>
+        <a:p>
+          <a:r>
+            <a:rPr lang="en-US" sz="2000" b="1" dirty="0"/>
+            <a:t>Visualize Data</a:t>
+          </a:r>
+        </a:p>
+      </dgm:t>
+    </dgm:pt>
+    <dgm:pt modelId="{D31C39F1-7D99-2F45-B788-D64924B0E588}" type="parTrans" cxnId="{CF6033D7-87BF-A043-ACA2-16EB973FBB45}">
+      <dgm:prSet/>
+      <dgm:spPr/>
+      <dgm:t>
+        <a:bodyPr/>
+        <a:lstStyle/>
+        <a:p>
+          <a:endParaRPr lang="en-US"/>
+        </a:p>
+      </dgm:t>
+    </dgm:pt>
+    <dgm:pt modelId="{018965DC-3115-9E4E-9D12-C195B3E6C2F8}" type="sibTrans" cxnId="{CF6033D7-87BF-A043-ACA2-16EB973FBB45}">
+      <dgm:prSet/>
+      <dgm:spPr/>
+      <dgm:t>
+        <a:bodyPr/>
+        <a:lstStyle/>
+        <a:p>
+          <a:endParaRPr lang="en-US"/>
+        </a:p>
+      </dgm:t>
+    </dgm:pt>
+    <dgm:pt modelId="{2E16D0EE-0153-BD40-A3C5-6A1928FAA4F5}">
+      <dgm:prSet custT="1"/>
+      <dgm:spPr/>
+      <dgm:t>
+        <a:bodyPr/>
+        <a:lstStyle/>
+        <a:p>
+          <a:r>
+            <a:rPr lang="en-US" sz="2000" b="1" dirty="0"/>
+            <a:t>Analyze </a:t>
+          </a:r>
+        </a:p>
+      </dgm:t>
+    </dgm:pt>
+    <dgm:pt modelId="{E6D8A640-28FE-8E46-AC57-D979317CDB53}" type="parTrans" cxnId="{D1159D1C-2B1C-F64B-9081-469F57F165C5}">
+      <dgm:prSet/>
+      <dgm:spPr/>
+      <dgm:t>
+        <a:bodyPr/>
+        <a:lstStyle/>
+        <a:p>
+          <a:endParaRPr lang="en-US"/>
+        </a:p>
+      </dgm:t>
+    </dgm:pt>
+    <dgm:pt modelId="{5A758444-7153-ED4B-9A64-C1ED1751AA97}" type="sibTrans" cxnId="{D1159D1C-2B1C-F64B-9081-469F57F165C5}">
+      <dgm:prSet/>
+      <dgm:spPr/>
+      <dgm:t>
+        <a:bodyPr/>
+        <a:lstStyle/>
+        <a:p>
+          <a:endParaRPr lang="en-US"/>
+        </a:p>
+      </dgm:t>
+    </dgm:pt>
+    <dgm:pt modelId="{5D58C598-F7AF-E74A-8F28-DCBE13C03583}">
+      <dgm:prSet custT="1"/>
+      <dgm:spPr/>
+      <dgm:t>
+        <a:bodyPr/>
+        <a:lstStyle/>
+        <a:p>
+          <a:r>
+            <a:rPr lang="en-US" sz="1400" b="1" dirty="0"/>
+            <a:t>*Need to Update</a:t>
+          </a:r>
+        </a:p>
+      </dgm:t>
+    </dgm:pt>
+    <dgm:pt modelId="{8EE4858B-65E3-2A4D-99E7-8292BFDE5632}" type="parTrans" cxnId="{ECEF7F0D-9339-2740-8449-31F90B5D194C}">
+      <dgm:prSet/>
+      <dgm:spPr/>
+      <dgm:t>
+        <a:bodyPr/>
+        <a:lstStyle/>
+        <a:p>
+          <a:endParaRPr lang="en-US"/>
+        </a:p>
+      </dgm:t>
+    </dgm:pt>
+    <dgm:pt modelId="{77C77D42-3F8A-8643-B809-6A7DA5C8557A}" type="sibTrans" cxnId="{ECEF7F0D-9339-2740-8449-31F90B5D194C}">
+      <dgm:prSet/>
+      <dgm:spPr/>
+      <dgm:t>
+        <a:bodyPr/>
+        <a:lstStyle/>
+        <a:p>
+          <a:endParaRPr lang="en-US"/>
+        </a:p>
+      </dgm:t>
+    </dgm:pt>
+    <dgm:pt modelId="{58A80F11-9CE8-1848-8441-1AD38C2CABBA}">
+      <dgm:prSet custT="1"/>
+      <dgm:spPr/>
+      <dgm:t>
+        <a:bodyPr/>
+        <a:lstStyle/>
+        <a:p>
+          <a:r>
+            <a:rPr lang="en-US" sz="2000" b="1" dirty="0"/>
+            <a:t>Review</a:t>
+          </a:r>
+        </a:p>
+      </dgm:t>
+    </dgm:pt>
+    <dgm:pt modelId="{6E9FE33B-4105-B349-B60B-EA250A39AA2B}" type="parTrans" cxnId="{93835968-703A-0C49-BA82-CFAF41C438DB}">
+      <dgm:prSet/>
+      <dgm:spPr/>
+      <dgm:t>
+        <a:bodyPr/>
+        <a:lstStyle/>
+        <a:p>
+          <a:endParaRPr lang="en-US"/>
+        </a:p>
+      </dgm:t>
+    </dgm:pt>
+    <dgm:pt modelId="{B8AC3FEC-6472-C946-956E-0FEF0FCF7CC0}" type="sibTrans" cxnId="{93835968-703A-0C49-BA82-CFAF41C438DB}">
+      <dgm:prSet/>
+      <dgm:spPr/>
+      <dgm:t>
+        <a:bodyPr/>
+        <a:lstStyle/>
+        <a:p>
+          <a:endParaRPr lang="en-US"/>
+        </a:p>
+      </dgm:t>
+    </dgm:pt>
+    <dgm:pt modelId="{2494E046-A293-8743-94A9-816F9B727893}">
+      <dgm:prSet custT="1"/>
+      <dgm:spPr/>
+      <dgm:t>
+        <a:bodyPr/>
+        <a:lstStyle/>
+        <a:p>
+          <a:r>
+            <a:rPr lang="en-US" sz="1400" b="1" dirty="0"/>
+            <a:t>Review Cleaned Data</a:t>
+          </a:r>
+        </a:p>
+      </dgm:t>
+    </dgm:pt>
+    <dgm:pt modelId="{0B0F90B6-506E-6649-873A-AD3FE1CD4A16}" type="parTrans" cxnId="{ADDCD0DC-08F6-0B42-96E0-AD2E90E14A74}">
+      <dgm:prSet/>
+      <dgm:spPr/>
+      <dgm:t>
+        <a:bodyPr/>
+        <a:lstStyle/>
+        <a:p>
+          <a:endParaRPr lang="en-US"/>
+        </a:p>
+      </dgm:t>
+    </dgm:pt>
+    <dgm:pt modelId="{6685ED33-CF31-BB4A-8F70-22E7395E2FC3}" type="sibTrans" cxnId="{ADDCD0DC-08F6-0B42-96E0-AD2E90E14A74}">
+      <dgm:prSet/>
+      <dgm:spPr/>
+      <dgm:t>
+        <a:bodyPr/>
+        <a:lstStyle/>
+        <a:p>
+          <a:endParaRPr lang="en-US"/>
+        </a:p>
+      </dgm:t>
+    </dgm:pt>
+    <dgm:pt modelId="{C76077C3-7A17-2240-9520-9F8FD22D4FC9}">
+      <dgm:prSet custT="1"/>
+      <dgm:spPr/>
+      <dgm:t>
+        <a:bodyPr/>
+        <a:lstStyle/>
+        <a:p>
+          <a:r>
+            <a:rPr lang="en-US" sz="1400" b="1" dirty="0"/>
+            <a:t>*Need to Update</a:t>
+          </a:r>
+        </a:p>
+      </dgm:t>
+    </dgm:pt>
+    <dgm:pt modelId="{AB3DD5B1-85E0-254E-BC33-E80C42A5C887}" type="parTrans" cxnId="{F95C60D4-1F93-2048-B222-B2546D292EDA}">
+      <dgm:prSet/>
+      <dgm:spPr/>
+      <dgm:t>
+        <a:bodyPr/>
+        <a:lstStyle/>
+        <a:p>
+          <a:endParaRPr lang="en-US"/>
+        </a:p>
+      </dgm:t>
+    </dgm:pt>
+    <dgm:pt modelId="{C15CFBC9-C655-414C-BB48-A039B30C163B}" type="sibTrans" cxnId="{F95C60D4-1F93-2048-B222-B2546D292EDA}">
+      <dgm:prSet/>
+      <dgm:spPr/>
+      <dgm:t>
+        <a:bodyPr/>
+        <a:lstStyle/>
+        <a:p>
+          <a:endParaRPr lang="en-US"/>
+        </a:p>
+      </dgm:t>
+    </dgm:pt>
+    <dgm:pt modelId="{428DF7DD-2102-5B45-B530-68319393841E}">
+      <dgm:prSet phldrT="[Text]" custT="1"/>
+      <dgm:spPr/>
+      <dgm:t>
+        <a:bodyPr/>
+        <a:lstStyle/>
+        <a:p>
+          <a:r>
+            <a:rPr lang="en-US" sz="1400" b="1" dirty="0"/>
+            <a:t>Consult TA's</a:t>
+          </a:r>
+        </a:p>
+      </dgm:t>
+    </dgm:pt>
+    <dgm:pt modelId="{7C92E14B-A571-5D47-A653-45CA5D50385D}" type="parTrans" cxnId="{55A97E39-1BB4-3B47-B800-DB6275EE1C3D}">
+      <dgm:prSet/>
+      <dgm:spPr/>
+      <dgm:t>
+        <a:bodyPr/>
+        <a:lstStyle/>
+        <a:p>
+          <a:endParaRPr lang="en-US"/>
+        </a:p>
+      </dgm:t>
+    </dgm:pt>
+    <dgm:pt modelId="{75F68DEE-DA29-7449-ACBA-F7840EA3C2BC}" type="sibTrans" cxnId="{55A97E39-1BB4-3B47-B800-DB6275EE1C3D}">
+      <dgm:prSet/>
+      <dgm:spPr/>
+      <dgm:t>
+        <a:bodyPr/>
+        <a:lstStyle/>
+        <a:p>
+          <a:endParaRPr lang="en-US"/>
+        </a:p>
+      </dgm:t>
+    </dgm:pt>
+    <dgm:pt modelId="{594F6612-34DE-6641-9E12-DFDDFEE9039E}">
+      <dgm:prSet phldrT="[Text]" custT="1"/>
+      <dgm:spPr/>
+      <dgm:t>
+        <a:bodyPr/>
+        <a:lstStyle/>
+        <a:p>
+          <a:r>
+            <a:rPr lang="en-US" sz="1400" b="1" dirty="0"/>
+            <a:t>Define Project Hypothesis</a:t>
+          </a:r>
+        </a:p>
+      </dgm:t>
+    </dgm:pt>
+    <dgm:pt modelId="{D23A54D8-BFCF-D544-8BB7-2F8D6FE9F0A6}" type="parTrans" cxnId="{32C79BAD-A73E-3E49-AD16-1FBF3EBA085D}">
+      <dgm:prSet/>
+      <dgm:spPr/>
+      <dgm:t>
+        <a:bodyPr/>
+        <a:lstStyle/>
+        <a:p>
+          <a:endParaRPr lang="en-US"/>
+        </a:p>
+      </dgm:t>
+    </dgm:pt>
+    <dgm:pt modelId="{29E75D75-531A-9140-A967-8BC509A6C40B}" type="sibTrans" cxnId="{32C79BAD-A73E-3E49-AD16-1FBF3EBA085D}">
+      <dgm:prSet/>
+      <dgm:spPr/>
+      <dgm:t>
+        <a:bodyPr/>
+        <a:lstStyle/>
+        <a:p>
+          <a:endParaRPr lang="en-US"/>
+        </a:p>
+      </dgm:t>
+    </dgm:pt>
+    <dgm:pt modelId="{8824B295-8C25-2141-B5D6-F2B4B926FBF3}">
+      <dgm:prSet phldrT="[Text]" custT="1"/>
+      <dgm:spPr/>
+      <dgm:t>
+        <a:bodyPr/>
+        <a:lstStyle/>
+        <a:p>
+          <a:r>
+            <a:rPr lang="en-US" sz="1400" b="1" dirty="0"/>
+            <a:t>Google Search Trends</a:t>
+          </a:r>
+        </a:p>
+      </dgm:t>
+    </dgm:pt>
+    <dgm:pt modelId="{FD1D3600-2515-9047-84A1-8E350E4AF17F}" type="parTrans" cxnId="{68DB57C1-C055-C741-9D0B-389ECD4FC09C}">
+      <dgm:prSet/>
+      <dgm:spPr/>
+      <dgm:t>
+        <a:bodyPr/>
+        <a:lstStyle/>
+        <a:p>
+          <a:endParaRPr lang="en-US"/>
+        </a:p>
+      </dgm:t>
+    </dgm:pt>
+    <dgm:pt modelId="{1ACA25C6-EA6B-6642-BC61-EE6254D3DC01}" type="sibTrans" cxnId="{68DB57C1-C055-C741-9D0B-389ECD4FC09C}">
+      <dgm:prSet/>
+      <dgm:spPr/>
+      <dgm:t>
+        <a:bodyPr/>
+        <a:lstStyle/>
+        <a:p>
+          <a:endParaRPr lang="en-US"/>
+        </a:p>
+      </dgm:t>
+    </dgm:pt>
+    <dgm:pt modelId="{B2E55E24-76C8-7447-996F-8B6075884977}">
+      <dgm:prSet phldrT="[Text]" custT="1"/>
+      <dgm:spPr/>
+      <dgm:t>
+        <a:bodyPr/>
+        <a:lstStyle/>
+        <a:p>
+          <a:r>
+            <a:rPr lang="en-US" sz="1400" b="1" dirty="0"/>
+            <a:t>State Restrictions</a:t>
+          </a:r>
+        </a:p>
+      </dgm:t>
+    </dgm:pt>
+    <dgm:pt modelId="{FAF0F695-A1DA-3941-ABB5-717267BECBD1}" type="parTrans" cxnId="{D402D8AE-64F2-6F42-89D4-6A1553F2970C}">
+      <dgm:prSet/>
+      <dgm:spPr/>
+      <dgm:t>
+        <a:bodyPr/>
+        <a:lstStyle/>
+        <a:p>
+          <a:endParaRPr lang="en-US"/>
+        </a:p>
+      </dgm:t>
+    </dgm:pt>
+    <dgm:pt modelId="{031578B4-767C-E44D-9FE3-77E69B95E857}" type="sibTrans" cxnId="{D402D8AE-64F2-6F42-89D4-6A1553F2970C}">
+      <dgm:prSet/>
+      <dgm:spPr/>
+      <dgm:t>
+        <a:bodyPr/>
+        <a:lstStyle/>
+        <a:p>
+          <a:endParaRPr lang="en-US"/>
+        </a:p>
+      </dgm:t>
+    </dgm:pt>
+    <dgm:pt modelId="{3009B096-D069-BC42-999A-AAB67DBDCD5B}">
+      <dgm:prSet custT="1"/>
+      <dgm:spPr/>
+      <dgm:t>
+        <a:bodyPr/>
+        <a:lstStyle/>
+        <a:p>
+          <a:r>
+            <a:rPr lang="en-US" sz="1400" b="1" dirty="0"/>
+            <a:t>Review Collected Data</a:t>
+          </a:r>
+        </a:p>
+      </dgm:t>
+    </dgm:pt>
+    <dgm:pt modelId="{305299C0-EE81-A048-8DB5-7E48C24901BE}" type="parTrans" cxnId="{E52767CC-154E-5E47-8ECF-9BBB4FD4525C}">
+      <dgm:prSet/>
+      <dgm:spPr/>
+      <dgm:t>
+        <a:bodyPr/>
+        <a:lstStyle/>
+        <a:p>
+          <a:endParaRPr lang="en-US"/>
+        </a:p>
+      </dgm:t>
+    </dgm:pt>
+    <dgm:pt modelId="{A8135A5B-A489-154D-AB47-B48D2B32DB8F}" type="sibTrans" cxnId="{E52767CC-154E-5E47-8ECF-9BBB4FD4525C}">
+      <dgm:prSet/>
+      <dgm:spPr/>
+      <dgm:t>
+        <a:bodyPr/>
+        <a:lstStyle/>
+        <a:p>
+          <a:endParaRPr lang="en-US"/>
+        </a:p>
+      </dgm:t>
+    </dgm:pt>
+    <dgm:pt modelId="{24E20B78-1FFC-B145-9924-C57F6F9CA4EC}">
+      <dgm:prSet custT="1"/>
+      <dgm:spPr/>
+      <dgm:t>
+        <a:bodyPr/>
+        <a:lstStyle/>
+        <a:p>
+          <a:r>
+            <a:rPr lang="en-US" sz="1400" b="1" dirty="0"/>
+            <a:t>Defined a Common Measure</a:t>
+          </a:r>
+        </a:p>
+      </dgm:t>
+    </dgm:pt>
+    <dgm:pt modelId="{F7FE55AB-9509-594E-9BA2-9768FC5BA02E}" type="parTrans" cxnId="{FD33C5AF-1046-AF43-9946-8D0C3FEF9948}">
+      <dgm:prSet/>
+      <dgm:spPr/>
+      <dgm:t>
+        <a:bodyPr/>
+        <a:lstStyle/>
+        <a:p>
+          <a:endParaRPr lang="en-US"/>
+        </a:p>
+      </dgm:t>
+    </dgm:pt>
+    <dgm:pt modelId="{D61115D8-CC7E-6945-BE59-5F85B7E71AFE}" type="sibTrans" cxnId="{FD33C5AF-1046-AF43-9946-8D0C3FEF9948}">
+      <dgm:prSet/>
+      <dgm:spPr/>
+      <dgm:t>
+        <a:bodyPr/>
+        <a:lstStyle/>
+        <a:p>
+          <a:endParaRPr lang="en-US"/>
+        </a:p>
+      </dgm:t>
+    </dgm:pt>
+    <dgm:pt modelId="{48B98B79-FEDE-DD4D-BDAB-497F3C278C88}">
+      <dgm:prSet custT="1"/>
+      <dgm:spPr/>
+      <dgm:t>
+        <a:bodyPr/>
+        <a:lstStyle/>
+        <a:p>
+          <a:r>
+            <a:rPr lang="en-US" sz="1400" b="1" dirty="0"/>
+            <a:t>Brainstorm Visualization ideas</a:t>
+          </a:r>
+        </a:p>
+      </dgm:t>
+    </dgm:pt>
+    <dgm:pt modelId="{E5C509B1-AA08-C144-8E08-B5A7CBAD33F3}" type="parTrans" cxnId="{FFB24969-FDCB-0844-90E1-0E6C12972A5B}">
+      <dgm:prSet/>
+      <dgm:spPr/>
+      <dgm:t>
+        <a:bodyPr/>
+        <a:lstStyle/>
+        <a:p>
+          <a:endParaRPr lang="en-US"/>
+        </a:p>
+      </dgm:t>
+    </dgm:pt>
+    <dgm:pt modelId="{43B993B2-9801-6944-B613-F531A183B940}" type="sibTrans" cxnId="{FFB24969-FDCB-0844-90E1-0E6C12972A5B}">
+      <dgm:prSet/>
+      <dgm:spPr/>
+      <dgm:t>
+        <a:bodyPr/>
+        <a:lstStyle/>
+        <a:p>
+          <a:endParaRPr lang="en-US"/>
+        </a:p>
+      </dgm:t>
+    </dgm:pt>
+    <dgm:pt modelId="{3C94FD36-29F5-B040-996E-33D8CCAEB85A}" type="pres">
+      <dgm:prSet presAssocID="{898C5174-94EB-DE4C-AE3B-D66DB0F289F0}" presName="Name0" presStyleCnt="0">
+        <dgm:presLayoutVars>
+          <dgm:dir/>
+          <dgm:animLvl val="lvl"/>
+          <dgm:resizeHandles val="exact"/>
+        </dgm:presLayoutVars>
+      </dgm:prSet>
+      <dgm:spPr/>
+    </dgm:pt>
+    <dgm:pt modelId="{6D516832-5820-4D4B-A32B-AFD4E10C06DB}" type="pres">
+      <dgm:prSet presAssocID="{A57B4573-9752-CE4D-9B21-F03FAC0A4E98}" presName="vertFlow" presStyleCnt="0"/>
+      <dgm:spPr/>
+    </dgm:pt>
+    <dgm:pt modelId="{C3765B1C-8156-7444-81F2-9D0293BA5615}" type="pres">
+      <dgm:prSet presAssocID="{A57B4573-9752-CE4D-9B21-F03FAC0A4E98}" presName="header" presStyleLbl="node1" presStyleIdx="0" presStyleCnt="7" custScaleY="219223"/>
+      <dgm:spPr/>
+    </dgm:pt>
+    <dgm:pt modelId="{10D500A6-E33C-2340-9790-6D50B4EB2351}" type="pres">
+      <dgm:prSet presAssocID="{B0897C2B-562B-EA49-959A-75313E19660D}" presName="parTrans" presStyleLbl="sibTrans2D1" presStyleIdx="0" presStyleCnt="13"/>
+      <dgm:spPr/>
+    </dgm:pt>
+    <dgm:pt modelId="{6388C5A6-F5F1-094A-A5D4-5B7DF26E9699}" type="pres">
+      <dgm:prSet presAssocID="{02AC17F7-5E74-6745-9785-3B378A9EA37B}" presName="child" presStyleLbl="alignAccFollowNode1" presStyleIdx="0" presStyleCnt="13" custScaleY="175611">
+        <dgm:presLayoutVars>
+          <dgm:chMax val="0"/>
+          <dgm:bulletEnabled val="1"/>
+        </dgm:presLayoutVars>
+      </dgm:prSet>
+      <dgm:spPr/>
+    </dgm:pt>
+    <dgm:pt modelId="{242EBDB3-BF34-904E-A317-EBF6A1858597}" type="pres">
+      <dgm:prSet presAssocID="{94E579BA-08D4-DB43-9A9F-0F39E7B32246}" presName="sibTrans" presStyleLbl="sibTrans2D1" presStyleIdx="1" presStyleCnt="13"/>
+      <dgm:spPr/>
+    </dgm:pt>
+    <dgm:pt modelId="{64541A2E-0A5B-784F-AFBC-8947BF3F52CA}" type="pres">
+      <dgm:prSet presAssocID="{428DF7DD-2102-5B45-B530-68319393841E}" presName="child" presStyleLbl="alignAccFollowNode1" presStyleIdx="1" presStyleCnt="13" custScaleY="175611">
+        <dgm:presLayoutVars>
+          <dgm:chMax val="0"/>
+          <dgm:bulletEnabled val="1"/>
+        </dgm:presLayoutVars>
+      </dgm:prSet>
+      <dgm:spPr/>
+    </dgm:pt>
+    <dgm:pt modelId="{B59D26C6-8805-4F4F-9EFD-4D187FA5A925}" type="pres">
+      <dgm:prSet presAssocID="{75F68DEE-DA29-7449-ACBA-F7840EA3C2BC}" presName="sibTrans" presStyleLbl="sibTrans2D1" presStyleIdx="2" presStyleCnt="13"/>
+      <dgm:spPr/>
+    </dgm:pt>
+    <dgm:pt modelId="{294EA16D-1E26-8443-8359-102D903AF8E7}" type="pres">
+      <dgm:prSet presAssocID="{594F6612-34DE-6641-9E12-DFDDFEE9039E}" presName="child" presStyleLbl="alignAccFollowNode1" presStyleIdx="2" presStyleCnt="13" custScaleY="175611">
+        <dgm:presLayoutVars>
+          <dgm:chMax val="0"/>
+          <dgm:bulletEnabled val="1"/>
+        </dgm:presLayoutVars>
+      </dgm:prSet>
+      <dgm:spPr/>
+    </dgm:pt>
+    <dgm:pt modelId="{CD0FBC55-D6F2-784B-B564-60466BD0DD23}" type="pres">
+      <dgm:prSet presAssocID="{A57B4573-9752-CE4D-9B21-F03FAC0A4E98}" presName="hSp" presStyleCnt="0"/>
+      <dgm:spPr/>
+    </dgm:pt>
+    <dgm:pt modelId="{24FBAAC4-B892-1A44-B798-3528C5C5DA7E}" type="pres">
+      <dgm:prSet presAssocID="{FBE2640A-87D5-4F47-96EB-2F1CB70D5AF3}" presName="vertFlow" presStyleCnt="0"/>
+      <dgm:spPr/>
+    </dgm:pt>
+    <dgm:pt modelId="{73B0273D-7348-4042-9720-ACA5A59E2CA7}" type="pres">
+      <dgm:prSet presAssocID="{FBE2640A-87D5-4F47-96EB-2F1CB70D5AF3}" presName="header" presStyleLbl="node1" presStyleIdx="1" presStyleCnt="7" custScaleY="219223"/>
+      <dgm:spPr/>
+    </dgm:pt>
+    <dgm:pt modelId="{3354D689-792B-BF41-8E28-F8CA6A7F8841}" type="pres">
+      <dgm:prSet presAssocID="{2065DA7C-E00F-DF43-98B9-4566BA3604D9}" presName="parTrans" presStyleLbl="sibTrans2D1" presStyleIdx="3" presStyleCnt="13"/>
+      <dgm:spPr/>
+    </dgm:pt>
+    <dgm:pt modelId="{841E770B-5AEA-1C46-8545-C41C43D05ECC}" type="pres">
+      <dgm:prSet presAssocID="{36D7BCDA-E4BB-D949-B466-57ECDB73EDE9}" presName="child" presStyleLbl="alignAccFollowNode1" presStyleIdx="3" presStyleCnt="13" custScaleY="175611">
+        <dgm:presLayoutVars>
+          <dgm:chMax val="0"/>
+          <dgm:bulletEnabled val="1"/>
+        </dgm:presLayoutVars>
+      </dgm:prSet>
+      <dgm:spPr/>
+    </dgm:pt>
+    <dgm:pt modelId="{6C2A8A67-2B11-7746-8141-CB9515E7AF09}" type="pres">
+      <dgm:prSet presAssocID="{E3A6FF26-83D7-0D46-AAD1-87EBD83B17FF}" presName="sibTrans" presStyleLbl="sibTrans2D1" presStyleIdx="4" presStyleCnt="13"/>
+      <dgm:spPr/>
+    </dgm:pt>
+    <dgm:pt modelId="{FB4EA5B9-A235-2144-B5D9-BE5BDE1FEAA3}" type="pres">
+      <dgm:prSet presAssocID="{8824B295-8C25-2141-B5D6-F2B4B926FBF3}" presName="child" presStyleLbl="alignAccFollowNode1" presStyleIdx="4" presStyleCnt="13" custScaleY="175611">
+        <dgm:presLayoutVars>
+          <dgm:chMax val="0"/>
+          <dgm:bulletEnabled val="1"/>
+        </dgm:presLayoutVars>
+      </dgm:prSet>
+      <dgm:spPr/>
+    </dgm:pt>
+    <dgm:pt modelId="{E1583A09-4CA6-9743-9A41-03E64C4D547D}" type="pres">
+      <dgm:prSet presAssocID="{1ACA25C6-EA6B-6642-BC61-EE6254D3DC01}" presName="sibTrans" presStyleLbl="sibTrans2D1" presStyleIdx="5" presStyleCnt="13"/>
+      <dgm:spPr/>
+    </dgm:pt>
+    <dgm:pt modelId="{710EFF23-8AB5-1748-B753-14EC1981A01A}" type="pres">
+      <dgm:prSet presAssocID="{B2E55E24-76C8-7447-996F-8B6075884977}" presName="child" presStyleLbl="alignAccFollowNode1" presStyleIdx="5" presStyleCnt="13" custScaleY="175611">
+        <dgm:presLayoutVars>
+          <dgm:chMax val="0"/>
+          <dgm:bulletEnabled val="1"/>
+        </dgm:presLayoutVars>
+      </dgm:prSet>
+      <dgm:spPr/>
+    </dgm:pt>
+    <dgm:pt modelId="{F4D6A7CF-E207-D74B-ACAA-577B0BF948F9}" type="pres">
+      <dgm:prSet presAssocID="{FBE2640A-87D5-4F47-96EB-2F1CB70D5AF3}" presName="hSp" presStyleCnt="0"/>
+      <dgm:spPr/>
+    </dgm:pt>
+    <dgm:pt modelId="{97A47DA9-BD2C-0F4D-9076-10C5A7BF6FA0}" type="pres">
+      <dgm:prSet presAssocID="{5A893E2B-E89B-BE4C-AF3C-5533CC0FD0E6}" presName="vertFlow" presStyleCnt="0"/>
+      <dgm:spPr/>
+    </dgm:pt>
+    <dgm:pt modelId="{088683D4-4D78-5C4D-A6BC-BAC7FDA2C5B7}" type="pres">
+      <dgm:prSet presAssocID="{5A893E2B-E89B-BE4C-AF3C-5533CC0FD0E6}" presName="header" presStyleLbl="node1" presStyleIdx="2" presStyleCnt="7" custScaleY="219223"/>
+      <dgm:spPr/>
+    </dgm:pt>
+    <dgm:pt modelId="{416B8FE7-7D59-1F4D-A25C-34ABB384F8D1}" type="pres">
+      <dgm:prSet presAssocID="{305299C0-EE81-A048-8DB5-7E48C24901BE}" presName="parTrans" presStyleLbl="sibTrans2D1" presStyleIdx="6" presStyleCnt="13"/>
+      <dgm:spPr/>
+    </dgm:pt>
+    <dgm:pt modelId="{9A1B8672-2CE8-414D-A672-BA69FB633BAE}" type="pres">
+      <dgm:prSet presAssocID="{3009B096-D069-BC42-999A-AAB67DBDCD5B}" presName="child" presStyleLbl="alignAccFollowNode1" presStyleIdx="6" presStyleCnt="13" custScaleY="175611">
+        <dgm:presLayoutVars>
+          <dgm:chMax val="0"/>
+          <dgm:bulletEnabled val="1"/>
+        </dgm:presLayoutVars>
+      </dgm:prSet>
+      <dgm:spPr/>
+    </dgm:pt>
+    <dgm:pt modelId="{1073260A-A87E-1042-8C61-FD32C3E2990B}" type="pres">
+      <dgm:prSet presAssocID="{A8135A5B-A489-154D-AB47-B48D2B32DB8F}" presName="sibTrans" presStyleLbl="sibTrans2D1" presStyleIdx="7" presStyleCnt="13"/>
+      <dgm:spPr/>
+    </dgm:pt>
+    <dgm:pt modelId="{7073CD36-6660-9B4A-B4AD-3F40083033A6}" type="pres">
+      <dgm:prSet presAssocID="{24E20B78-1FFC-B145-9924-C57F6F9CA4EC}" presName="child" presStyleLbl="alignAccFollowNode1" presStyleIdx="7" presStyleCnt="13" custScaleY="175611">
+        <dgm:presLayoutVars>
+          <dgm:chMax val="0"/>
+          <dgm:bulletEnabled val="1"/>
+        </dgm:presLayoutVars>
+      </dgm:prSet>
+      <dgm:spPr/>
+    </dgm:pt>
+    <dgm:pt modelId="{327F7D17-0F7A-7B44-8373-EB10B7CD765A}" type="pres">
+      <dgm:prSet presAssocID="{5A893E2B-E89B-BE4C-AF3C-5533CC0FD0E6}" presName="hSp" presStyleCnt="0"/>
+      <dgm:spPr/>
+    </dgm:pt>
+    <dgm:pt modelId="{87F2CB93-D044-0E49-AE2C-0D110FCDED16}" type="pres">
+      <dgm:prSet presAssocID="{6F9E8415-7BEB-F545-9AD1-F97E43387DF1}" presName="vertFlow" presStyleCnt="0"/>
+      <dgm:spPr/>
+    </dgm:pt>
+    <dgm:pt modelId="{4ADE6C04-70AD-0446-B6FD-35079C49FFD6}" type="pres">
+      <dgm:prSet presAssocID="{6F9E8415-7BEB-F545-9AD1-F97E43387DF1}" presName="header" presStyleLbl="node1" presStyleIdx="3" presStyleCnt="7" custScaleY="219223"/>
+      <dgm:spPr/>
+    </dgm:pt>
+    <dgm:pt modelId="{F2A709A2-1CA5-9646-9DB5-432064AF85DB}" type="pres">
+      <dgm:prSet presAssocID="{4EFBDC61-BCE7-D941-8D24-C1E2FF152611}" presName="parTrans" presStyleLbl="sibTrans2D1" presStyleIdx="8" presStyleCnt="13"/>
+      <dgm:spPr/>
+    </dgm:pt>
+    <dgm:pt modelId="{181593FC-C2EE-394F-A114-1882CB1CAD2E}" type="pres">
+      <dgm:prSet presAssocID="{BB7673A4-F943-8E4E-B238-23871B057044}" presName="child" presStyleLbl="alignAccFollowNode1" presStyleIdx="8" presStyleCnt="13" custScaleY="175611">
+        <dgm:presLayoutVars>
+          <dgm:chMax val="0"/>
+          <dgm:bulletEnabled val="1"/>
+        </dgm:presLayoutVars>
+      </dgm:prSet>
+      <dgm:spPr/>
+    </dgm:pt>
+    <dgm:pt modelId="{AD39B9FA-B929-2749-BF9E-DDC3F9313856}" type="pres">
+      <dgm:prSet presAssocID="{6F9E8415-7BEB-F545-9AD1-F97E43387DF1}" presName="hSp" presStyleCnt="0"/>
+      <dgm:spPr/>
+    </dgm:pt>
+    <dgm:pt modelId="{C285EBB2-DA73-2B43-B5A4-60AB48B3369D}" type="pres">
+      <dgm:prSet presAssocID="{58A80F11-9CE8-1848-8441-1AD38C2CABBA}" presName="vertFlow" presStyleCnt="0"/>
+      <dgm:spPr/>
+    </dgm:pt>
+    <dgm:pt modelId="{293EE86D-6C95-C54D-B190-C6810E79A98B}" type="pres">
+      <dgm:prSet presAssocID="{58A80F11-9CE8-1848-8441-1AD38C2CABBA}" presName="header" presStyleLbl="node1" presStyleIdx="4" presStyleCnt="7" custScaleY="219223"/>
+      <dgm:spPr/>
+    </dgm:pt>
+    <dgm:pt modelId="{0E4E1DC6-D79B-7A43-A6A4-7AAEB5BA0D36}" type="pres">
+      <dgm:prSet presAssocID="{0B0F90B6-506E-6649-873A-AD3FE1CD4A16}" presName="parTrans" presStyleLbl="sibTrans2D1" presStyleIdx="9" presStyleCnt="13"/>
+      <dgm:spPr/>
+    </dgm:pt>
+    <dgm:pt modelId="{CD31F6B9-66D4-8549-8593-9EF82007421A}" type="pres">
+      <dgm:prSet presAssocID="{2494E046-A293-8743-94A9-816F9B727893}" presName="child" presStyleLbl="alignAccFollowNode1" presStyleIdx="9" presStyleCnt="13" custScaleY="175611">
+        <dgm:presLayoutVars>
+          <dgm:chMax val="0"/>
+          <dgm:bulletEnabled val="1"/>
+        </dgm:presLayoutVars>
+      </dgm:prSet>
+      <dgm:spPr/>
+    </dgm:pt>
+    <dgm:pt modelId="{031ABB83-D440-6D4B-8064-F980922F428F}" type="pres">
+      <dgm:prSet presAssocID="{6685ED33-CF31-BB4A-8F70-22E7395E2FC3}" presName="sibTrans" presStyleLbl="sibTrans2D1" presStyleIdx="10" presStyleCnt="13"/>
+      <dgm:spPr/>
+    </dgm:pt>
+    <dgm:pt modelId="{381A3F45-9589-234A-8154-A2B679621008}" type="pres">
+      <dgm:prSet presAssocID="{48B98B79-FEDE-DD4D-BDAB-497F3C278C88}" presName="child" presStyleLbl="alignAccFollowNode1" presStyleIdx="10" presStyleCnt="13" custScaleY="175611">
+        <dgm:presLayoutVars>
+          <dgm:chMax val="0"/>
+          <dgm:bulletEnabled val="1"/>
+        </dgm:presLayoutVars>
+      </dgm:prSet>
+      <dgm:spPr/>
+    </dgm:pt>
+    <dgm:pt modelId="{1E99F21C-A54D-FB45-A632-5AD1892EB29A}" type="pres">
+      <dgm:prSet presAssocID="{58A80F11-9CE8-1848-8441-1AD38C2CABBA}" presName="hSp" presStyleCnt="0"/>
+      <dgm:spPr/>
+    </dgm:pt>
+    <dgm:pt modelId="{5BD54348-A221-D240-ACE4-5419C1B69A1B}" type="pres">
+      <dgm:prSet presAssocID="{A9DEE4AD-093B-E44C-AE89-A6B765379BE9}" presName="vertFlow" presStyleCnt="0"/>
+      <dgm:spPr/>
+    </dgm:pt>
+    <dgm:pt modelId="{CD251BD9-1808-994A-9D7B-44D585859501}" type="pres">
+      <dgm:prSet presAssocID="{A9DEE4AD-093B-E44C-AE89-A6B765379BE9}" presName="header" presStyleLbl="node1" presStyleIdx="5" presStyleCnt="7" custScaleY="219223"/>
+      <dgm:spPr/>
+    </dgm:pt>
+    <dgm:pt modelId="{B6D64924-3669-9347-BC66-29FB0474CBE3}" type="pres">
+      <dgm:prSet presAssocID="{8EE4858B-65E3-2A4D-99E7-8292BFDE5632}" presName="parTrans" presStyleLbl="sibTrans2D1" presStyleIdx="11" presStyleCnt="13"/>
+      <dgm:spPr/>
+    </dgm:pt>
+    <dgm:pt modelId="{4B2731B8-55E5-7D42-B17A-D23E6665319E}" type="pres">
+      <dgm:prSet presAssocID="{5D58C598-F7AF-E74A-8F28-DCBE13C03583}" presName="child" presStyleLbl="alignAccFollowNode1" presStyleIdx="11" presStyleCnt="13" custScaleY="175611">
+        <dgm:presLayoutVars>
+          <dgm:chMax val="0"/>
+          <dgm:bulletEnabled val="1"/>
+        </dgm:presLayoutVars>
+      </dgm:prSet>
+      <dgm:spPr/>
+    </dgm:pt>
+    <dgm:pt modelId="{524DC586-C4AF-F348-B7CE-C442E4513DC2}" type="pres">
+      <dgm:prSet presAssocID="{A9DEE4AD-093B-E44C-AE89-A6B765379BE9}" presName="hSp" presStyleCnt="0"/>
+      <dgm:spPr/>
+    </dgm:pt>
+    <dgm:pt modelId="{0BE0A80F-63D6-BA48-8E85-877B7BE8D8F2}" type="pres">
+      <dgm:prSet presAssocID="{2E16D0EE-0153-BD40-A3C5-6A1928FAA4F5}" presName="vertFlow" presStyleCnt="0"/>
+      <dgm:spPr/>
+    </dgm:pt>
+    <dgm:pt modelId="{69FBF7F5-8FE6-A845-9DD2-9B15C98D71DA}" type="pres">
+      <dgm:prSet presAssocID="{2E16D0EE-0153-BD40-A3C5-6A1928FAA4F5}" presName="header" presStyleLbl="node1" presStyleIdx="6" presStyleCnt="7" custScaleY="219223"/>
+      <dgm:spPr/>
+    </dgm:pt>
+    <dgm:pt modelId="{4392A30B-F377-954A-B7E2-CA21997708C9}" type="pres">
+      <dgm:prSet presAssocID="{AB3DD5B1-85E0-254E-BC33-E80C42A5C887}" presName="parTrans" presStyleLbl="sibTrans2D1" presStyleIdx="12" presStyleCnt="13"/>
+      <dgm:spPr/>
+    </dgm:pt>
+    <dgm:pt modelId="{A1294BDB-B6AB-5840-8AB7-64B756FBD7BC}" type="pres">
+      <dgm:prSet presAssocID="{C76077C3-7A17-2240-9520-9F8FD22D4FC9}" presName="child" presStyleLbl="alignAccFollowNode1" presStyleIdx="12" presStyleCnt="13" custScaleY="175611">
+        <dgm:presLayoutVars>
+          <dgm:chMax val="0"/>
+          <dgm:bulletEnabled val="1"/>
+        </dgm:presLayoutVars>
+      </dgm:prSet>
+      <dgm:spPr/>
+    </dgm:pt>
+  </dgm:ptLst>
+  <dgm:cxnLst>
+    <dgm:cxn modelId="{7956AF01-44BD-7244-8269-3ED166C93C90}" type="presOf" srcId="{B2E55E24-76C8-7447-996F-8B6075884977}" destId="{710EFF23-8AB5-1748-B753-14EC1981A01A}" srcOrd="0" destOrd="0" presId="urn:microsoft.com/office/officeart/2005/8/layout/lProcess1"/>
+    <dgm:cxn modelId="{4841B701-D985-564C-800C-7075272F169E}" type="presOf" srcId="{428DF7DD-2102-5B45-B530-68319393841E}" destId="{64541A2E-0A5B-784F-AFBC-8947BF3F52CA}" srcOrd="0" destOrd="0" presId="urn:microsoft.com/office/officeart/2005/8/layout/lProcess1"/>
+    <dgm:cxn modelId="{BDC13F07-2C80-1D43-9359-9C3AFE07608A}" srcId="{898C5174-94EB-DE4C-AE3B-D66DB0F289F0}" destId="{A57B4573-9752-CE4D-9B21-F03FAC0A4E98}" srcOrd="0" destOrd="0" parTransId="{733E57C5-8198-F040-8B17-5964D4283562}" sibTransId="{0ED5BCD9-E776-7E45-A1B7-081D606CBD44}"/>
+    <dgm:cxn modelId="{ECEF7F0D-9339-2740-8449-31F90B5D194C}" srcId="{A9DEE4AD-093B-E44C-AE89-A6B765379BE9}" destId="{5D58C598-F7AF-E74A-8F28-DCBE13C03583}" srcOrd="0" destOrd="0" parTransId="{8EE4858B-65E3-2A4D-99E7-8292BFDE5632}" sibTransId="{77C77D42-3F8A-8643-B809-6A7DA5C8557A}"/>
+    <dgm:cxn modelId="{D1159D1C-2B1C-F64B-9081-469F57F165C5}" srcId="{898C5174-94EB-DE4C-AE3B-D66DB0F289F0}" destId="{2E16D0EE-0153-BD40-A3C5-6A1928FAA4F5}" srcOrd="6" destOrd="0" parTransId="{E6D8A640-28FE-8E46-AC57-D979317CDB53}" sibTransId="{5A758444-7153-ED4B-9A64-C1ED1751AA97}"/>
+    <dgm:cxn modelId="{350E8B28-DC11-6B40-9D79-E648F4603106}" srcId="{A57B4573-9752-CE4D-9B21-F03FAC0A4E98}" destId="{02AC17F7-5E74-6745-9785-3B378A9EA37B}" srcOrd="0" destOrd="0" parTransId="{B0897C2B-562B-EA49-959A-75313E19660D}" sibTransId="{94E579BA-08D4-DB43-9A9F-0F39E7B32246}"/>
+    <dgm:cxn modelId="{9C33092A-CA4E-284C-9D54-DCF9AEF05698}" type="presOf" srcId="{94E579BA-08D4-DB43-9A9F-0F39E7B32246}" destId="{242EBDB3-BF34-904E-A317-EBF6A1858597}" srcOrd="0" destOrd="0" presId="urn:microsoft.com/office/officeart/2005/8/layout/lProcess1"/>
+    <dgm:cxn modelId="{495B7730-CCCB-3E4F-ACAE-D9C8A2AD58C4}" type="presOf" srcId="{75F68DEE-DA29-7449-ACBA-F7840EA3C2BC}" destId="{B59D26C6-8805-4F4F-9EFD-4D187FA5A925}" srcOrd="0" destOrd="0" presId="urn:microsoft.com/office/officeart/2005/8/layout/lProcess1"/>
+    <dgm:cxn modelId="{55A97E39-1BB4-3B47-B800-DB6275EE1C3D}" srcId="{A57B4573-9752-CE4D-9B21-F03FAC0A4E98}" destId="{428DF7DD-2102-5B45-B530-68319393841E}" srcOrd="1" destOrd="0" parTransId="{7C92E14B-A571-5D47-A653-45CA5D50385D}" sibTransId="{75F68DEE-DA29-7449-ACBA-F7840EA3C2BC}"/>
+    <dgm:cxn modelId="{F8DF273B-42A8-D24B-A4B9-334B8B17FA31}" type="presOf" srcId="{AB3DD5B1-85E0-254E-BC33-E80C42A5C887}" destId="{4392A30B-F377-954A-B7E2-CA21997708C9}" srcOrd="0" destOrd="0" presId="urn:microsoft.com/office/officeart/2005/8/layout/lProcess1"/>
+    <dgm:cxn modelId="{6A106E3C-D3D9-B74B-8A4A-1B830A72840A}" type="presOf" srcId="{6F9E8415-7BEB-F545-9AD1-F97E43387DF1}" destId="{4ADE6C04-70AD-0446-B6FD-35079C49FFD6}" srcOrd="0" destOrd="0" presId="urn:microsoft.com/office/officeart/2005/8/layout/lProcess1"/>
+    <dgm:cxn modelId="{7B08EE47-3F1D-534D-9D3B-574823960D9D}" type="presOf" srcId="{3009B096-D069-BC42-999A-AAB67DBDCD5B}" destId="{9A1B8672-2CE8-414D-A672-BA69FB633BAE}" srcOrd="0" destOrd="0" presId="urn:microsoft.com/office/officeart/2005/8/layout/lProcess1"/>
+    <dgm:cxn modelId="{CDDD0A57-37D2-624B-9F21-C45CA249D95F}" type="presOf" srcId="{A57B4573-9752-CE4D-9B21-F03FAC0A4E98}" destId="{C3765B1C-8156-7444-81F2-9D0293BA5615}" srcOrd="0" destOrd="0" presId="urn:microsoft.com/office/officeart/2005/8/layout/lProcess1"/>
+    <dgm:cxn modelId="{21A38D57-FC9C-8740-B066-B3D00FD535C3}" type="presOf" srcId="{C76077C3-7A17-2240-9520-9F8FD22D4FC9}" destId="{A1294BDB-B6AB-5840-8AB7-64B756FBD7BC}" srcOrd="0" destOrd="0" presId="urn:microsoft.com/office/officeart/2005/8/layout/lProcess1"/>
+    <dgm:cxn modelId="{3496325A-5ED3-5D47-B49C-BE15AE6AB171}" type="presOf" srcId="{898C5174-94EB-DE4C-AE3B-D66DB0F289F0}" destId="{3C94FD36-29F5-B040-996E-33D8CCAEB85A}" srcOrd="0" destOrd="0" presId="urn:microsoft.com/office/officeart/2005/8/layout/lProcess1"/>
+    <dgm:cxn modelId="{43194C5A-3BA4-4642-B787-06E48B7B7851}" type="presOf" srcId="{36D7BCDA-E4BB-D949-B466-57ECDB73EDE9}" destId="{841E770B-5AEA-1C46-8545-C41C43D05ECC}" srcOrd="0" destOrd="0" presId="urn:microsoft.com/office/officeart/2005/8/layout/lProcess1"/>
+    <dgm:cxn modelId="{A332BA5D-CEAC-2249-8B63-76DD614B6592}" type="presOf" srcId="{E3A6FF26-83D7-0D46-AAD1-87EBD83B17FF}" destId="{6C2A8A67-2B11-7746-8141-CB9515E7AF09}" srcOrd="0" destOrd="0" presId="urn:microsoft.com/office/officeart/2005/8/layout/lProcess1"/>
+    <dgm:cxn modelId="{D5C04162-6154-6443-8E14-ACCAA3B3A607}" srcId="{FBE2640A-87D5-4F47-96EB-2F1CB70D5AF3}" destId="{36D7BCDA-E4BB-D949-B466-57ECDB73EDE9}" srcOrd="0" destOrd="0" parTransId="{2065DA7C-E00F-DF43-98B9-4566BA3604D9}" sibTransId="{E3A6FF26-83D7-0D46-AAD1-87EBD83B17FF}"/>
+    <dgm:cxn modelId="{CF158D67-D2DE-B146-8A6B-045344D15DB8}" type="presOf" srcId="{FBE2640A-87D5-4F47-96EB-2F1CB70D5AF3}" destId="{73B0273D-7348-4042-9720-ACA5A59E2CA7}" srcOrd="0" destOrd="0" presId="urn:microsoft.com/office/officeart/2005/8/layout/lProcess1"/>
+    <dgm:cxn modelId="{93835968-703A-0C49-BA82-CFAF41C438DB}" srcId="{898C5174-94EB-DE4C-AE3B-D66DB0F289F0}" destId="{58A80F11-9CE8-1848-8441-1AD38C2CABBA}" srcOrd="4" destOrd="0" parTransId="{6E9FE33B-4105-B349-B60B-EA250A39AA2B}" sibTransId="{B8AC3FEC-6472-C946-956E-0FEF0FCF7CC0}"/>
+    <dgm:cxn modelId="{FFB24969-FDCB-0844-90E1-0E6C12972A5B}" srcId="{58A80F11-9CE8-1848-8441-1AD38C2CABBA}" destId="{48B98B79-FEDE-DD4D-BDAB-497F3C278C88}" srcOrd="1" destOrd="0" parTransId="{E5C509B1-AA08-C144-8E08-B5A7CBAD33F3}" sibTransId="{43B993B2-9801-6944-B613-F531A183B940}"/>
+    <dgm:cxn modelId="{9D5AE76E-865A-DE44-AD2C-F2E4E2A3E030}" type="presOf" srcId="{24E20B78-1FFC-B145-9924-C57F6F9CA4EC}" destId="{7073CD36-6660-9B4A-B4AD-3F40083033A6}" srcOrd="0" destOrd="0" presId="urn:microsoft.com/office/officeart/2005/8/layout/lProcess1"/>
+    <dgm:cxn modelId="{48B23D70-3F3A-ED4E-8DA5-5582EC7A5DB8}" type="presOf" srcId="{0B0F90B6-506E-6649-873A-AD3FE1CD4A16}" destId="{0E4E1DC6-D79B-7A43-A6A4-7AAEB5BA0D36}" srcOrd="0" destOrd="0" presId="urn:microsoft.com/office/officeart/2005/8/layout/lProcess1"/>
+    <dgm:cxn modelId="{5A727973-445C-9A42-A853-55D283845E67}" type="presOf" srcId="{8824B295-8C25-2141-B5D6-F2B4B926FBF3}" destId="{FB4EA5B9-A235-2144-B5D9-BE5BDE1FEAA3}" srcOrd="0" destOrd="0" presId="urn:microsoft.com/office/officeart/2005/8/layout/lProcess1"/>
+    <dgm:cxn modelId="{AED2998F-417C-5E49-B52E-31079F4ED17E}" srcId="{898C5174-94EB-DE4C-AE3B-D66DB0F289F0}" destId="{5A893E2B-E89B-BE4C-AF3C-5533CC0FD0E6}" srcOrd="2" destOrd="0" parTransId="{5B591528-DC5C-B848-833D-AB4CCC40231F}" sibTransId="{07984C1B-951F-464E-8AD1-3BDCF7499E85}"/>
+    <dgm:cxn modelId="{E0E16C91-28F2-BB44-8726-8A8E793D33D8}" srcId="{6F9E8415-7BEB-F545-9AD1-F97E43387DF1}" destId="{BB7673A4-F943-8E4E-B238-23871B057044}" srcOrd="0" destOrd="0" parTransId="{4EFBDC61-BCE7-D941-8D24-C1E2FF152611}" sibTransId="{2DE8218A-03EB-9B40-BD8D-AA5F2135817D}"/>
+    <dgm:cxn modelId="{45BFCC94-7B07-DD41-86E6-563F280753DE}" srcId="{898C5174-94EB-DE4C-AE3B-D66DB0F289F0}" destId="{6F9E8415-7BEB-F545-9AD1-F97E43387DF1}" srcOrd="3" destOrd="0" parTransId="{FF2AAB83-6969-E046-A616-0C2746D3C9D9}" sibTransId="{2F4C5D3A-A588-B848-86A6-C947730FBDA7}"/>
+    <dgm:cxn modelId="{2F070696-79CA-8540-9011-820B94839E3D}" srcId="{898C5174-94EB-DE4C-AE3B-D66DB0F289F0}" destId="{FBE2640A-87D5-4F47-96EB-2F1CB70D5AF3}" srcOrd="1" destOrd="0" parTransId="{70608D6C-6162-A249-AEE3-C850C57893E8}" sibTransId="{C5153930-8B57-3448-BADB-24DC4641E682}"/>
+    <dgm:cxn modelId="{19D19098-4263-CA48-ABAE-90BB34C73690}" type="presOf" srcId="{5D58C598-F7AF-E74A-8F28-DCBE13C03583}" destId="{4B2731B8-55E5-7D42-B17A-D23E6665319E}" srcOrd="0" destOrd="0" presId="urn:microsoft.com/office/officeart/2005/8/layout/lProcess1"/>
+    <dgm:cxn modelId="{05143D99-6A17-594B-AFFE-9AF4D2BB19FF}" type="presOf" srcId="{6685ED33-CF31-BB4A-8F70-22E7395E2FC3}" destId="{031ABB83-D440-6D4B-8064-F980922F428F}" srcOrd="0" destOrd="0" presId="urn:microsoft.com/office/officeart/2005/8/layout/lProcess1"/>
+    <dgm:cxn modelId="{87B37399-ED10-094F-9ACE-DB3F8BAEDFB9}" type="presOf" srcId="{1ACA25C6-EA6B-6642-BC61-EE6254D3DC01}" destId="{E1583A09-4CA6-9743-9A41-03E64C4D547D}" srcOrd="0" destOrd="0" presId="urn:microsoft.com/office/officeart/2005/8/layout/lProcess1"/>
+    <dgm:cxn modelId="{3EB8FF9A-F5FF-D244-AB8B-07340EF6B253}" type="presOf" srcId="{594F6612-34DE-6641-9E12-DFDDFEE9039E}" destId="{294EA16D-1E26-8443-8359-102D903AF8E7}" srcOrd="0" destOrd="0" presId="urn:microsoft.com/office/officeart/2005/8/layout/lProcess1"/>
+    <dgm:cxn modelId="{10628E9E-5424-9946-B7C9-2D992A99026B}" type="presOf" srcId="{4EFBDC61-BCE7-D941-8D24-C1E2FF152611}" destId="{F2A709A2-1CA5-9646-9DB5-432064AF85DB}" srcOrd="0" destOrd="0" presId="urn:microsoft.com/office/officeart/2005/8/layout/lProcess1"/>
+    <dgm:cxn modelId="{32C79BAD-A73E-3E49-AD16-1FBF3EBA085D}" srcId="{A57B4573-9752-CE4D-9B21-F03FAC0A4E98}" destId="{594F6612-34DE-6641-9E12-DFDDFEE9039E}" srcOrd="2" destOrd="0" parTransId="{D23A54D8-BFCF-D544-8BB7-2F8D6FE9F0A6}" sibTransId="{29E75D75-531A-9140-A967-8BC509A6C40B}"/>
+    <dgm:cxn modelId="{D402D8AE-64F2-6F42-89D4-6A1553F2970C}" srcId="{FBE2640A-87D5-4F47-96EB-2F1CB70D5AF3}" destId="{B2E55E24-76C8-7447-996F-8B6075884977}" srcOrd="2" destOrd="0" parTransId="{FAF0F695-A1DA-3941-ABB5-717267BECBD1}" sibTransId="{031578B4-767C-E44D-9FE3-77E69B95E857}"/>
+    <dgm:cxn modelId="{FD33C5AF-1046-AF43-9946-8D0C3FEF9948}" srcId="{5A893E2B-E89B-BE4C-AF3C-5533CC0FD0E6}" destId="{24E20B78-1FFC-B145-9924-C57F6F9CA4EC}" srcOrd="1" destOrd="0" parTransId="{F7FE55AB-9509-594E-9BA2-9768FC5BA02E}" sibTransId="{D61115D8-CC7E-6945-BE59-5F85B7E71AFE}"/>
+    <dgm:cxn modelId="{5B0646B1-1D90-3E40-9EA0-25CC63852672}" type="presOf" srcId="{8EE4858B-65E3-2A4D-99E7-8292BFDE5632}" destId="{B6D64924-3669-9347-BC66-29FB0474CBE3}" srcOrd="0" destOrd="0" presId="urn:microsoft.com/office/officeart/2005/8/layout/lProcess1"/>
+    <dgm:cxn modelId="{276643B8-54C6-6142-9140-12318024FFE6}" type="presOf" srcId="{A8135A5B-A489-154D-AB47-B48D2B32DB8F}" destId="{1073260A-A87E-1042-8C61-FD32C3E2990B}" srcOrd="0" destOrd="0" presId="urn:microsoft.com/office/officeart/2005/8/layout/lProcess1"/>
+    <dgm:cxn modelId="{E8AF7AB8-A95B-0B49-B025-C5FB47B537A8}" type="presOf" srcId="{2E16D0EE-0153-BD40-A3C5-6A1928FAA4F5}" destId="{69FBF7F5-8FE6-A845-9DD2-9B15C98D71DA}" srcOrd="0" destOrd="0" presId="urn:microsoft.com/office/officeart/2005/8/layout/lProcess1"/>
+    <dgm:cxn modelId="{68DB57C1-C055-C741-9D0B-389ECD4FC09C}" srcId="{FBE2640A-87D5-4F47-96EB-2F1CB70D5AF3}" destId="{8824B295-8C25-2141-B5D6-F2B4B926FBF3}" srcOrd="1" destOrd="0" parTransId="{FD1D3600-2515-9047-84A1-8E350E4AF17F}" sibTransId="{1ACA25C6-EA6B-6642-BC61-EE6254D3DC01}"/>
+    <dgm:cxn modelId="{489FD2CA-ADF0-3946-9C36-6BE6317B94D0}" type="presOf" srcId="{BB7673A4-F943-8E4E-B238-23871B057044}" destId="{181593FC-C2EE-394F-A114-1882CB1CAD2E}" srcOrd="0" destOrd="0" presId="urn:microsoft.com/office/officeart/2005/8/layout/lProcess1"/>
+    <dgm:cxn modelId="{6EC460CC-0E7A-4F40-80DF-73D262BD17D6}" type="presOf" srcId="{A9DEE4AD-093B-E44C-AE89-A6B765379BE9}" destId="{CD251BD9-1808-994A-9D7B-44D585859501}" srcOrd="0" destOrd="0" presId="urn:microsoft.com/office/officeart/2005/8/layout/lProcess1"/>
+    <dgm:cxn modelId="{E52767CC-154E-5E47-8ECF-9BBB4FD4525C}" srcId="{5A893E2B-E89B-BE4C-AF3C-5533CC0FD0E6}" destId="{3009B096-D069-BC42-999A-AAB67DBDCD5B}" srcOrd="0" destOrd="0" parTransId="{305299C0-EE81-A048-8DB5-7E48C24901BE}" sibTransId="{A8135A5B-A489-154D-AB47-B48D2B32DB8F}"/>
+    <dgm:cxn modelId="{B3D281CE-2209-6D43-BC82-5546F1126DA8}" type="presOf" srcId="{2494E046-A293-8743-94A9-816F9B727893}" destId="{CD31F6B9-66D4-8549-8593-9EF82007421A}" srcOrd="0" destOrd="0" presId="urn:microsoft.com/office/officeart/2005/8/layout/lProcess1"/>
+    <dgm:cxn modelId="{F95C60D4-1F93-2048-B222-B2546D292EDA}" srcId="{2E16D0EE-0153-BD40-A3C5-6A1928FAA4F5}" destId="{C76077C3-7A17-2240-9520-9F8FD22D4FC9}" srcOrd="0" destOrd="0" parTransId="{AB3DD5B1-85E0-254E-BC33-E80C42A5C887}" sibTransId="{C15CFBC9-C655-414C-BB48-A039B30C163B}"/>
+    <dgm:cxn modelId="{CF6033D7-87BF-A043-ACA2-16EB973FBB45}" srcId="{898C5174-94EB-DE4C-AE3B-D66DB0F289F0}" destId="{A9DEE4AD-093B-E44C-AE89-A6B765379BE9}" srcOrd="5" destOrd="0" parTransId="{D31C39F1-7D99-2F45-B788-D64924B0E588}" sibTransId="{018965DC-3115-9E4E-9D12-C195B3E6C2F8}"/>
+    <dgm:cxn modelId="{5A05C9D7-CEB6-734E-9C6E-9BCB4CC8A62A}" type="presOf" srcId="{2065DA7C-E00F-DF43-98B9-4566BA3604D9}" destId="{3354D689-792B-BF41-8E28-F8CA6A7F8841}" srcOrd="0" destOrd="0" presId="urn:microsoft.com/office/officeart/2005/8/layout/lProcess1"/>
+    <dgm:cxn modelId="{DA205BDB-511B-6045-B58F-68A4F966D264}" type="presOf" srcId="{48B98B79-FEDE-DD4D-BDAB-497F3C278C88}" destId="{381A3F45-9589-234A-8154-A2B679621008}" srcOrd="0" destOrd="0" presId="urn:microsoft.com/office/officeart/2005/8/layout/lProcess1"/>
+    <dgm:cxn modelId="{ADDCD0DC-08F6-0B42-96E0-AD2E90E14A74}" srcId="{58A80F11-9CE8-1848-8441-1AD38C2CABBA}" destId="{2494E046-A293-8743-94A9-816F9B727893}" srcOrd="0" destOrd="0" parTransId="{0B0F90B6-506E-6649-873A-AD3FE1CD4A16}" sibTransId="{6685ED33-CF31-BB4A-8F70-22E7395E2FC3}"/>
+    <dgm:cxn modelId="{1F4286E7-023B-804E-B043-4EBF5C06B181}" type="presOf" srcId="{305299C0-EE81-A048-8DB5-7E48C24901BE}" destId="{416B8FE7-7D59-1F4D-A25C-34ABB384F8D1}" srcOrd="0" destOrd="0" presId="urn:microsoft.com/office/officeart/2005/8/layout/lProcess1"/>
+    <dgm:cxn modelId="{D6A928EE-50D7-A744-8EA2-01FA6F1C447D}" type="presOf" srcId="{5A893E2B-E89B-BE4C-AF3C-5533CC0FD0E6}" destId="{088683D4-4D78-5C4D-A6BC-BAC7FDA2C5B7}" srcOrd="0" destOrd="0" presId="urn:microsoft.com/office/officeart/2005/8/layout/lProcess1"/>
+    <dgm:cxn modelId="{B97AF5EE-8545-E947-BABB-5FC10389F4BE}" type="presOf" srcId="{02AC17F7-5E74-6745-9785-3B378A9EA37B}" destId="{6388C5A6-F5F1-094A-A5D4-5B7DF26E9699}" srcOrd="0" destOrd="0" presId="urn:microsoft.com/office/officeart/2005/8/layout/lProcess1"/>
+    <dgm:cxn modelId="{871C05F9-1CB4-E54C-A2AD-961D70C3471F}" type="presOf" srcId="{B0897C2B-562B-EA49-959A-75313E19660D}" destId="{10D500A6-E33C-2340-9790-6D50B4EB2351}" srcOrd="0" destOrd="0" presId="urn:microsoft.com/office/officeart/2005/8/layout/lProcess1"/>
+    <dgm:cxn modelId="{1AE249FE-02E3-254E-BE7A-41A036AA747B}" type="presOf" srcId="{58A80F11-9CE8-1848-8441-1AD38C2CABBA}" destId="{293EE86D-6C95-C54D-B190-C6810E79A98B}" srcOrd="0" destOrd="0" presId="urn:microsoft.com/office/officeart/2005/8/layout/lProcess1"/>
+    <dgm:cxn modelId="{84A6A039-6557-5D4D-94DB-9777DADE4611}" type="presParOf" srcId="{3C94FD36-29F5-B040-996E-33D8CCAEB85A}" destId="{6D516832-5820-4D4B-A32B-AFD4E10C06DB}" srcOrd="0" destOrd="0" presId="urn:microsoft.com/office/officeart/2005/8/layout/lProcess1"/>
+    <dgm:cxn modelId="{D7CAC8A9-EFCD-8442-A32F-8F5634F6B058}" type="presParOf" srcId="{6D516832-5820-4D4B-A32B-AFD4E10C06DB}" destId="{C3765B1C-8156-7444-81F2-9D0293BA5615}" srcOrd="0" destOrd="0" presId="urn:microsoft.com/office/officeart/2005/8/layout/lProcess1"/>
+    <dgm:cxn modelId="{1AC230C2-45FD-B842-BE00-7528B4B29EE7}" type="presParOf" srcId="{6D516832-5820-4D4B-A32B-AFD4E10C06DB}" destId="{10D500A6-E33C-2340-9790-6D50B4EB2351}" srcOrd="1" destOrd="0" presId="urn:microsoft.com/office/officeart/2005/8/layout/lProcess1"/>
+    <dgm:cxn modelId="{526E3B77-4F7A-104A-B1BA-FD8C08186F5F}" type="presParOf" srcId="{6D516832-5820-4D4B-A32B-AFD4E10C06DB}" destId="{6388C5A6-F5F1-094A-A5D4-5B7DF26E9699}" srcOrd="2" destOrd="0" presId="urn:microsoft.com/office/officeart/2005/8/layout/lProcess1"/>
+    <dgm:cxn modelId="{92353E67-51B8-7F43-BEF3-E53133D5056F}" type="presParOf" srcId="{6D516832-5820-4D4B-A32B-AFD4E10C06DB}" destId="{242EBDB3-BF34-904E-A317-EBF6A1858597}" srcOrd="3" destOrd="0" presId="urn:microsoft.com/office/officeart/2005/8/layout/lProcess1"/>
+    <dgm:cxn modelId="{0CAADF8B-89AD-ED46-A89C-2EC84132D62D}" type="presParOf" srcId="{6D516832-5820-4D4B-A32B-AFD4E10C06DB}" destId="{64541A2E-0A5B-784F-AFBC-8947BF3F52CA}" srcOrd="4" destOrd="0" presId="urn:microsoft.com/office/officeart/2005/8/layout/lProcess1"/>
+    <dgm:cxn modelId="{CD62EE47-0F7A-5348-AC65-B3514B5C1C7D}" type="presParOf" srcId="{6D516832-5820-4D4B-A32B-AFD4E10C06DB}" destId="{B59D26C6-8805-4F4F-9EFD-4D187FA5A925}" srcOrd="5" destOrd="0" presId="urn:microsoft.com/office/officeart/2005/8/layout/lProcess1"/>
+    <dgm:cxn modelId="{8AE5C58B-3C5E-4E4C-A01A-4BC5FF664FE1}" type="presParOf" srcId="{6D516832-5820-4D4B-A32B-AFD4E10C06DB}" destId="{294EA16D-1E26-8443-8359-102D903AF8E7}" srcOrd="6" destOrd="0" presId="urn:microsoft.com/office/officeart/2005/8/layout/lProcess1"/>
+    <dgm:cxn modelId="{115B68DE-3070-9B49-A964-8F8BB8FBB0B1}" type="presParOf" srcId="{3C94FD36-29F5-B040-996E-33D8CCAEB85A}" destId="{CD0FBC55-D6F2-784B-B564-60466BD0DD23}" srcOrd="1" destOrd="0" presId="urn:microsoft.com/office/officeart/2005/8/layout/lProcess1"/>
+    <dgm:cxn modelId="{EA868EFA-27C2-BE44-A6FF-12ADB81C90DE}" type="presParOf" srcId="{3C94FD36-29F5-B040-996E-33D8CCAEB85A}" destId="{24FBAAC4-B892-1A44-B798-3528C5C5DA7E}" srcOrd="2" destOrd="0" presId="urn:microsoft.com/office/officeart/2005/8/layout/lProcess1"/>
+    <dgm:cxn modelId="{6BBE0AF4-02B9-3E43-A3B4-45FBCEE4FA03}" type="presParOf" srcId="{24FBAAC4-B892-1A44-B798-3528C5C5DA7E}" destId="{73B0273D-7348-4042-9720-ACA5A59E2CA7}" srcOrd="0" destOrd="0" presId="urn:microsoft.com/office/officeart/2005/8/layout/lProcess1"/>
+    <dgm:cxn modelId="{B66F68E3-7A15-884C-B6B0-415C014592F8}" type="presParOf" srcId="{24FBAAC4-B892-1A44-B798-3528C5C5DA7E}" destId="{3354D689-792B-BF41-8E28-F8CA6A7F8841}" srcOrd="1" destOrd="0" presId="urn:microsoft.com/office/officeart/2005/8/layout/lProcess1"/>
+    <dgm:cxn modelId="{9650607A-1FB8-B348-89CD-9DDDABE63DF6}" type="presParOf" srcId="{24FBAAC4-B892-1A44-B798-3528C5C5DA7E}" destId="{841E770B-5AEA-1C46-8545-C41C43D05ECC}" srcOrd="2" destOrd="0" presId="urn:microsoft.com/office/officeart/2005/8/layout/lProcess1"/>
+    <dgm:cxn modelId="{BF7014EB-71AC-6945-85DE-7EEFE2E4B00F}" type="presParOf" srcId="{24FBAAC4-B892-1A44-B798-3528C5C5DA7E}" destId="{6C2A8A67-2B11-7746-8141-CB9515E7AF09}" srcOrd="3" destOrd="0" presId="urn:microsoft.com/office/officeart/2005/8/layout/lProcess1"/>
+    <dgm:cxn modelId="{DAD00F84-4F7C-C242-B687-BCFAF216F61B}" type="presParOf" srcId="{24FBAAC4-B892-1A44-B798-3528C5C5DA7E}" destId="{FB4EA5B9-A235-2144-B5D9-BE5BDE1FEAA3}" srcOrd="4" destOrd="0" presId="urn:microsoft.com/office/officeart/2005/8/layout/lProcess1"/>
+    <dgm:cxn modelId="{86F79667-D23B-1241-A008-7877526A6BFE}" type="presParOf" srcId="{24FBAAC4-B892-1A44-B798-3528C5C5DA7E}" destId="{E1583A09-4CA6-9743-9A41-03E64C4D547D}" srcOrd="5" destOrd="0" presId="urn:microsoft.com/office/officeart/2005/8/layout/lProcess1"/>
+    <dgm:cxn modelId="{F779BA01-9AB7-DE4E-AFEE-97AE596CC9E2}" type="presParOf" srcId="{24FBAAC4-B892-1A44-B798-3528C5C5DA7E}" destId="{710EFF23-8AB5-1748-B753-14EC1981A01A}" srcOrd="6" destOrd="0" presId="urn:microsoft.com/office/officeart/2005/8/layout/lProcess1"/>
+    <dgm:cxn modelId="{1EAC50BE-7145-064C-8FCD-024EB18EAF52}" type="presParOf" srcId="{3C94FD36-29F5-B040-996E-33D8CCAEB85A}" destId="{F4D6A7CF-E207-D74B-ACAA-577B0BF948F9}" srcOrd="3" destOrd="0" presId="urn:microsoft.com/office/officeart/2005/8/layout/lProcess1"/>
+    <dgm:cxn modelId="{4A719452-0D84-F74B-9028-824CD362EF38}" type="presParOf" srcId="{3C94FD36-29F5-B040-996E-33D8CCAEB85A}" destId="{97A47DA9-BD2C-0F4D-9076-10C5A7BF6FA0}" srcOrd="4" destOrd="0" presId="urn:microsoft.com/office/officeart/2005/8/layout/lProcess1"/>
+    <dgm:cxn modelId="{3F35EB1B-9CD7-B248-80A1-3FBC4BDE6E39}" type="presParOf" srcId="{97A47DA9-BD2C-0F4D-9076-10C5A7BF6FA0}" destId="{088683D4-4D78-5C4D-A6BC-BAC7FDA2C5B7}" srcOrd="0" destOrd="0" presId="urn:microsoft.com/office/officeart/2005/8/layout/lProcess1"/>
+    <dgm:cxn modelId="{3079122C-F720-A544-85E8-EB9B5FC3BA90}" type="presParOf" srcId="{97A47DA9-BD2C-0F4D-9076-10C5A7BF6FA0}" destId="{416B8FE7-7D59-1F4D-A25C-34ABB384F8D1}" srcOrd="1" destOrd="0" presId="urn:microsoft.com/office/officeart/2005/8/layout/lProcess1"/>
+    <dgm:cxn modelId="{02FC7277-DA46-404F-B968-C4C11FBA583B}" type="presParOf" srcId="{97A47DA9-BD2C-0F4D-9076-10C5A7BF6FA0}" destId="{9A1B8672-2CE8-414D-A672-BA69FB633BAE}" srcOrd="2" destOrd="0" presId="urn:microsoft.com/office/officeart/2005/8/layout/lProcess1"/>
+    <dgm:cxn modelId="{F4729557-8E17-EA43-B775-29B7ED5BA191}" type="presParOf" srcId="{97A47DA9-BD2C-0F4D-9076-10C5A7BF6FA0}" destId="{1073260A-A87E-1042-8C61-FD32C3E2990B}" srcOrd="3" destOrd="0" presId="urn:microsoft.com/office/officeart/2005/8/layout/lProcess1"/>
+    <dgm:cxn modelId="{57F80C84-AC8E-4641-B005-F638B374FCD4}" type="presParOf" srcId="{97A47DA9-BD2C-0F4D-9076-10C5A7BF6FA0}" destId="{7073CD36-6660-9B4A-B4AD-3F40083033A6}" srcOrd="4" destOrd="0" presId="urn:microsoft.com/office/officeart/2005/8/layout/lProcess1"/>
+    <dgm:cxn modelId="{C09BF072-1867-574D-A3D4-587A96ECF81D}" type="presParOf" srcId="{3C94FD36-29F5-B040-996E-33D8CCAEB85A}" destId="{327F7D17-0F7A-7B44-8373-EB10B7CD765A}" srcOrd="5" destOrd="0" presId="urn:microsoft.com/office/officeart/2005/8/layout/lProcess1"/>
+    <dgm:cxn modelId="{C216F2FD-EB57-4E4B-B37A-5D5E9A140D13}" type="presParOf" srcId="{3C94FD36-29F5-B040-996E-33D8CCAEB85A}" destId="{87F2CB93-D044-0E49-AE2C-0D110FCDED16}" srcOrd="6" destOrd="0" presId="urn:microsoft.com/office/officeart/2005/8/layout/lProcess1"/>
+    <dgm:cxn modelId="{D7DD4A49-CC92-5646-BCC5-2639C5CE0817}" type="presParOf" srcId="{87F2CB93-D044-0E49-AE2C-0D110FCDED16}" destId="{4ADE6C04-70AD-0446-B6FD-35079C49FFD6}" srcOrd="0" destOrd="0" presId="urn:microsoft.com/office/officeart/2005/8/layout/lProcess1"/>
+    <dgm:cxn modelId="{F431E185-AE5C-7D42-A490-06E4A6E54F86}" type="presParOf" srcId="{87F2CB93-D044-0E49-AE2C-0D110FCDED16}" destId="{F2A709A2-1CA5-9646-9DB5-432064AF85DB}" srcOrd="1" destOrd="0" presId="urn:microsoft.com/office/officeart/2005/8/layout/lProcess1"/>
+    <dgm:cxn modelId="{E09CEE02-E827-7749-BAD0-07503C350701}" type="presParOf" srcId="{87F2CB93-D044-0E49-AE2C-0D110FCDED16}" destId="{181593FC-C2EE-394F-A114-1882CB1CAD2E}" srcOrd="2" destOrd="0" presId="urn:microsoft.com/office/officeart/2005/8/layout/lProcess1"/>
+    <dgm:cxn modelId="{BF18EE07-1E9E-6D47-B5F4-7626245F0802}" type="presParOf" srcId="{3C94FD36-29F5-B040-996E-33D8CCAEB85A}" destId="{AD39B9FA-B929-2749-BF9E-DDC3F9313856}" srcOrd="7" destOrd="0" presId="urn:microsoft.com/office/officeart/2005/8/layout/lProcess1"/>
+    <dgm:cxn modelId="{C147EFCF-6B1F-C948-AF88-4D86199D1E5E}" type="presParOf" srcId="{3C94FD36-29F5-B040-996E-33D8CCAEB85A}" destId="{C285EBB2-DA73-2B43-B5A4-60AB48B3369D}" srcOrd="8" destOrd="0" presId="urn:microsoft.com/office/officeart/2005/8/layout/lProcess1"/>
+    <dgm:cxn modelId="{8C2818FE-2F48-4140-988D-079860FEF4AB}" type="presParOf" srcId="{C285EBB2-DA73-2B43-B5A4-60AB48B3369D}" destId="{293EE86D-6C95-C54D-B190-C6810E79A98B}" srcOrd="0" destOrd="0" presId="urn:microsoft.com/office/officeart/2005/8/layout/lProcess1"/>
+    <dgm:cxn modelId="{08BAF29E-7B1F-5B42-B368-BBE8C124E9AC}" type="presParOf" srcId="{C285EBB2-DA73-2B43-B5A4-60AB48B3369D}" destId="{0E4E1DC6-D79B-7A43-A6A4-7AAEB5BA0D36}" srcOrd="1" destOrd="0" presId="urn:microsoft.com/office/officeart/2005/8/layout/lProcess1"/>
+    <dgm:cxn modelId="{6F8F401A-E884-A643-A367-9BACA783C5B0}" type="presParOf" srcId="{C285EBB2-DA73-2B43-B5A4-60AB48B3369D}" destId="{CD31F6B9-66D4-8549-8593-9EF82007421A}" srcOrd="2" destOrd="0" presId="urn:microsoft.com/office/officeart/2005/8/layout/lProcess1"/>
+    <dgm:cxn modelId="{3639C3C2-AF0A-FE48-8A74-F82B456C5B9A}" type="presParOf" srcId="{C285EBB2-DA73-2B43-B5A4-60AB48B3369D}" destId="{031ABB83-D440-6D4B-8064-F980922F428F}" srcOrd="3" destOrd="0" presId="urn:microsoft.com/office/officeart/2005/8/layout/lProcess1"/>
+    <dgm:cxn modelId="{1D84499D-E796-8640-BB8C-03A3CA1934E7}" type="presParOf" srcId="{C285EBB2-DA73-2B43-B5A4-60AB48B3369D}" destId="{381A3F45-9589-234A-8154-A2B679621008}" srcOrd="4" destOrd="0" presId="urn:microsoft.com/office/officeart/2005/8/layout/lProcess1"/>
+    <dgm:cxn modelId="{02F921C0-03A3-DF48-8857-7BEA99DF8552}" type="presParOf" srcId="{3C94FD36-29F5-B040-996E-33D8CCAEB85A}" destId="{1E99F21C-A54D-FB45-A632-5AD1892EB29A}" srcOrd="9" destOrd="0" presId="urn:microsoft.com/office/officeart/2005/8/layout/lProcess1"/>
+    <dgm:cxn modelId="{216367B2-F38E-4C45-8126-F9EEDDD8D292}" type="presParOf" srcId="{3C94FD36-29F5-B040-996E-33D8CCAEB85A}" destId="{5BD54348-A221-D240-ACE4-5419C1B69A1B}" srcOrd="10" destOrd="0" presId="urn:microsoft.com/office/officeart/2005/8/layout/lProcess1"/>
+    <dgm:cxn modelId="{A9E16FA1-387E-6F40-8224-A9FECF731C28}" type="presParOf" srcId="{5BD54348-A221-D240-ACE4-5419C1B69A1B}" destId="{CD251BD9-1808-994A-9D7B-44D585859501}" srcOrd="0" destOrd="0" presId="urn:microsoft.com/office/officeart/2005/8/layout/lProcess1"/>
+    <dgm:cxn modelId="{1363C92F-F166-8942-87F0-5BA2E83FFFA5}" type="presParOf" srcId="{5BD54348-A221-D240-ACE4-5419C1B69A1B}" destId="{B6D64924-3669-9347-BC66-29FB0474CBE3}" srcOrd="1" destOrd="0" presId="urn:microsoft.com/office/officeart/2005/8/layout/lProcess1"/>
+    <dgm:cxn modelId="{7DEDBB71-2CF6-564C-B1F4-71ACC7D00F61}" type="presParOf" srcId="{5BD54348-A221-D240-ACE4-5419C1B69A1B}" destId="{4B2731B8-55E5-7D42-B17A-D23E6665319E}" srcOrd="2" destOrd="0" presId="urn:microsoft.com/office/officeart/2005/8/layout/lProcess1"/>
+    <dgm:cxn modelId="{B6EBCC10-F04E-6445-9459-E2E242652F8A}" type="presParOf" srcId="{3C94FD36-29F5-B040-996E-33D8CCAEB85A}" destId="{524DC586-C4AF-F348-B7CE-C442E4513DC2}" srcOrd="11" destOrd="0" presId="urn:microsoft.com/office/officeart/2005/8/layout/lProcess1"/>
+    <dgm:cxn modelId="{49E41EEE-2802-B34B-9276-157B3D713693}" type="presParOf" srcId="{3C94FD36-29F5-B040-996E-33D8CCAEB85A}" destId="{0BE0A80F-63D6-BA48-8E85-877B7BE8D8F2}" srcOrd="12" destOrd="0" presId="urn:microsoft.com/office/officeart/2005/8/layout/lProcess1"/>
+    <dgm:cxn modelId="{E26D33FD-8E67-6E44-AF7F-032AAD55CD46}" type="presParOf" srcId="{0BE0A80F-63D6-BA48-8E85-877B7BE8D8F2}" destId="{69FBF7F5-8FE6-A845-9DD2-9B15C98D71DA}" srcOrd="0" destOrd="0" presId="urn:microsoft.com/office/officeart/2005/8/layout/lProcess1"/>
+    <dgm:cxn modelId="{69241B1C-8B0F-224E-82FE-EC63CC345C61}" type="presParOf" srcId="{0BE0A80F-63D6-BA48-8E85-877B7BE8D8F2}" destId="{4392A30B-F377-954A-B7E2-CA21997708C9}" srcOrd="1" destOrd="0" presId="urn:microsoft.com/office/officeart/2005/8/layout/lProcess1"/>
+    <dgm:cxn modelId="{A3537F6A-1ADF-3749-B632-F45FA65C233F}" type="presParOf" srcId="{0BE0A80F-63D6-BA48-8E85-877B7BE8D8F2}" destId="{A1294BDB-B6AB-5840-8AB7-64B756FBD7BC}" srcOrd="2" destOrd="0" presId="urn:microsoft.com/office/officeart/2005/8/layout/lProcess1"/>
+  </dgm:cxnLst>
+  <dgm:bg/>
+  <dgm:whole/>
+  <dgm:extLst>
+    <a:ext uri="http://schemas.microsoft.com/office/drawing/2008/diagram">
+      <dsp:dataModelExt xmlns:dsp="http://schemas.microsoft.com/office/drawing/2008/diagram" relId="rId6" minVer="http://schemas.openxmlformats.org/drawingml/2006/diagram"/>
+    </a:ext>
+  </dgm:extLst>
+</dgm:dataModel>
+</file>
+
+<file path=ppt/diagrams/drawing1.xml><?xml version="1.0" encoding="utf-8"?>
+<dsp:drawing xmlns:dgm="http://schemas.openxmlformats.org/drawingml/2006/diagram" xmlns:dsp="http://schemas.microsoft.com/office/drawing/2008/diagram" xmlns:a="http://schemas.openxmlformats.org/drawingml/2006/main">
+  <dsp:spTree>
+    <dsp:nvGrpSpPr>
+      <dsp:cNvPr id="0" name=""/>
+      <dsp:cNvGrpSpPr/>
+    </dsp:nvGrpSpPr>
+    <dsp:grpSpPr/>
+    <dsp:sp modelId="{C3765B1C-8156-7444-81F2-9D0293BA5615}">
+      <dsp:nvSpPr>
+        <dsp:cNvPr id="0" name=""/>
+        <dsp:cNvSpPr/>
+      </dsp:nvSpPr>
+      <dsp:spPr>
+        <a:xfrm>
+          <a:off x="4286" y="759099"/>
+          <a:ext cx="1534216" cy="840838"/>
+        </a:xfrm>
+        <a:prstGeom prst="roundRect">
+          <a:avLst>
+            <a:gd name="adj" fmla="val 10000"/>
+          </a:avLst>
+        </a:prstGeom>
+        <a:solidFill>
+          <a:schemeClr val="accent1">
+            <a:hueOff val="0"/>
+            <a:satOff val="0"/>
+            <a:lumOff val="0"/>
+            <a:alphaOff val="0"/>
+          </a:schemeClr>
+        </a:solidFill>
+        <a:ln w="15875" cap="flat" cmpd="sng" algn="ctr">
+          <a:solidFill>
+            <a:schemeClr val="lt1">
+              <a:hueOff val="0"/>
+              <a:satOff val="0"/>
+              <a:lumOff val="0"/>
+              <a:alphaOff val="0"/>
+            </a:schemeClr>
+          </a:solidFill>
+          <a:prstDash val="solid"/>
+        </a:ln>
+        <a:effectLst/>
+      </dsp:spPr>
+      <dsp:style>
+        <a:lnRef idx="2">
+          <a:scrgbClr r="0" g="0" b="0"/>
+        </a:lnRef>
+        <a:fillRef idx="1">
+          <a:scrgbClr r="0" g="0" b="0"/>
+        </a:fillRef>
+        <a:effectRef idx="0">
+          <a:scrgbClr r="0" g="0" b="0"/>
+        </a:effectRef>
+        <a:fontRef idx="minor">
+          <a:schemeClr val="lt1"/>
+        </a:fontRef>
+      </dsp:style>
+      <dsp:txBody>
+        <a:bodyPr spcFirstLastPara="0" vert="horz" wrap="square" lIns="25400" tIns="25400" rIns="25400" bIns="25400" numCol="1" spcCol="1270" anchor="ctr" anchorCtr="0">
+          <a:noAutofit/>
+        </a:bodyPr>
+        <a:lstStyle/>
+        <a:p>
+          <a:pPr marL="0" lvl="0" indent="0" algn="ctr" defTabSz="889000">
+            <a:lnSpc>
+              <a:spcPct val="90000"/>
+            </a:lnSpc>
+            <a:spcBef>
+              <a:spcPct val="0"/>
+            </a:spcBef>
+            <a:spcAft>
+              <a:spcPct val="35000"/>
+            </a:spcAft>
+            <a:buNone/>
+          </a:pPr>
+          <a:r>
+            <a:rPr lang="en-US" sz="2000" b="1" kern="1200" dirty="0"/>
+            <a:t>Brainstorm</a:t>
+          </a:r>
+        </a:p>
+      </dsp:txBody>
+      <dsp:txXfrm>
+        <a:off x="28913" y="783726"/>
+        <a:ext cx="1484962" cy="791584"/>
+      </dsp:txXfrm>
+    </dsp:sp>
+    <dsp:sp modelId="{10D500A6-E33C-2340-9790-6D50B4EB2351}">
+      <dsp:nvSpPr>
+        <dsp:cNvPr id="0" name=""/>
+        <dsp:cNvSpPr/>
+      </dsp:nvSpPr>
+      <dsp:spPr>
+        <a:xfrm rot="5400000">
+          <a:off x="737833" y="1633498"/>
+          <a:ext cx="67121" cy="67121"/>
+        </a:xfrm>
+        <a:prstGeom prst="rightArrow">
+          <a:avLst>
+            <a:gd name="adj1" fmla="val 66700"/>
+            <a:gd name="adj2" fmla="val 50000"/>
+          </a:avLst>
+        </a:prstGeom>
+        <a:solidFill>
+          <a:schemeClr val="accent1">
+            <a:tint val="60000"/>
+            <a:hueOff val="0"/>
+            <a:satOff val="0"/>
+            <a:lumOff val="0"/>
+            <a:alphaOff val="0"/>
+          </a:schemeClr>
+        </a:solidFill>
+        <a:ln>
+          <a:noFill/>
+        </a:ln>
+        <a:effectLst/>
+      </dsp:spPr>
+      <dsp:style>
+        <a:lnRef idx="0">
+          <a:scrgbClr r="0" g="0" b="0"/>
+        </a:lnRef>
+        <a:fillRef idx="1">
+          <a:scrgbClr r="0" g="0" b="0"/>
+        </a:fillRef>
+        <a:effectRef idx="0">
+          <a:scrgbClr r="0" g="0" b="0"/>
+        </a:effectRef>
+        <a:fontRef idx="minor">
+          <a:schemeClr val="lt1"/>
+        </a:fontRef>
+      </dsp:style>
+    </dsp:sp>
+    <dsp:sp modelId="{6388C5A6-F5F1-094A-A5D4-5B7DF26E9699}">
+      <dsp:nvSpPr>
+        <dsp:cNvPr id="0" name=""/>
+        <dsp:cNvSpPr/>
+      </dsp:nvSpPr>
+      <dsp:spPr>
+        <a:xfrm>
+          <a:off x="4286" y="1734181"/>
+          <a:ext cx="1534216" cy="673563"/>
+        </a:xfrm>
+        <a:prstGeom prst="roundRect">
+          <a:avLst>
+            <a:gd name="adj" fmla="val 10000"/>
+          </a:avLst>
+        </a:prstGeom>
+        <a:solidFill>
+          <a:schemeClr val="accent1">
+            <a:alpha val="90000"/>
+            <a:tint val="40000"/>
+            <a:hueOff val="0"/>
+            <a:satOff val="0"/>
+            <a:lumOff val="0"/>
+            <a:alphaOff val="0"/>
+          </a:schemeClr>
+        </a:solidFill>
+        <a:ln w="15875" cap="flat" cmpd="sng" algn="ctr">
+          <a:solidFill>
+            <a:schemeClr val="accent1">
+              <a:alpha val="90000"/>
+              <a:tint val="40000"/>
+              <a:hueOff val="0"/>
+              <a:satOff val="0"/>
+              <a:lumOff val="0"/>
+              <a:alphaOff val="0"/>
+            </a:schemeClr>
+          </a:solidFill>
+          <a:prstDash val="solid"/>
+        </a:ln>
+        <a:effectLst/>
+      </dsp:spPr>
+      <dsp:style>
+        <a:lnRef idx="2">
+          <a:scrgbClr r="0" g="0" b="0"/>
+        </a:lnRef>
+        <a:fillRef idx="1">
+          <a:scrgbClr r="0" g="0" b="0"/>
+        </a:fillRef>
+        <a:effectRef idx="0">
+          <a:scrgbClr r="0" g="0" b="0"/>
+        </a:effectRef>
+        <a:fontRef idx="minor"/>
+      </dsp:style>
+      <dsp:txBody>
+        <a:bodyPr spcFirstLastPara="0" vert="horz" wrap="square" lIns="17780" tIns="17780" rIns="17780" bIns="17780" numCol="1" spcCol="1270" anchor="ctr" anchorCtr="0">
+          <a:noAutofit/>
+        </a:bodyPr>
+        <a:lstStyle/>
+        <a:p>
+          <a:pPr marL="0" lvl="0" indent="0" algn="ctr" defTabSz="622300">
+            <a:lnSpc>
+              <a:spcPct val="90000"/>
+            </a:lnSpc>
+            <a:spcBef>
+              <a:spcPct val="0"/>
+            </a:spcBef>
+            <a:spcAft>
+              <a:spcPct val="35000"/>
+            </a:spcAft>
+            <a:buNone/>
+          </a:pPr>
+          <a:r>
+            <a:rPr lang="en-US" sz="1400" b="1" kern="1200" dirty="0"/>
+            <a:t>Explore Data Sources</a:t>
+          </a:r>
+        </a:p>
+      </dsp:txBody>
+      <dsp:txXfrm>
+        <a:off x="24014" y="1753909"/>
+        <a:ext cx="1494760" cy="634107"/>
+      </dsp:txXfrm>
+    </dsp:sp>
+    <dsp:sp modelId="{242EBDB3-BF34-904E-A317-EBF6A1858597}">
+      <dsp:nvSpPr>
+        <dsp:cNvPr id="0" name=""/>
+        <dsp:cNvSpPr/>
+      </dsp:nvSpPr>
+      <dsp:spPr>
+        <a:xfrm rot="5400000">
+          <a:off x="737833" y="2441305"/>
+          <a:ext cx="67121" cy="67121"/>
+        </a:xfrm>
+        <a:prstGeom prst="rightArrow">
+          <a:avLst>
+            <a:gd name="adj1" fmla="val 66700"/>
+            <a:gd name="adj2" fmla="val 50000"/>
+          </a:avLst>
+        </a:prstGeom>
+        <a:solidFill>
+          <a:schemeClr val="accent1">
+            <a:tint val="60000"/>
+            <a:hueOff val="0"/>
+            <a:satOff val="0"/>
+            <a:lumOff val="0"/>
+            <a:alphaOff val="0"/>
+          </a:schemeClr>
+        </a:solidFill>
+        <a:ln>
+          <a:noFill/>
+        </a:ln>
+        <a:effectLst/>
+      </dsp:spPr>
+      <dsp:style>
+        <a:lnRef idx="0">
+          <a:scrgbClr r="0" g="0" b="0"/>
+        </a:lnRef>
+        <a:fillRef idx="1">
+          <a:scrgbClr r="0" g="0" b="0"/>
+        </a:fillRef>
+        <a:effectRef idx="0">
+          <a:scrgbClr r="0" g="0" b="0"/>
+        </a:effectRef>
+        <a:fontRef idx="minor">
+          <a:schemeClr val="lt1"/>
+        </a:fontRef>
+      </dsp:style>
+    </dsp:sp>
+    <dsp:sp modelId="{64541A2E-0A5B-784F-AFBC-8947BF3F52CA}">
+      <dsp:nvSpPr>
+        <dsp:cNvPr id="0" name=""/>
+        <dsp:cNvSpPr/>
+      </dsp:nvSpPr>
+      <dsp:spPr>
+        <a:xfrm>
+          <a:off x="4286" y="2541988"/>
+          <a:ext cx="1534216" cy="673563"/>
+        </a:xfrm>
+        <a:prstGeom prst="roundRect">
+          <a:avLst>
+            <a:gd name="adj" fmla="val 10000"/>
+          </a:avLst>
+        </a:prstGeom>
+        <a:solidFill>
+          <a:schemeClr val="accent1">
+            <a:alpha val="90000"/>
+            <a:tint val="40000"/>
+            <a:hueOff val="0"/>
+            <a:satOff val="0"/>
+            <a:lumOff val="0"/>
+            <a:alphaOff val="0"/>
+          </a:schemeClr>
+        </a:solidFill>
+        <a:ln w="15875" cap="flat" cmpd="sng" algn="ctr">
+          <a:solidFill>
+            <a:schemeClr val="accent1">
+              <a:alpha val="90000"/>
+              <a:tint val="40000"/>
+              <a:hueOff val="0"/>
+              <a:satOff val="0"/>
+              <a:lumOff val="0"/>
+              <a:alphaOff val="0"/>
+            </a:schemeClr>
+          </a:solidFill>
+          <a:prstDash val="solid"/>
+        </a:ln>
+        <a:effectLst/>
+      </dsp:spPr>
+      <dsp:style>
+        <a:lnRef idx="2">
+          <a:scrgbClr r="0" g="0" b="0"/>
+        </a:lnRef>
+        <a:fillRef idx="1">
+          <a:scrgbClr r="0" g="0" b="0"/>
+        </a:fillRef>
+        <a:effectRef idx="0">
+          <a:scrgbClr r="0" g="0" b="0"/>
+        </a:effectRef>
+        <a:fontRef idx="minor"/>
+      </dsp:style>
+      <dsp:txBody>
+        <a:bodyPr spcFirstLastPara="0" vert="horz" wrap="square" lIns="17780" tIns="17780" rIns="17780" bIns="17780" numCol="1" spcCol="1270" anchor="ctr" anchorCtr="0">
+          <a:noAutofit/>
+        </a:bodyPr>
+        <a:lstStyle/>
+        <a:p>
+          <a:pPr marL="0" lvl="0" indent="0" algn="ctr" defTabSz="622300">
+            <a:lnSpc>
+              <a:spcPct val="90000"/>
+            </a:lnSpc>
+            <a:spcBef>
+              <a:spcPct val="0"/>
+            </a:spcBef>
+            <a:spcAft>
+              <a:spcPct val="35000"/>
+            </a:spcAft>
+            <a:buNone/>
+          </a:pPr>
+          <a:r>
+            <a:rPr lang="en-US" sz="1400" b="1" kern="1200" dirty="0"/>
+            <a:t>Consult TA's</a:t>
+          </a:r>
+        </a:p>
+      </dsp:txBody>
+      <dsp:txXfrm>
+        <a:off x="24014" y="2561716"/>
+        <a:ext cx="1494760" cy="634107"/>
+      </dsp:txXfrm>
+    </dsp:sp>
+    <dsp:sp modelId="{B59D26C6-8805-4F4F-9EFD-4D187FA5A925}">
+      <dsp:nvSpPr>
+        <dsp:cNvPr id="0" name=""/>
+        <dsp:cNvSpPr/>
+      </dsp:nvSpPr>
+      <dsp:spPr>
+        <a:xfrm rot="5400000">
+          <a:off x="737833" y="3249112"/>
+          <a:ext cx="67121" cy="67121"/>
+        </a:xfrm>
+        <a:prstGeom prst="rightArrow">
+          <a:avLst>
+            <a:gd name="adj1" fmla="val 66700"/>
+            <a:gd name="adj2" fmla="val 50000"/>
+          </a:avLst>
+        </a:prstGeom>
+        <a:solidFill>
+          <a:schemeClr val="accent1">
+            <a:tint val="60000"/>
+            <a:hueOff val="0"/>
+            <a:satOff val="0"/>
+            <a:lumOff val="0"/>
+            <a:alphaOff val="0"/>
+          </a:schemeClr>
+        </a:solidFill>
+        <a:ln>
+          <a:noFill/>
+        </a:ln>
+        <a:effectLst/>
+      </dsp:spPr>
+      <dsp:style>
+        <a:lnRef idx="0">
+          <a:scrgbClr r="0" g="0" b="0"/>
+        </a:lnRef>
+        <a:fillRef idx="1">
+          <a:scrgbClr r="0" g="0" b="0"/>
+        </a:fillRef>
+        <a:effectRef idx="0">
+          <a:scrgbClr r="0" g="0" b="0"/>
+        </a:effectRef>
+        <a:fontRef idx="minor">
+          <a:schemeClr val="lt1"/>
+        </a:fontRef>
+      </dsp:style>
+    </dsp:sp>
+    <dsp:sp modelId="{294EA16D-1E26-8443-8359-102D903AF8E7}">
+      <dsp:nvSpPr>
+        <dsp:cNvPr id="0" name=""/>
+        <dsp:cNvSpPr/>
+      </dsp:nvSpPr>
+      <dsp:spPr>
+        <a:xfrm>
+          <a:off x="4286" y="3349795"/>
+          <a:ext cx="1534216" cy="673563"/>
+        </a:xfrm>
+        <a:prstGeom prst="roundRect">
+          <a:avLst>
+            <a:gd name="adj" fmla="val 10000"/>
+          </a:avLst>
+        </a:prstGeom>
+        <a:solidFill>
+          <a:schemeClr val="accent1">
+            <a:alpha val="90000"/>
+            <a:tint val="40000"/>
+            <a:hueOff val="0"/>
+            <a:satOff val="0"/>
+            <a:lumOff val="0"/>
+            <a:alphaOff val="0"/>
+          </a:schemeClr>
+        </a:solidFill>
+        <a:ln w="15875" cap="flat" cmpd="sng" algn="ctr">
+          <a:solidFill>
+            <a:schemeClr val="accent1">
+              <a:alpha val="90000"/>
+              <a:tint val="40000"/>
+              <a:hueOff val="0"/>
+              <a:satOff val="0"/>
+              <a:lumOff val="0"/>
+              <a:alphaOff val="0"/>
+            </a:schemeClr>
+          </a:solidFill>
+          <a:prstDash val="solid"/>
+        </a:ln>
+        <a:effectLst/>
+      </dsp:spPr>
+      <dsp:style>
+        <a:lnRef idx="2">
+          <a:scrgbClr r="0" g="0" b="0"/>
+        </a:lnRef>
+        <a:fillRef idx="1">
+          <a:scrgbClr r="0" g="0" b="0"/>
+        </a:fillRef>
+        <a:effectRef idx="0">
+          <a:scrgbClr r="0" g="0" b="0"/>
+        </a:effectRef>
+        <a:fontRef idx="minor"/>
+      </dsp:style>
+      <dsp:txBody>
+        <a:bodyPr spcFirstLastPara="0" vert="horz" wrap="square" lIns="17780" tIns="17780" rIns="17780" bIns="17780" numCol="1" spcCol="1270" anchor="ctr" anchorCtr="0">
+          <a:noAutofit/>
+        </a:bodyPr>
+        <a:lstStyle/>
+        <a:p>
+          <a:pPr marL="0" lvl="0" indent="0" algn="ctr" defTabSz="622300">
+            <a:lnSpc>
+              <a:spcPct val="90000"/>
+            </a:lnSpc>
+            <a:spcBef>
+              <a:spcPct val="0"/>
+            </a:spcBef>
+            <a:spcAft>
+              <a:spcPct val="35000"/>
+            </a:spcAft>
+            <a:buNone/>
+          </a:pPr>
+          <a:r>
+            <a:rPr lang="en-US" sz="1400" b="1" kern="1200" dirty="0"/>
+            <a:t>Define Project Hypothesis</a:t>
+          </a:r>
+        </a:p>
+      </dsp:txBody>
+      <dsp:txXfrm>
+        <a:off x="24014" y="3369523"/>
+        <a:ext cx="1494760" cy="634107"/>
+      </dsp:txXfrm>
+    </dsp:sp>
+    <dsp:sp modelId="{73B0273D-7348-4042-9720-ACA5A59E2CA7}">
+      <dsp:nvSpPr>
+        <dsp:cNvPr id="0" name=""/>
+        <dsp:cNvSpPr/>
+      </dsp:nvSpPr>
+      <dsp:spPr>
+        <a:xfrm>
+          <a:off x="1753293" y="759099"/>
+          <a:ext cx="1534216" cy="840838"/>
+        </a:xfrm>
+        <a:prstGeom prst="roundRect">
+          <a:avLst>
+            <a:gd name="adj" fmla="val 10000"/>
+          </a:avLst>
+        </a:prstGeom>
+        <a:solidFill>
+          <a:schemeClr val="accent1">
+            <a:hueOff val="0"/>
+            <a:satOff val="0"/>
+            <a:lumOff val="0"/>
+            <a:alphaOff val="0"/>
+          </a:schemeClr>
+        </a:solidFill>
+        <a:ln w="15875" cap="flat" cmpd="sng" algn="ctr">
+          <a:solidFill>
+            <a:schemeClr val="lt1">
+              <a:hueOff val="0"/>
+              <a:satOff val="0"/>
+              <a:lumOff val="0"/>
+              <a:alphaOff val="0"/>
+            </a:schemeClr>
+          </a:solidFill>
+          <a:prstDash val="solid"/>
+        </a:ln>
+        <a:effectLst/>
+      </dsp:spPr>
+      <dsp:style>
+        <a:lnRef idx="2">
+          <a:scrgbClr r="0" g="0" b="0"/>
+        </a:lnRef>
+        <a:fillRef idx="1">
+          <a:scrgbClr r="0" g="0" b="0"/>
+        </a:fillRef>
+        <a:effectRef idx="0">
+          <a:scrgbClr r="0" g="0" b="0"/>
+        </a:effectRef>
+        <a:fontRef idx="minor">
+          <a:schemeClr val="lt1"/>
+        </a:fontRef>
+      </dsp:style>
+      <dsp:txBody>
+        <a:bodyPr spcFirstLastPara="0" vert="horz" wrap="square" lIns="25400" tIns="25400" rIns="25400" bIns="25400" numCol="1" spcCol="1270" anchor="ctr" anchorCtr="0">
+          <a:noAutofit/>
+        </a:bodyPr>
+        <a:lstStyle/>
+        <a:p>
+          <a:pPr marL="0" lvl="0" indent="0" algn="ctr" defTabSz="889000">
+            <a:lnSpc>
+              <a:spcPct val="90000"/>
+            </a:lnSpc>
+            <a:spcBef>
+              <a:spcPct val="0"/>
+            </a:spcBef>
+            <a:spcAft>
+              <a:spcPct val="35000"/>
+            </a:spcAft>
+            <a:buNone/>
+          </a:pPr>
+          <a:r>
+            <a:rPr lang="en-US" sz="2000" b="1" kern="1200" dirty="0"/>
+            <a:t>Collect Data</a:t>
+          </a:r>
+        </a:p>
+      </dsp:txBody>
+      <dsp:txXfrm>
+        <a:off x="1777920" y="783726"/>
+        <a:ext cx="1484962" cy="791584"/>
+      </dsp:txXfrm>
+    </dsp:sp>
+    <dsp:sp modelId="{3354D689-792B-BF41-8E28-F8CA6A7F8841}">
+      <dsp:nvSpPr>
+        <dsp:cNvPr id="0" name=""/>
+        <dsp:cNvSpPr/>
+      </dsp:nvSpPr>
+      <dsp:spPr>
+        <a:xfrm rot="5400000">
+          <a:off x="2486840" y="1633498"/>
+          <a:ext cx="67121" cy="67121"/>
+        </a:xfrm>
+        <a:prstGeom prst="rightArrow">
+          <a:avLst>
+            <a:gd name="adj1" fmla="val 66700"/>
+            <a:gd name="adj2" fmla="val 50000"/>
+          </a:avLst>
+        </a:prstGeom>
+        <a:solidFill>
+          <a:schemeClr val="accent1">
+            <a:tint val="60000"/>
+            <a:hueOff val="0"/>
+            <a:satOff val="0"/>
+            <a:lumOff val="0"/>
+            <a:alphaOff val="0"/>
+          </a:schemeClr>
+        </a:solidFill>
+        <a:ln>
+          <a:noFill/>
+        </a:ln>
+        <a:effectLst/>
+      </dsp:spPr>
+      <dsp:style>
+        <a:lnRef idx="0">
+          <a:scrgbClr r="0" g="0" b="0"/>
+        </a:lnRef>
+        <a:fillRef idx="1">
+          <a:scrgbClr r="0" g="0" b="0"/>
+        </a:fillRef>
+        <a:effectRef idx="0">
+          <a:scrgbClr r="0" g="0" b="0"/>
+        </a:effectRef>
+        <a:fontRef idx="minor">
+          <a:schemeClr val="lt1"/>
+        </a:fontRef>
+      </dsp:style>
+    </dsp:sp>
+    <dsp:sp modelId="{841E770B-5AEA-1C46-8545-C41C43D05ECC}">
+      <dsp:nvSpPr>
+        <dsp:cNvPr id="0" name=""/>
+        <dsp:cNvSpPr/>
+      </dsp:nvSpPr>
+      <dsp:spPr>
+        <a:xfrm>
+          <a:off x="1753293" y="1734181"/>
+          <a:ext cx="1534216" cy="673563"/>
+        </a:xfrm>
+        <a:prstGeom prst="roundRect">
+          <a:avLst>
+            <a:gd name="adj" fmla="val 10000"/>
+          </a:avLst>
+        </a:prstGeom>
+        <a:solidFill>
+          <a:schemeClr val="accent1">
+            <a:alpha val="90000"/>
+            <a:tint val="40000"/>
+            <a:hueOff val="0"/>
+            <a:satOff val="0"/>
+            <a:lumOff val="0"/>
+            <a:alphaOff val="0"/>
+          </a:schemeClr>
+        </a:solidFill>
+        <a:ln w="15875" cap="flat" cmpd="sng" algn="ctr">
+          <a:solidFill>
+            <a:schemeClr val="accent1">
+              <a:alpha val="90000"/>
+              <a:tint val="40000"/>
+              <a:hueOff val="0"/>
+              <a:satOff val="0"/>
+              <a:lumOff val="0"/>
+              <a:alphaOff val="0"/>
+            </a:schemeClr>
+          </a:solidFill>
+          <a:prstDash val="solid"/>
+        </a:ln>
+        <a:effectLst/>
+      </dsp:spPr>
+      <dsp:style>
+        <a:lnRef idx="2">
+          <a:scrgbClr r="0" g="0" b="0"/>
+        </a:lnRef>
+        <a:fillRef idx="1">
+          <a:scrgbClr r="0" g="0" b="0"/>
+        </a:fillRef>
+        <a:effectRef idx="0">
+          <a:scrgbClr r="0" g="0" b="0"/>
+        </a:effectRef>
+        <a:fontRef idx="minor"/>
+      </dsp:style>
+      <dsp:txBody>
+        <a:bodyPr spcFirstLastPara="0" vert="horz" wrap="square" lIns="17780" tIns="17780" rIns="17780" bIns="17780" numCol="1" spcCol="1270" anchor="ctr" anchorCtr="0">
+          <a:noAutofit/>
+        </a:bodyPr>
+        <a:lstStyle/>
+        <a:p>
+          <a:pPr marL="0" lvl="0" indent="0" algn="ctr" defTabSz="622300">
+            <a:lnSpc>
+              <a:spcPct val="90000"/>
+            </a:lnSpc>
+            <a:spcBef>
+              <a:spcPct val="0"/>
+            </a:spcBef>
+            <a:spcAft>
+              <a:spcPct val="35000"/>
+            </a:spcAft>
+            <a:buNone/>
+          </a:pPr>
+          <a:r>
+            <a:rPr lang="en-US" sz="1400" b="1" kern="1200" dirty="0"/>
+            <a:t>Covid-19 Cases</a:t>
+          </a:r>
+        </a:p>
+      </dsp:txBody>
+      <dsp:txXfrm>
+        <a:off x="1773021" y="1753909"/>
+        <a:ext cx="1494760" cy="634107"/>
+      </dsp:txXfrm>
+    </dsp:sp>
+    <dsp:sp modelId="{6C2A8A67-2B11-7746-8141-CB9515E7AF09}">
+      <dsp:nvSpPr>
+        <dsp:cNvPr id="0" name=""/>
+        <dsp:cNvSpPr/>
+      </dsp:nvSpPr>
+      <dsp:spPr>
+        <a:xfrm rot="5400000">
+          <a:off x="2486840" y="2441305"/>
+          <a:ext cx="67121" cy="67121"/>
+        </a:xfrm>
+        <a:prstGeom prst="rightArrow">
+          <a:avLst>
+            <a:gd name="adj1" fmla="val 66700"/>
+            <a:gd name="adj2" fmla="val 50000"/>
+          </a:avLst>
+        </a:prstGeom>
+        <a:solidFill>
+          <a:schemeClr val="accent1">
+            <a:tint val="60000"/>
+            <a:hueOff val="0"/>
+            <a:satOff val="0"/>
+            <a:lumOff val="0"/>
+            <a:alphaOff val="0"/>
+          </a:schemeClr>
+        </a:solidFill>
+        <a:ln>
+          <a:noFill/>
+        </a:ln>
+        <a:effectLst/>
+      </dsp:spPr>
+      <dsp:style>
+        <a:lnRef idx="0">
+          <a:scrgbClr r="0" g="0" b="0"/>
+        </a:lnRef>
+        <a:fillRef idx="1">
+          <a:scrgbClr r="0" g="0" b="0"/>
+        </a:fillRef>
+        <a:effectRef idx="0">
+          <a:scrgbClr r="0" g="0" b="0"/>
+        </a:effectRef>
+        <a:fontRef idx="minor">
+          <a:schemeClr val="lt1"/>
+        </a:fontRef>
+      </dsp:style>
+    </dsp:sp>
+    <dsp:sp modelId="{FB4EA5B9-A235-2144-B5D9-BE5BDE1FEAA3}">
+      <dsp:nvSpPr>
+        <dsp:cNvPr id="0" name=""/>
+        <dsp:cNvSpPr/>
+      </dsp:nvSpPr>
+      <dsp:spPr>
+        <a:xfrm>
+          <a:off x="1753293" y="2541988"/>
+          <a:ext cx="1534216" cy="673563"/>
+        </a:xfrm>
+        <a:prstGeom prst="roundRect">
+          <a:avLst>
+            <a:gd name="adj" fmla="val 10000"/>
+          </a:avLst>
+        </a:prstGeom>
+        <a:solidFill>
+          <a:schemeClr val="accent1">
+            <a:alpha val="90000"/>
+            <a:tint val="40000"/>
+            <a:hueOff val="0"/>
+            <a:satOff val="0"/>
+            <a:lumOff val="0"/>
+            <a:alphaOff val="0"/>
+          </a:schemeClr>
+        </a:solidFill>
+        <a:ln w="15875" cap="flat" cmpd="sng" algn="ctr">
+          <a:solidFill>
+            <a:schemeClr val="accent1">
+              <a:alpha val="90000"/>
+              <a:tint val="40000"/>
+              <a:hueOff val="0"/>
+              <a:satOff val="0"/>
+              <a:lumOff val="0"/>
+              <a:alphaOff val="0"/>
+            </a:schemeClr>
+          </a:solidFill>
+          <a:prstDash val="solid"/>
+        </a:ln>
+        <a:effectLst/>
+      </dsp:spPr>
+      <dsp:style>
+        <a:lnRef idx="2">
+          <a:scrgbClr r="0" g="0" b="0"/>
+        </a:lnRef>
+        <a:fillRef idx="1">
+          <a:scrgbClr r="0" g="0" b="0"/>
+        </a:fillRef>
+        <a:effectRef idx="0">
+          <a:scrgbClr r="0" g="0" b="0"/>
+        </a:effectRef>
+        <a:fontRef idx="minor"/>
+      </dsp:style>
+      <dsp:txBody>
+        <a:bodyPr spcFirstLastPara="0" vert="horz" wrap="square" lIns="17780" tIns="17780" rIns="17780" bIns="17780" numCol="1" spcCol="1270" anchor="ctr" anchorCtr="0">
+          <a:noAutofit/>
+        </a:bodyPr>
+        <a:lstStyle/>
+        <a:p>
+          <a:pPr marL="0" lvl="0" indent="0" algn="ctr" defTabSz="622300">
+            <a:lnSpc>
+              <a:spcPct val="90000"/>
+            </a:lnSpc>
+            <a:spcBef>
+              <a:spcPct val="0"/>
+            </a:spcBef>
+            <a:spcAft>
+              <a:spcPct val="35000"/>
+            </a:spcAft>
+            <a:buNone/>
+          </a:pPr>
+          <a:r>
+            <a:rPr lang="en-US" sz="1400" b="1" kern="1200" dirty="0"/>
+            <a:t>Google Search Trends</a:t>
+          </a:r>
+        </a:p>
+      </dsp:txBody>
+      <dsp:txXfrm>
+        <a:off x="1773021" y="2561716"/>
+        <a:ext cx="1494760" cy="634107"/>
+      </dsp:txXfrm>
+    </dsp:sp>
+    <dsp:sp modelId="{E1583A09-4CA6-9743-9A41-03E64C4D547D}">
+      <dsp:nvSpPr>
+        <dsp:cNvPr id="0" name=""/>
+        <dsp:cNvSpPr/>
+      </dsp:nvSpPr>
+      <dsp:spPr>
+        <a:xfrm rot="5400000">
+          <a:off x="2486840" y="3249112"/>
+          <a:ext cx="67121" cy="67121"/>
+        </a:xfrm>
+        <a:prstGeom prst="rightArrow">
+          <a:avLst>
+            <a:gd name="adj1" fmla="val 66700"/>
+            <a:gd name="adj2" fmla="val 50000"/>
+          </a:avLst>
+        </a:prstGeom>
+        <a:solidFill>
+          <a:schemeClr val="accent1">
+            <a:tint val="60000"/>
+            <a:hueOff val="0"/>
+            <a:satOff val="0"/>
+            <a:lumOff val="0"/>
+            <a:alphaOff val="0"/>
+          </a:schemeClr>
+        </a:solidFill>
+        <a:ln>
+          <a:noFill/>
+        </a:ln>
+        <a:effectLst/>
+      </dsp:spPr>
+      <dsp:style>
+        <a:lnRef idx="0">
+          <a:scrgbClr r="0" g="0" b="0"/>
+        </a:lnRef>
+        <a:fillRef idx="1">
+          <a:scrgbClr r="0" g="0" b="0"/>
+        </a:fillRef>
+        <a:effectRef idx="0">
+          <a:scrgbClr r="0" g="0" b="0"/>
+        </a:effectRef>
+        <a:fontRef idx="minor">
+          <a:schemeClr val="lt1"/>
+        </a:fontRef>
+      </dsp:style>
+    </dsp:sp>
+    <dsp:sp modelId="{710EFF23-8AB5-1748-B753-14EC1981A01A}">
+      <dsp:nvSpPr>
+        <dsp:cNvPr id="0" name=""/>
+        <dsp:cNvSpPr/>
+      </dsp:nvSpPr>
+      <dsp:spPr>
+        <a:xfrm>
+          <a:off x="1753293" y="3349795"/>
+          <a:ext cx="1534216" cy="673563"/>
+        </a:xfrm>
+        <a:prstGeom prst="roundRect">
+          <a:avLst>
+            <a:gd name="adj" fmla="val 10000"/>
+          </a:avLst>
+        </a:prstGeom>
+        <a:solidFill>
+          <a:schemeClr val="accent1">
+            <a:alpha val="90000"/>
+            <a:tint val="40000"/>
+            <a:hueOff val="0"/>
+            <a:satOff val="0"/>
+            <a:lumOff val="0"/>
+            <a:alphaOff val="0"/>
+          </a:schemeClr>
+        </a:solidFill>
+        <a:ln w="15875" cap="flat" cmpd="sng" algn="ctr">
+          <a:solidFill>
+            <a:schemeClr val="accent1">
+              <a:alpha val="90000"/>
+              <a:tint val="40000"/>
+              <a:hueOff val="0"/>
+              <a:satOff val="0"/>
+              <a:lumOff val="0"/>
+              <a:alphaOff val="0"/>
+            </a:schemeClr>
+          </a:solidFill>
+          <a:prstDash val="solid"/>
+        </a:ln>
+        <a:effectLst/>
+      </dsp:spPr>
+      <dsp:style>
+        <a:lnRef idx="2">
+          <a:scrgbClr r="0" g="0" b="0"/>
+        </a:lnRef>
+        <a:fillRef idx="1">
+          <a:scrgbClr r="0" g="0" b="0"/>
+        </a:fillRef>
+        <a:effectRef idx="0">
+          <a:scrgbClr r="0" g="0" b="0"/>
+        </a:effectRef>
+        <a:fontRef idx="minor"/>
+      </dsp:style>
+      <dsp:txBody>
+        <a:bodyPr spcFirstLastPara="0" vert="horz" wrap="square" lIns="17780" tIns="17780" rIns="17780" bIns="17780" numCol="1" spcCol="1270" anchor="ctr" anchorCtr="0">
+          <a:noAutofit/>
+        </a:bodyPr>
+        <a:lstStyle/>
+        <a:p>
+          <a:pPr marL="0" lvl="0" indent="0" algn="ctr" defTabSz="622300">
+            <a:lnSpc>
+              <a:spcPct val="90000"/>
+            </a:lnSpc>
+            <a:spcBef>
+              <a:spcPct val="0"/>
+            </a:spcBef>
+            <a:spcAft>
+              <a:spcPct val="35000"/>
+            </a:spcAft>
+            <a:buNone/>
+          </a:pPr>
+          <a:r>
+            <a:rPr lang="en-US" sz="1400" b="1" kern="1200" dirty="0"/>
+            <a:t>State Restrictions</a:t>
+          </a:r>
+        </a:p>
+      </dsp:txBody>
+      <dsp:txXfrm>
+        <a:off x="1773021" y="3369523"/>
+        <a:ext cx="1494760" cy="634107"/>
+      </dsp:txXfrm>
+    </dsp:sp>
+    <dsp:sp modelId="{088683D4-4D78-5C4D-A6BC-BAC7FDA2C5B7}">
+      <dsp:nvSpPr>
+        <dsp:cNvPr id="0" name=""/>
+        <dsp:cNvSpPr/>
+      </dsp:nvSpPr>
+      <dsp:spPr>
+        <a:xfrm>
+          <a:off x="3502299" y="759099"/>
+          <a:ext cx="1534216" cy="840838"/>
+        </a:xfrm>
+        <a:prstGeom prst="roundRect">
+          <a:avLst>
+            <a:gd name="adj" fmla="val 10000"/>
+          </a:avLst>
+        </a:prstGeom>
+        <a:solidFill>
+          <a:schemeClr val="accent1">
+            <a:hueOff val="0"/>
+            <a:satOff val="0"/>
+            <a:lumOff val="0"/>
+            <a:alphaOff val="0"/>
+          </a:schemeClr>
+        </a:solidFill>
+        <a:ln w="15875" cap="flat" cmpd="sng" algn="ctr">
+          <a:solidFill>
+            <a:schemeClr val="lt1">
+              <a:hueOff val="0"/>
+              <a:satOff val="0"/>
+              <a:lumOff val="0"/>
+              <a:alphaOff val="0"/>
+            </a:schemeClr>
+          </a:solidFill>
+          <a:prstDash val="solid"/>
+        </a:ln>
+        <a:effectLst/>
+      </dsp:spPr>
+      <dsp:style>
+        <a:lnRef idx="2">
+          <a:scrgbClr r="0" g="0" b="0"/>
+        </a:lnRef>
+        <a:fillRef idx="1">
+          <a:scrgbClr r="0" g="0" b="0"/>
+        </a:fillRef>
+        <a:effectRef idx="0">
+          <a:scrgbClr r="0" g="0" b="0"/>
+        </a:effectRef>
+        <a:fontRef idx="minor">
+          <a:schemeClr val="lt1"/>
+        </a:fontRef>
+      </dsp:style>
+      <dsp:txBody>
+        <a:bodyPr spcFirstLastPara="0" vert="horz" wrap="square" lIns="25400" tIns="25400" rIns="25400" bIns="25400" numCol="1" spcCol="1270" anchor="ctr" anchorCtr="0">
+          <a:noAutofit/>
+        </a:bodyPr>
+        <a:lstStyle/>
+        <a:p>
+          <a:pPr marL="0" lvl="0" indent="0" algn="ctr" defTabSz="889000">
+            <a:lnSpc>
+              <a:spcPct val="90000"/>
+            </a:lnSpc>
+            <a:spcBef>
+              <a:spcPct val="0"/>
+            </a:spcBef>
+            <a:spcAft>
+              <a:spcPct val="35000"/>
+            </a:spcAft>
+            <a:buNone/>
+          </a:pPr>
+          <a:r>
+            <a:rPr lang="en-US" sz="2000" b="1" kern="1200" dirty="0"/>
+            <a:t>Review</a:t>
+          </a:r>
+        </a:p>
+      </dsp:txBody>
+      <dsp:txXfrm>
+        <a:off x="3526926" y="783726"/>
+        <a:ext cx="1484962" cy="791584"/>
+      </dsp:txXfrm>
+    </dsp:sp>
+    <dsp:sp modelId="{416B8FE7-7D59-1F4D-A25C-34ABB384F8D1}">
+      <dsp:nvSpPr>
+        <dsp:cNvPr id="0" name=""/>
+        <dsp:cNvSpPr/>
+      </dsp:nvSpPr>
+      <dsp:spPr>
+        <a:xfrm rot="5400000">
+          <a:off x="4235846" y="1633498"/>
+          <a:ext cx="67121" cy="67121"/>
+        </a:xfrm>
+        <a:prstGeom prst="rightArrow">
+          <a:avLst>
+            <a:gd name="adj1" fmla="val 66700"/>
+            <a:gd name="adj2" fmla="val 50000"/>
+          </a:avLst>
+        </a:prstGeom>
+        <a:solidFill>
+          <a:schemeClr val="accent1">
+            <a:tint val="60000"/>
+            <a:hueOff val="0"/>
+            <a:satOff val="0"/>
+            <a:lumOff val="0"/>
+            <a:alphaOff val="0"/>
+          </a:schemeClr>
+        </a:solidFill>
+        <a:ln>
+          <a:noFill/>
+        </a:ln>
+        <a:effectLst/>
+      </dsp:spPr>
+      <dsp:style>
+        <a:lnRef idx="0">
+          <a:scrgbClr r="0" g="0" b="0"/>
+        </a:lnRef>
+        <a:fillRef idx="1">
+          <a:scrgbClr r="0" g="0" b="0"/>
+        </a:fillRef>
+        <a:effectRef idx="0">
+          <a:scrgbClr r="0" g="0" b="0"/>
+        </a:effectRef>
+        <a:fontRef idx="minor">
+          <a:schemeClr val="lt1"/>
+        </a:fontRef>
+      </dsp:style>
+    </dsp:sp>
+    <dsp:sp modelId="{9A1B8672-2CE8-414D-A672-BA69FB633BAE}">
+      <dsp:nvSpPr>
+        <dsp:cNvPr id="0" name=""/>
+        <dsp:cNvSpPr/>
+      </dsp:nvSpPr>
+      <dsp:spPr>
+        <a:xfrm>
+          <a:off x="3502299" y="1734181"/>
+          <a:ext cx="1534216" cy="673563"/>
+        </a:xfrm>
+        <a:prstGeom prst="roundRect">
+          <a:avLst>
+            <a:gd name="adj" fmla="val 10000"/>
+          </a:avLst>
+        </a:prstGeom>
+        <a:solidFill>
+          <a:schemeClr val="accent1">
+            <a:alpha val="90000"/>
+            <a:tint val="40000"/>
+            <a:hueOff val="0"/>
+            <a:satOff val="0"/>
+            <a:lumOff val="0"/>
+            <a:alphaOff val="0"/>
+          </a:schemeClr>
+        </a:solidFill>
+        <a:ln w="15875" cap="flat" cmpd="sng" algn="ctr">
+          <a:solidFill>
+            <a:schemeClr val="accent1">
+              <a:alpha val="90000"/>
+              <a:tint val="40000"/>
+              <a:hueOff val="0"/>
+              <a:satOff val="0"/>
+              <a:lumOff val="0"/>
+              <a:alphaOff val="0"/>
+            </a:schemeClr>
+          </a:solidFill>
+          <a:prstDash val="solid"/>
+        </a:ln>
+        <a:effectLst/>
+      </dsp:spPr>
+      <dsp:style>
+        <a:lnRef idx="2">
+          <a:scrgbClr r="0" g="0" b="0"/>
+        </a:lnRef>
+        <a:fillRef idx="1">
+          <a:scrgbClr r="0" g="0" b="0"/>
+        </a:fillRef>
+        <a:effectRef idx="0">
+          <a:scrgbClr r="0" g="0" b="0"/>
+        </a:effectRef>
+        <a:fontRef idx="minor"/>
+      </dsp:style>
+      <dsp:txBody>
+        <a:bodyPr spcFirstLastPara="0" vert="horz" wrap="square" lIns="17780" tIns="17780" rIns="17780" bIns="17780" numCol="1" spcCol="1270" anchor="ctr" anchorCtr="0">
+          <a:noAutofit/>
+        </a:bodyPr>
+        <a:lstStyle/>
+        <a:p>
+          <a:pPr marL="0" lvl="0" indent="0" algn="ctr" defTabSz="622300">
+            <a:lnSpc>
+              <a:spcPct val="90000"/>
+            </a:lnSpc>
+            <a:spcBef>
+              <a:spcPct val="0"/>
+            </a:spcBef>
+            <a:spcAft>
+              <a:spcPct val="35000"/>
+            </a:spcAft>
+            <a:buNone/>
+          </a:pPr>
+          <a:r>
+            <a:rPr lang="en-US" sz="1400" b="1" kern="1200" dirty="0"/>
+            <a:t>Review Collected Data</a:t>
+          </a:r>
+        </a:p>
+      </dsp:txBody>
+      <dsp:txXfrm>
+        <a:off x="3522027" y="1753909"/>
+        <a:ext cx="1494760" cy="634107"/>
+      </dsp:txXfrm>
+    </dsp:sp>
+    <dsp:sp modelId="{1073260A-A87E-1042-8C61-FD32C3E2990B}">
+      <dsp:nvSpPr>
+        <dsp:cNvPr id="0" name=""/>
+        <dsp:cNvSpPr/>
+      </dsp:nvSpPr>
+      <dsp:spPr>
+        <a:xfrm rot="5400000">
+          <a:off x="4235846" y="2441305"/>
+          <a:ext cx="67121" cy="67121"/>
+        </a:xfrm>
+        <a:prstGeom prst="rightArrow">
+          <a:avLst>
+            <a:gd name="adj1" fmla="val 66700"/>
+            <a:gd name="adj2" fmla="val 50000"/>
+          </a:avLst>
+        </a:prstGeom>
+        <a:solidFill>
+          <a:schemeClr val="accent1">
+            <a:tint val="60000"/>
+            <a:hueOff val="0"/>
+            <a:satOff val="0"/>
+            <a:lumOff val="0"/>
+            <a:alphaOff val="0"/>
+          </a:schemeClr>
+        </a:solidFill>
+        <a:ln>
+          <a:noFill/>
+        </a:ln>
+        <a:effectLst/>
+      </dsp:spPr>
+      <dsp:style>
+        <a:lnRef idx="0">
+          <a:scrgbClr r="0" g="0" b="0"/>
+        </a:lnRef>
+        <a:fillRef idx="1">
+          <a:scrgbClr r="0" g="0" b="0"/>
+        </a:fillRef>
+        <a:effectRef idx="0">
+          <a:scrgbClr r="0" g="0" b="0"/>
+        </a:effectRef>
+        <a:fontRef idx="minor">
+          <a:schemeClr val="lt1"/>
+        </a:fontRef>
+      </dsp:style>
+    </dsp:sp>
+    <dsp:sp modelId="{7073CD36-6660-9B4A-B4AD-3F40083033A6}">
+      <dsp:nvSpPr>
+        <dsp:cNvPr id="0" name=""/>
+        <dsp:cNvSpPr/>
+      </dsp:nvSpPr>
+      <dsp:spPr>
+        <a:xfrm>
+          <a:off x="3502299" y="2541988"/>
+          <a:ext cx="1534216" cy="673563"/>
+        </a:xfrm>
+        <a:prstGeom prst="roundRect">
+          <a:avLst>
+            <a:gd name="adj" fmla="val 10000"/>
+          </a:avLst>
+        </a:prstGeom>
+        <a:solidFill>
+          <a:schemeClr val="accent1">
+            <a:alpha val="90000"/>
+            <a:tint val="40000"/>
+            <a:hueOff val="0"/>
+            <a:satOff val="0"/>
+            <a:lumOff val="0"/>
+            <a:alphaOff val="0"/>
+          </a:schemeClr>
+        </a:solidFill>
+        <a:ln w="15875" cap="flat" cmpd="sng" algn="ctr">
+          <a:solidFill>
+            <a:schemeClr val="accent1">
+              <a:alpha val="90000"/>
+              <a:tint val="40000"/>
+              <a:hueOff val="0"/>
+              <a:satOff val="0"/>
+              <a:lumOff val="0"/>
+              <a:alphaOff val="0"/>
+            </a:schemeClr>
+          </a:solidFill>
+          <a:prstDash val="solid"/>
+        </a:ln>
+        <a:effectLst/>
+      </dsp:spPr>
+      <dsp:style>
+        <a:lnRef idx="2">
+          <a:scrgbClr r="0" g="0" b="0"/>
+        </a:lnRef>
+        <a:fillRef idx="1">
+          <a:scrgbClr r="0" g="0" b="0"/>
+        </a:fillRef>
+        <a:effectRef idx="0">
+          <a:scrgbClr r="0" g="0" b="0"/>
+        </a:effectRef>
+        <a:fontRef idx="minor"/>
+      </dsp:style>
+      <dsp:txBody>
+        <a:bodyPr spcFirstLastPara="0" vert="horz" wrap="square" lIns="17780" tIns="17780" rIns="17780" bIns="17780" numCol="1" spcCol="1270" anchor="ctr" anchorCtr="0">
+          <a:noAutofit/>
+        </a:bodyPr>
+        <a:lstStyle/>
+        <a:p>
+          <a:pPr marL="0" lvl="0" indent="0" algn="ctr" defTabSz="622300">
+            <a:lnSpc>
+              <a:spcPct val="90000"/>
+            </a:lnSpc>
+            <a:spcBef>
+              <a:spcPct val="0"/>
+            </a:spcBef>
+            <a:spcAft>
+              <a:spcPct val="35000"/>
+            </a:spcAft>
+            <a:buNone/>
+          </a:pPr>
+          <a:r>
+            <a:rPr lang="en-US" sz="1400" b="1" kern="1200" dirty="0"/>
+            <a:t>Defined a Common Measure</a:t>
+          </a:r>
+        </a:p>
+      </dsp:txBody>
+      <dsp:txXfrm>
+        <a:off x="3522027" y="2561716"/>
+        <a:ext cx="1494760" cy="634107"/>
+      </dsp:txXfrm>
+    </dsp:sp>
+    <dsp:sp modelId="{4ADE6C04-70AD-0446-B6FD-35079C49FFD6}">
+      <dsp:nvSpPr>
+        <dsp:cNvPr id="0" name=""/>
+        <dsp:cNvSpPr/>
+      </dsp:nvSpPr>
+      <dsp:spPr>
+        <a:xfrm>
+          <a:off x="5251306" y="759099"/>
+          <a:ext cx="1534216" cy="840838"/>
+        </a:xfrm>
+        <a:prstGeom prst="roundRect">
+          <a:avLst>
+            <a:gd name="adj" fmla="val 10000"/>
+          </a:avLst>
+        </a:prstGeom>
+        <a:solidFill>
+          <a:schemeClr val="accent1">
+            <a:hueOff val="0"/>
+            <a:satOff val="0"/>
+            <a:lumOff val="0"/>
+            <a:alphaOff val="0"/>
+          </a:schemeClr>
+        </a:solidFill>
+        <a:ln w="15875" cap="flat" cmpd="sng" algn="ctr">
+          <a:solidFill>
+            <a:schemeClr val="lt1">
+              <a:hueOff val="0"/>
+              <a:satOff val="0"/>
+              <a:lumOff val="0"/>
+              <a:alphaOff val="0"/>
+            </a:schemeClr>
+          </a:solidFill>
+          <a:prstDash val="solid"/>
+        </a:ln>
+        <a:effectLst/>
+      </dsp:spPr>
+      <dsp:style>
+        <a:lnRef idx="2">
+          <a:scrgbClr r="0" g="0" b="0"/>
+        </a:lnRef>
+        <a:fillRef idx="1">
+          <a:scrgbClr r="0" g="0" b="0"/>
+        </a:fillRef>
+        <a:effectRef idx="0">
+          <a:scrgbClr r="0" g="0" b="0"/>
+        </a:effectRef>
+        <a:fontRef idx="minor">
+          <a:schemeClr val="lt1"/>
+        </a:fontRef>
+      </dsp:style>
+      <dsp:txBody>
+        <a:bodyPr spcFirstLastPara="0" vert="horz" wrap="square" lIns="25400" tIns="25400" rIns="25400" bIns="25400" numCol="1" spcCol="1270" anchor="ctr" anchorCtr="0">
+          <a:noAutofit/>
+        </a:bodyPr>
+        <a:lstStyle/>
+        <a:p>
+          <a:pPr marL="0" lvl="0" indent="0" algn="ctr" defTabSz="889000">
+            <a:lnSpc>
+              <a:spcPct val="90000"/>
+            </a:lnSpc>
+            <a:spcBef>
+              <a:spcPct val="0"/>
+            </a:spcBef>
+            <a:spcAft>
+              <a:spcPct val="35000"/>
+            </a:spcAft>
+            <a:buNone/>
+          </a:pPr>
+          <a:r>
+            <a:rPr lang="en-US" sz="2000" b="1" kern="1200" dirty="0"/>
+            <a:t>Organize Data</a:t>
+          </a:r>
+        </a:p>
+      </dsp:txBody>
+      <dsp:txXfrm>
+        <a:off x="5275933" y="783726"/>
+        <a:ext cx="1484962" cy="791584"/>
+      </dsp:txXfrm>
+    </dsp:sp>
+    <dsp:sp modelId="{F2A709A2-1CA5-9646-9DB5-432064AF85DB}">
+      <dsp:nvSpPr>
+        <dsp:cNvPr id="0" name=""/>
+        <dsp:cNvSpPr/>
+      </dsp:nvSpPr>
+      <dsp:spPr>
+        <a:xfrm rot="5400000">
+          <a:off x="5984853" y="1633498"/>
+          <a:ext cx="67121" cy="67121"/>
+        </a:xfrm>
+        <a:prstGeom prst="rightArrow">
+          <a:avLst>
+            <a:gd name="adj1" fmla="val 66700"/>
+            <a:gd name="adj2" fmla="val 50000"/>
+          </a:avLst>
+        </a:prstGeom>
+        <a:solidFill>
+          <a:schemeClr val="accent1">
+            <a:tint val="60000"/>
+            <a:hueOff val="0"/>
+            <a:satOff val="0"/>
+            <a:lumOff val="0"/>
+            <a:alphaOff val="0"/>
+          </a:schemeClr>
+        </a:solidFill>
+        <a:ln>
+          <a:noFill/>
+        </a:ln>
+        <a:effectLst/>
+      </dsp:spPr>
+      <dsp:style>
+        <a:lnRef idx="0">
+          <a:scrgbClr r="0" g="0" b="0"/>
+        </a:lnRef>
+        <a:fillRef idx="1">
+          <a:scrgbClr r="0" g="0" b="0"/>
+        </a:fillRef>
+        <a:effectRef idx="0">
+          <a:scrgbClr r="0" g="0" b="0"/>
+        </a:effectRef>
+        <a:fontRef idx="minor">
+          <a:schemeClr val="lt1"/>
+        </a:fontRef>
+      </dsp:style>
+    </dsp:sp>
+    <dsp:sp modelId="{181593FC-C2EE-394F-A114-1882CB1CAD2E}">
+      <dsp:nvSpPr>
+        <dsp:cNvPr id="0" name=""/>
+        <dsp:cNvSpPr/>
+      </dsp:nvSpPr>
+      <dsp:spPr>
+        <a:xfrm>
+          <a:off x="5251306" y="1734181"/>
+          <a:ext cx="1534216" cy="673563"/>
+        </a:xfrm>
+        <a:prstGeom prst="roundRect">
+          <a:avLst>
+            <a:gd name="adj" fmla="val 10000"/>
+          </a:avLst>
+        </a:prstGeom>
+        <a:solidFill>
+          <a:schemeClr val="accent1">
+            <a:alpha val="90000"/>
+            <a:tint val="40000"/>
+            <a:hueOff val="0"/>
+            <a:satOff val="0"/>
+            <a:lumOff val="0"/>
+            <a:alphaOff val="0"/>
+          </a:schemeClr>
+        </a:solidFill>
+        <a:ln w="15875" cap="flat" cmpd="sng" algn="ctr">
+          <a:solidFill>
+            <a:schemeClr val="accent1">
+              <a:alpha val="90000"/>
+              <a:tint val="40000"/>
+              <a:hueOff val="0"/>
+              <a:satOff val="0"/>
+              <a:lumOff val="0"/>
+              <a:alphaOff val="0"/>
+            </a:schemeClr>
+          </a:solidFill>
+          <a:prstDash val="solid"/>
+        </a:ln>
+        <a:effectLst/>
+      </dsp:spPr>
+      <dsp:style>
+        <a:lnRef idx="2">
+          <a:scrgbClr r="0" g="0" b="0"/>
+        </a:lnRef>
+        <a:fillRef idx="1">
+          <a:scrgbClr r="0" g="0" b="0"/>
+        </a:fillRef>
+        <a:effectRef idx="0">
+          <a:scrgbClr r="0" g="0" b="0"/>
+        </a:effectRef>
+        <a:fontRef idx="minor"/>
+      </dsp:style>
+      <dsp:txBody>
+        <a:bodyPr spcFirstLastPara="0" vert="horz" wrap="square" lIns="17780" tIns="17780" rIns="17780" bIns="17780" numCol="1" spcCol="1270" anchor="ctr" anchorCtr="0">
+          <a:noAutofit/>
+        </a:bodyPr>
+        <a:lstStyle/>
+        <a:p>
+          <a:pPr marL="0" lvl="0" indent="0" algn="ctr" defTabSz="622300">
+            <a:lnSpc>
+              <a:spcPct val="90000"/>
+            </a:lnSpc>
+            <a:spcBef>
+              <a:spcPct val="0"/>
+            </a:spcBef>
+            <a:spcAft>
+              <a:spcPct val="35000"/>
+            </a:spcAft>
+            <a:buNone/>
+          </a:pPr>
+          <a:r>
+            <a:rPr lang="en-US" sz="1400" b="1" kern="1200" dirty="0"/>
+            <a:t>*Need to update</a:t>
+          </a:r>
+        </a:p>
+      </dsp:txBody>
+      <dsp:txXfrm>
+        <a:off x="5271034" y="1753909"/>
+        <a:ext cx="1494760" cy="634107"/>
+      </dsp:txXfrm>
+    </dsp:sp>
+    <dsp:sp modelId="{293EE86D-6C95-C54D-B190-C6810E79A98B}">
+      <dsp:nvSpPr>
+        <dsp:cNvPr id="0" name=""/>
+        <dsp:cNvSpPr/>
+      </dsp:nvSpPr>
+      <dsp:spPr>
+        <a:xfrm>
+          <a:off x="7000312" y="759099"/>
+          <a:ext cx="1534216" cy="840838"/>
+        </a:xfrm>
+        <a:prstGeom prst="roundRect">
+          <a:avLst>
+            <a:gd name="adj" fmla="val 10000"/>
+          </a:avLst>
+        </a:prstGeom>
+        <a:solidFill>
+          <a:schemeClr val="accent1">
+            <a:hueOff val="0"/>
+            <a:satOff val="0"/>
+            <a:lumOff val="0"/>
+            <a:alphaOff val="0"/>
+          </a:schemeClr>
+        </a:solidFill>
+        <a:ln w="15875" cap="flat" cmpd="sng" algn="ctr">
+          <a:solidFill>
+            <a:schemeClr val="lt1">
+              <a:hueOff val="0"/>
+              <a:satOff val="0"/>
+              <a:lumOff val="0"/>
+              <a:alphaOff val="0"/>
+            </a:schemeClr>
+          </a:solidFill>
+          <a:prstDash val="solid"/>
+        </a:ln>
+        <a:effectLst/>
+      </dsp:spPr>
+      <dsp:style>
+        <a:lnRef idx="2">
+          <a:scrgbClr r="0" g="0" b="0"/>
+        </a:lnRef>
+        <a:fillRef idx="1">
+          <a:scrgbClr r="0" g="0" b="0"/>
+        </a:fillRef>
+        <a:effectRef idx="0">
+          <a:scrgbClr r="0" g="0" b="0"/>
+        </a:effectRef>
+        <a:fontRef idx="minor">
+          <a:schemeClr val="lt1"/>
+        </a:fontRef>
+      </dsp:style>
+      <dsp:txBody>
+        <a:bodyPr spcFirstLastPara="0" vert="horz" wrap="square" lIns="25400" tIns="25400" rIns="25400" bIns="25400" numCol="1" spcCol="1270" anchor="ctr" anchorCtr="0">
+          <a:noAutofit/>
+        </a:bodyPr>
+        <a:lstStyle/>
+        <a:p>
+          <a:pPr marL="0" lvl="0" indent="0" algn="ctr" defTabSz="889000">
+            <a:lnSpc>
+              <a:spcPct val="90000"/>
+            </a:lnSpc>
+            <a:spcBef>
+              <a:spcPct val="0"/>
+            </a:spcBef>
+            <a:spcAft>
+              <a:spcPct val="35000"/>
+            </a:spcAft>
+            <a:buNone/>
+          </a:pPr>
+          <a:r>
+            <a:rPr lang="en-US" sz="2000" b="1" kern="1200" dirty="0"/>
+            <a:t>Review</a:t>
+          </a:r>
+        </a:p>
+      </dsp:txBody>
+      <dsp:txXfrm>
+        <a:off x="7024939" y="783726"/>
+        <a:ext cx="1484962" cy="791584"/>
+      </dsp:txXfrm>
+    </dsp:sp>
+    <dsp:sp modelId="{0E4E1DC6-D79B-7A43-A6A4-7AAEB5BA0D36}">
+      <dsp:nvSpPr>
+        <dsp:cNvPr id="0" name=""/>
+        <dsp:cNvSpPr/>
+      </dsp:nvSpPr>
+      <dsp:spPr>
+        <a:xfrm rot="5400000">
+          <a:off x="7733860" y="1633498"/>
+          <a:ext cx="67121" cy="67121"/>
+        </a:xfrm>
+        <a:prstGeom prst="rightArrow">
+          <a:avLst>
+            <a:gd name="adj1" fmla="val 66700"/>
+            <a:gd name="adj2" fmla="val 50000"/>
+          </a:avLst>
+        </a:prstGeom>
+        <a:solidFill>
+          <a:schemeClr val="accent1">
+            <a:tint val="60000"/>
+            <a:hueOff val="0"/>
+            <a:satOff val="0"/>
+            <a:lumOff val="0"/>
+            <a:alphaOff val="0"/>
+          </a:schemeClr>
+        </a:solidFill>
+        <a:ln>
+          <a:noFill/>
+        </a:ln>
+        <a:effectLst/>
+      </dsp:spPr>
+      <dsp:style>
+        <a:lnRef idx="0">
+          <a:scrgbClr r="0" g="0" b="0"/>
+        </a:lnRef>
+        <a:fillRef idx="1">
+          <a:scrgbClr r="0" g="0" b="0"/>
+        </a:fillRef>
+        <a:effectRef idx="0">
+          <a:scrgbClr r="0" g="0" b="0"/>
+        </a:effectRef>
+        <a:fontRef idx="minor">
+          <a:schemeClr val="lt1"/>
+        </a:fontRef>
+      </dsp:style>
+    </dsp:sp>
+    <dsp:sp modelId="{CD31F6B9-66D4-8549-8593-9EF82007421A}">
+      <dsp:nvSpPr>
+        <dsp:cNvPr id="0" name=""/>
+        <dsp:cNvSpPr/>
+      </dsp:nvSpPr>
+      <dsp:spPr>
+        <a:xfrm>
+          <a:off x="7000312" y="1734181"/>
+          <a:ext cx="1534216" cy="673563"/>
+        </a:xfrm>
+        <a:prstGeom prst="roundRect">
+          <a:avLst>
+            <a:gd name="adj" fmla="val 10000"/>
+          </a:avLst>
+        </a:prstGeom>
+        <a:solidFill>
+          <a:schemeClr val="accent1">
+            <a:alpha val="90000"/>
+            <a:tint val="40000"/>
+            <a:hueOff val="0"/>
+            <a:satOff val="0"/>
+            <a:lumOff val="0"/>
+            <a:alphaOff val="0"/>
+          </a:schemeClr>
+        </a:solidFill>
+        <a:ln w="15875" cap="flat" cmpd="sng" algn="ctr">
+          <a:solidFill>
+            <a:schemeClr val="accent1">
+              <a:alpha val="90000"/>
+              <a:tint val="40000"/>
+              <a:hueOff val="0"/>
+              <a:satOff val="0"/>
+              <a:lumOff val="0"/>
+              <a:alphaOff val="0"/>
+            </a:schemeClr>
+          </a:solidFill>
+          <a:prstDash val="solid"/>
+        </a:ln>
+        <a:effectLst/>
+      </dsp:spPr>
+      <dsp:style>
+        <a:lnRef idx="2">
+          <a:scrgbClr r="0" g="0" b="0"/>
+        </a:lnRef>
+        <a:fillRef idx="1">
+          <a:scrgbClr r="0" g="0" b="0"/>
+        </a:fillRef>
+        <a:effectRef idx="0">
+          <a:scrgbClr r="0" g="0" b="0"/>
+        </a:effectRef>
+        <a:fontRef idx="minor"/>
+      </dsp:style>
+      <dsp:txBody>
+        <a:bodyPr spcFirstLastPara="0" vert="horz" wrap="square" lIns="17780" tIns="17780" rIns="17780" bIns="17780" numCol="1" spcCol="1270" anchor="ctr" anchorCtr="0">
+          <a:noAutofit/>
+        </a:bodyPr>
+        <a:lstStyle/>
+        <a:p>
+          <a:pPr marL="0" lvl="0" indent="0" algn="ctr" defTabSz="622300">
+            <a:lnSpc>
+              <a:spcPct val="90000"/>
+            </a:lnSpc>
+            <a:spcBef>
+              <a:spcPct val="0"/>
+            </a:spcBef>
+            <a:spcAft>
+              <a:spcPct val="35000"/>
+            </a:spcAft>
+            <a:buNone/>
+          </a:pPr>
+          <a:r>
+            <a:rPr lang="en-US" sz="1400" b="1" kern="1200" dirty="0"/>
+            <a:t>Review Cleaned Data</a:t>
+          </a:r>
+        </a:p>
+      </dsp:txBody>
+      <dsp:txXfrm>
+        <a:off x="7020040" y="1753909"/>
+        <a:ext cx="1494760" cy="634107"/>
+      </dsp:txXfrm>
+    </dsp:sp>
+    <dsp:sp modelId="{031ABB83-D440-6D4B-8064-F980922F428F}">
+      <dsp:nvSpPr>
+        <dsp:cNvPr id="0" name=""/>
+        <dsp:cNvSpPr/>
+      </dsp:nvSpPr>
+      <dsp:spPr>
+        <a:xfrm rot="5400000">
+          <a:off x="7733860" y="2441305"/>
+          <a:ext cx="67121" cy="67121"/>
+        </a:xfrm>
+        <a:prstGeom prst="rightArrow">
+          <a:avLst>
+            <a:gd name="adj1" fmla="val 66700"/>
+            <a:gd name="adj2" fmla="val 50000"/>
+          </a:avLst>
+        </a:prstGeom>
+        <a:solidFill>
+          <a:schemeClr val="accent1">
+            <a:tint val="60000"/>
+            <a:hueOff val="0"/>
+            <a:satOff val="0"/>
+            <a:lumOff val="0"/>
+            <a:alphaOff val="0"/>
+          </a:schemeClr>
+        </a:solidFill>
+        <a:ln>
+          <a:noFill/>
+        </a:ln>
+        <a:effectLst/>
+      </dsp:spPr>
+      <dsp:style>
+        <a:lnRef idx="0">
+          <a:scrgbClr r="0" g="0" b="0"/>
+        </a:lnRef>
+        <a:fillRef idx="1">
+          <a:scrgbClr r="0" g="0" b="0"/>
+        </a:fillRef>
+        <a:effectRef idx="0">
+          <a:scrgbClr r="0" g="0" b="0"/>
+        </a:effectRef>
+        <a:fontRef idx="minor">
+          <a:schemeClr val="lt1"/>
+        </a:fontRef>
+      </dsp:style>
+    </dsp:sp>
+    <dsp:sp modelId="{381A3F45-9589-234A-8154-A2B679621008}">
+      <dsp:nvSpPr>
+        <dsp:cNvPr id="0" name=""/>
+        <dsp:cNvSpPr/>
+      </dsp:nvSpPr>
+      <dsp:spPr>
+        <a:xfrm>
+          <a:off x="7000312" y="2541988"/>
+          <a:ext cx="1534216" cy="673563"/>
+        </a:xfrm>
+        <a:prstGeom prst="roundRect">
+          <a:avLst>
+            <a:gd name="adj" fmla="val 10000"/>
+          </a:avLst>
+        </a:prstGeom>
+        <a:solidFill>
+          <a:schemeClr val="accent1">
+            <a:alpha val="90000"/>
+            <a:tint val="40000"/>
+            <a:hueOff val="0"/>
+            <a:satOff val="0"/>
+            <a:lumOff val="0"/>
+            <a:alphaOff val="0"/>
+          </a:schemeClr>
+        </a:solidFill>
+        <a:ln w="15875" cap="flat" cmpd="sng" algn="ctr">
+          <a:solidFill>
+            <a:schemeClr val="accent1">
+              <a:alpha val="90000"/>
+              <a:tint val="40000"/>
+              <a:hueOff val="0"/>
+              <a:satOff val="0"/>
+              <a:lumOff val="0"/>
+              <a:alphaOff val="0"/>
+            </a:schemeClr>
+          </a:solidFill>
+          <a:prstDash val="solid"/>
+        </a:ln>
+        <a:effectLst/>
+      </dsp:spPr>
+      <dsp:style>
+        <a:lnRef idx="2">
+          <a:scrgbClr r="0" g="0" b="0"/>
+        </a:lnRef>
+        <a:fillRef idx="1">
+          <a:scrgbClr r="0" g="0" b="0"/>
+        </a:fillRef>
+        <a:effectRef idx="0">
+          <a:scrgbClr r="0" g="0" b="0"/>
+        </a:effectRef>
+        <a:fontRef idx="minor"/>
+      </dsp:style>
+      <dsp:txBody>
+        <a:bodyPr spcFirstLastPara="0" vert="horz" wrap="square" lIns="17780" tIns="17780" rIns="17780" bIns="17780" numCol="1" spcCol="1270" anchor="ctr" anchorCtr="0">
+          <a:noAutofit/>
+        </a:bodyPr>
+        <a:lstStyle/>
+        <a:p>
+          <a:pPr marL="0" lvl="0" indent="0" algn="ctr" defTabSz="622300">
+            <a:lnSpc>
+              <a:spcPct val="90000"/>
+            </a:lnSpc>
+            <a:spcBef>
+              <a:spcPct val="0"/>
+            </a:spcBef>
+            <a:spcAft>
+              <a:spcPct val="35000"/>
+            </a:spcAft>
+            <a:buNone/>
+          </a:pPr>
+          <a:r>
+            <a:rPr lang="en-US" sz="1400" b="1" kern="1200" dirty="0"/>
+            <a:t>Brainstorm Visualization ideas</a:t>
+          </a:r>
+        </a:p>
+      </dsp:txBody>
+      <dsp:txXfrm>
+        <a:off x="7020040" y="2561716"/>
+        <a:ext cx="1494760" cy="634107"/>
+      </dsp:txXfrm>
+    </dsp:sp>
+    <dsp:sp modelId="{CD251BD9-1808-994A-9D7B-44D585859501}">
+      <dsp:nvSpPr>
+        <dsp:cNvPr id="0" name=""/>
+        <dsp:cNvSpPr/>
+      </dsp:nvSpPr>
+      <dsp:spPr>
+        <a:xfrm>
+          <a:off x="8749319" y="759099"/>
+          <a:ext cx="1534216" cy="840838"/>
+        </a:xfrm>
+        <a:prstGeom prst="roundRect">
+          <a:avLst>
+            <a:gd name="adj" fmla="val 10000"/>
+          </a:avLst>
+        </a:prstGeom>
+        <a:solidFill>
+          <a:schemeClr val="accent1">
+            <a:hueOff val="0"/>
+            <a:satOff val="0"/>
+            <a:lumOff val="0"/>
+            <a:alphaOff val="0"/>
+          </a:schemeClr>
+        </a:solidFill>
+        <a:ln w="15875" cap="flat" cmpd="sng" algn="ctr">
+          <a:solidFill>
+            <a:schemeClr val="lt1">
+              <a:hueOff val="0"/>
+              <a:satOff val="0"/>
+              <a:lumOff val="0"/>
+              <a:alphaOff val="0"/>
+            </a:schemeClr>
+          </a:solidFill>
+          <a:prstDash val="solid"/>
+        </a:ln>
+        <a:effectLst/>
+      </dsp:spPr>
+      <dsp:style>
+        <a:lnRef idx="2">
+          <a:scrgbClr r="0" g="0" b="0"/>
+        </a:lnRef>
+        <a:fillRef idx="1">
+          <a:scrgbClr r="0" g="0" b="0"/>
+        </a:fillRef>
+        <a:effectRef idx="0">
+          <a:scrgbClr r="0" g="0" b="0"/>
+        </a:effectRef>
+        <a:fontRef idx="minor">
+          <a:schemeClr val="lt1"/>
+        </a:fontRef>
+      </dsp:style>
+      <dsp:txBody>
+        <a:bodyPr spcFirstLastPara="0" vert="horz" wrap="square" lIns="25400" tIns="25400" rIns="25400" bIns="25400" numCol="1" spcCol="1270" anchor="ctr" anchorCtr="0">
+          <a:noAutofit/>
+        </a:bodyPr>
+        <a:lstStyle/>
+        <a:p>
+          <a:pPr marL="0" lvl="0" indent="0" algn="ctr" defTabSz="889000">
+            <a:lnSpc>
+              <a:spcPct val="90000"/>
+            </a:lnSpc>
+            <a:spcBef>
+              <a:spcPct val="0"/>
+            </a:spcBef>
+            <a:spcAft>
+              <a:spcPct val="35000"/>
+            </a:spcAft>
+            <a:buNone/>
+          </a:pPr>
+          <a:r>
+            <a:rPr lang="en-US" sz="2000" b="1" kern="1200" dirty="0"/>
+            <a:t>Visualize Data</a:t>
+          </a:r>
+        </a:p>
+      </dsp:txBody>
+      <dsp:txXfrm>
+        <a:off x="8773946" y="783726"/>
+        <a:ext cx="1484962" cy="791584"/>
+      </dsp:txXfrm>
+    </dsp:sp>
+    <dsp:sp modelId="{B6D64924-3669-9347-BC66-29FB0474CBE3}">
+      <dsp:nvSpPr>
+        <dsp:cNvPr id="0" name=""/>
+        <dsp:cNvSpPr/>
+      </dsp:nvSpPr>
+      <dsp:spPr>
+        <a:xfrm rot="5400000">
+          <a:off x="9482866" y="1633498"/>
+          <a:ext cx="67121" cy="67121"/>
+        </a:xfrm>
+        <a:prstGeom prst="rightArrow">
+          <a:avLst>
+            <a:gd name="adj1" fmla="val 66700"/>
+            <a:gd name="adj2" fmla="val 50000"/>
+          </a:avLst>
+        </a:prstGeom>
+        <a:solidFill>
+          <a:schemeClr val="accent1">
+            <a:tint val="60000"/>
+            <a:hueOff val="0"/>
+            <a:satOff val="0"/>
+            <a:lumOff val="0"/>
+            <a:alphaOff val="0"/>
+          </a:schemeClr>
+        </a:solidFill>
+        <a:ln>
+          <a:noFill/>
+        </a:ln>
+        <a:effectLst/>
+      </dsp:spPr>
+      <dsp:style>
+        <a:lnRef idx="0">
+          <a:scrgbClr r="0" g="0" b="0"/>
+        </a:lnRef>
+        <a:fillRef idx="1">
+          <a:scrgbClr r="0" g="0" b="0"/>
+        </a:fillRef>
+        <a:effectRef idx="0">
+          <a:scrgbClr r="0" g="0" b="0"/>
+        </a:effectRef>
+        <a:fontRef idx="minor">
+          <a:schemeClr val="lt1"/>
+        </a:fontRef>
+      </dsp:style>
+    </dsp:sp>
+    <dsp:sp modelId="{4B2731B8-55E5-7D42-B17A-D23E6665319E}">
+      <dsp:nvSpPr>
+        <dsp:cNvPr id="0" name=""/>
+        <dsp:cNvSpPr/>
+      </dsp:nvSpPr>
+      <dsp:spPr>
+        <a:xfrm>
+          <a:off x="8749319" y="1734181"/>
+          <a:ext cx="1534216" cy="673563"/>
+        </a:xfrm>
+        <a:prstGeom prst="roundRect">
+          <a:avLst>
+            <a:gd name="adj" fmla="val 10000"/>
+          </a:avLst>
+        </a:prstGeom>
+        <a:solidFill>
+          <a:schemeClr val="accent1">
+            <a:alpha val="90000"/>
+            <a:tint val="40000"/>
+            <a:hueOff val="0"/>
+            <a:satOff val="0"/>
+            <a:lumOff val="0"/>
+            <a:alphaOff val="0"/>
+          </a:schemeClr>
+        </a:solidFill>
+        <a:ln w="15875" cap="flat" cmpd="sng" algn="ctr">
+          <a:solidFill>
+            <a:schemeClr val="accent1">
+              <a:alpha val="90000"/>
+              <a:tint val="40000"/>
+              <a:hueOff val="0"/>
+              <a:satOff val="0"/>
+              <a:lumOff val="0"/>
+              <a:alphaOff val="0"/>
+            </a:schemeClr>
+          </a:solidFill>
+          <a:prstDash val="solid"/>
+        </a:ln>
+        <a:effectLst/>
+      </dsp:spPr>
+      <dsp:style>
+        <a:lnRef idx="2">
+          <a:scrgbClr r="0" g="0" b="0"/>
+        </a:lnRef>
+        <a:fillRef idx="1">
+          <a:scrgbClr r="0" g="0" b="0"/>
+        </a:fillRef>
+        <a:effectRef idx="0">
+          <a:scrgbClr r="0" g="0" b="0"/>
+        </a:effectRef>
+        <a:fontRef idx="minor"/>
+      </dsp:style>
+      <dsp:txBody>
+        <a:bodyPr spcFirstLastPara="0" vert="horz" wrap="square" lIns="17780" tIns="17780" rIns="17780" bIns="17780" numCol="1" spcCol="1270" anchor="ctr" anchorCtr="0">
+          <a:noAutofit/>
+        </a:bodyPr>
+        <a:lstStyle/>
+        <a:p>
+          <a:pPr marL="0" lvl="0" indent="0" algn="ctr" defTabSz="622300">
+            <a:lnSpc>
+              <a:spcPct val="90000"/>
+            </a:lnSpc>
+            <a:spcBef>
+              <a:spcPct val="0"/>
+            </a:spcBef>
+            <a:spcAft>
+              <a:spcPct val="35000"/>
+            </a:spcAft>
+            <a:buNone/>
+          </a:pPr>
+          <a:r>
+            <a:rPr lang="en-US" sz="1400" b="1" kern="1200" dirty="0"/>
+            <a:t>*Need to Update</a:t>
+          </a:r>
+        </a:p>
+      </dsp:txBody>
+      <dsp:txXfrm>
+        <a:off x="8769047" y="1753909"/>
+        <a:ext cx="1494760" cy="634107"/>
+      </dsp:txXfrm>
+    </dsp:sp>
+    <dsp:sp modelId="{69FBF7F5-8FE6-A845-9DD2-9B15C98D71DA}">
+      <dsp:nvSpPr>
+        <dsp:cNvPr id="0" name=""/>
+        <dsp:cNvSpPr/>
+      </dsp:nvSpPr>
+      <dsp:spPr>
+        <a:xfrm>
+          <a:off x="10498325" y="759099"/>
+          <a:ext cx="1534216" cy="840838"/>
+        </a:xfrm>
+        <a:prstGeom prst="roundRect">
+          <a:avLst>
+            <a:gd name="adj" fmla="val 10000"/>
+          </a:avLst>
+        </a:prstGeom>
+        <a:solidFill>
+          <a:schemeClr val="accent1">
+            <a:hueOff val="0"/>
+            <a:satOff val="0"/>
+            <a:lumOff val="0"/>
+            <a:alphaOff val="0"/>
+          </a:schemeClr>
+        </a:solidFill>
+        <a:ln w="15875" cap="flat" cmpd="sng" algn="ctr">
+          <a:solidFill>
+            <a:schemeClr val="lt1">
+              <a:hueOff val="0"/>
+              <a:satOff val="0"/>
+              <a:lumOff val="0"/>
+              <a:alphaOff val="0"/>
+            </a:schemeClr>
+          </a:solidFill>
+          <a:prstDash val="solid"/>
+        </a:ln>
+        <a:effectLst/>
+      </dsp:spPr>
+      <dsp:style>
+        <a:lnRef idx="2">
+          <a:scrgbClr r="0" g="0" b="0"/>
+        </a:lnRef>
+        <a:fillRef idx="1">
+          <a:scrgbClr r="0" g="0" b="0"/>
+        </a:fillRef>
+        <a:effectRef idx="0">
+          <a:scrgbClr r="0" g="0" b="0"/>
+        </a:effectRef>
+        <a:fontRef idx="minor">
+          <a:schemeClr val="lt1"/>
+        </a:fontRef>
+      </dsp:style>
+      <dsp:txBody>
+        <a:bodyPr spcFirstLastPara="0" vert="horz" wrap="square" lIns="25400" tIns="25400" rIns="25400" bIns="25400" numCol="1" spcCol="1270" anchor="ctr" anchorCtr="0">
+          <a:noAutofit/>
+        </a:bodyPr>
+        <a:lstStyle/>
+        <a:p>
+          <a:pPr marL="0" lvl="0" indent="0" algn="ctr" defTabSz="889000">
+            <a:lnSpc>
+              <a:spcPct val="90000"/>
+            </a:lnSpc>
+            <a:spcBef>
+              <a:spcPct val="0"/>
+            </a:spcBef>
+            <a:spcAft>
+              <a:spcPct val="35000"/>
+            </a:spcAft>
+            <a:buNone/>
+          </a:pPr>
+          <a:r>
+            <a:rPr lang="en-US" sz="2000" b="1" kern="1200" dirty="0"/>
+            <a:t>Analyze </a:t>
+          </a:r>
+        </a:p>
+      </dsp:txBody>
+      <dsp:txXfrm>
+        <a:off x="10522952" y="783726"/>
+        <a:ext cx="1484962" cy="791584"/>
+      </dsp:txXfrm>
+    </dsp:sp>
+    <dsp:sp modelId="{4392A30B-F377-954A-B7E2-CA21997708C9}">
+      <dsp:nvSpPr>
+        <dsp:cNvPr id="0" name=""/>
+        <dsp:cNvSpPr/>
+      </dsp:nvSpPr>
+      <dsp:spPr>
+        <a:xfrm rot="5400000">
+          <a:off x="11231873" y="1633498"/>
+          <a:ext cx="67121" cy="67121"/>
+        </a:xfrm>
+        <a:prstGeom prst="rightArrow">
+          <a:avLst>
+            <a:gd name="adj1" fmla="val 66700"/>
+            <a:gd name="adj2" fmla="val 50000"/>
+          </a:avLst>
+        </a:prstGeom>
+        <a:solidFill>
+          <a:schemeClr val="accent1">
+            <a:tint val="60000"/>
+            <a:hueOff val="0"/>
+            <a:satOff val="0"/>
+            <a:lumOff val="0"/>
+            <a:alphaOff val="0"/>
+          </a:schemeClr>
+        </a:solidFill>
+        <a:ln>
+          <a:noFill/>
+        </a:ln>
+        <a:effectLst/>
+      </dsp:spPr>
+      <dsp:style>
+        <a:lnRef idx="0">
+          <a:scrgbClr r="0" g="0" b="0"/>
+        </a:lnRef>
+        <a:fillRef idx="1">
+          <a:scrgbClr r="0" g="0" b="0"/>
+        </a:fillRef>
+        <a:effectRef idx="0">
+          <a:scrgbClr r="0" g="0" b="0"/>
+        </a:effectRef>
+        <a:fontRef idx="minor">
+          <a:schemeClr val="lt1"/>
+        </a:fontRef>
+      </dsp:style>
+    </dsp:sp>
+    <dsp:sp modelId="{A1294BDB-B6AB-5840-8AB7-64B756FBD7BC}">
+      <dsp:nvSpPr>
+        <dsp:cNvPr id="0" name=""/>
+        <dsp:cNvSpPr/>
+      </dsp:nvSpPr>
+      <dsp:spPr>
+        <a:xfrm>
+          <a:off x="10498325" y="1734181"/>
+          <a:ext cx="1534216" cy="673563"/>
+        </a:xfrm>
+        <a:prstGeom prst="roundRect">
+          <a:avLst>
+            <a:gd name="adj" fmla="val 10000"/>
+          </a:avLst>
+        </a:prstGeom>
+        <a:solidFill>
+          <a:schemeClr val="accent1">
+            <a:alpha val="90000"/>
+            <a:tint val="40000"/>
+            <a:hueOff val="0"/>
+            <a:satOff val="0"/>
+            <a:lumOff val="0"/>
+            <a:alphaOff val="0"/>
+          </a:schemeClr>
+        </a:solidFill>
+        <a:ln w="15875" cap="flat" cmpd="sng" algn="ctr">
+          <a:solidFill>
+            <a:schemeClr val="accent1">
+              <a:alpha val="90000"/>
+              <a:tint val="40000"/>
+              <a:hueOff val="0"/>
+              <a:satOff val="0"/>
+              <a:lumOff val="0"/>
+              <a:alphaOff val="0"/>
+            </a:schemeClr>
+          </a:solidFill>
+          <a:prstDash val="solid"/>
+        </a:ln>
+        <a:effectLst/>
+      </dsp:spPr>
+      <dsp:style>
+        <a:lnRef idx="2">
+          <a:scrgbClr r="0" g="0" b="0"/>
+        </a:lnRef>
+        <a:fillRef idx="1">
+          <a:scrgbClr r="0" g="0" b="0"/>
+        </a:fillRef>
+        <a:effectRef idx="0">
+          <a:scrgbClr r="0" g="0" b="0"/>
+        </a:effectRef>
+        <a:fontRef idx="minor"/>
+      </dsp:style>
+      <dsp:txBody>
+        <a:bodyPr spcFirstLastPara="0" vert="horz" wrap="square" lIns="17780" tIns="17780" rIns="17780" bIns="17780" numCol="1" spcCol="1270" anchor="ctr" anchorCtr="0">
+          <a:noAutofit/>
+        </a:bodyPr>
+        <a:lstStyle/>
+        <a:p>
+          <a:pPr marL="0" lvl="0" indent="0" algn="ctr" defTabSz="622300">
+            <a:lnSpc>
+              <a:spcPct val="90000"/>
+            </a:lnSpc>
+            <a:spcBef>
+              <a:spcPct val="0"/>
+            </a:spcBef>
+            <a:spcAft>
+              <a:spcPct val="35000"/>
+            </a:spcAft>
+            <a:buNone/>
+          </a:pPr>
+          <a:r>
+            <a:rPr lang="en-US" sz="1400" b="1" kern="1200" dirty="0"/>
+            <a:t>*Need to Update</a:t>
+          </a:r>
+        </a:p>
+      </dsp:txBody>
+      <dsp:txXfrm>
+        <a:off x="10518053" y="1753909"/>
+        <a:ext cx="1494760" cy="634107"/>
+      </dsp:txXfrm>
+    </dsp:sp>
+  </dsp:spTree>
+</dsp:drawing>
+</file>
+
+<file path=ppt/diagrams/layout1.xml><?xml version="1.0" encoding="utf-8"?>
+<dgm:layoutDef xmlns:dgm="http://schemas.openxmlformats.org/drawingml/2006/diagram" xmlns:a="http://schemas.openxmlformats.org/drawingml/2006/main" uniqueId="urn:microsoft.com/office/officeart/2005/8/layout/lProcess1">
+  <dgm:title val=""/>
+  <dgm:desc val=""/>
+  <dgm:catLst>
+    <dgm:cat type="process" pri="15000"/>
+  </dgm:catLst>
+  <dgm:sampData>
+    <dgm:dataModel>
+      <dgm:ptLst>
+        <dgm:pt modelId="0" type="doc"/>
+        <dgm:pt modelId="1">
+          <dgm:prSet phldr="1"/>
+        </dgm:pt>
+        <dgm:pt modelId="2">
+          <dgm:prSet phldr="1"/>
+        </dgm:pt>
+        <dgm:pt modelId="21">
+          <dgm:prSet phldr="1"/>
+        </dgm:pt>
+        <dgm:pt modelId="22">
+          <dgm:prSet phldr="1"/>
+        </dgm:pt>
+        <dgm:pt modelId="3">
+          <dgm:prSet phldr="1"/>
+        </dgm:pt>
+        <dgm:pt modelId="31">
+          <dgm:prSet phldr="1"/>
+        </dgm:pt>
+      </dgm:ptLst>
+      <dgm:cxnLst>
+        <dgm:cxn modelId="4" srcId="0" destId="1" srcOrd="0" destOrd="0"/>
+        <dgm:cxn modelId="5" srcId="0" destId="2" srcOrd="0" destOrd="0"/>
+        <dgm:cxn modelId="6" srcId="1" destId="3" srcOrd="1" destOrd="0"/>
+        <dgm:cxn modelId="23" srcId="2" destId="21" srcOrd="0" destOrd="0"/>
+        <dgm:cxn modelId="24" srcId="2" destId="22" srcOrd="1" destOrd="0"/>
+        <dgm:cxn modelId="33" srcId="1" destId="31" srcOrd="0" destOrd="0"/>
+      </dgm:cxnLst>
+      <dgm:bg/>
+      <dgm:whole/>
+    </dgm:dataModel>
+  </dgm:sampData>
+  <dgm:styleData>
+    <dgm:dataModel>
+      <dgm:ptLst>
+        <dgm:pt modelId="0" type="doc"/>
+        <dgm:pt modelId="1"/>
+        <dgm:pt modelId="11"/>
+        <dgm:pt modelId="2"/>
+        <dgm:pt modelId="22"/>
+      </dgm:ptLst>
+      <dgm:cxnLst>
+        <dgm:cxn modelId="3" srcId="0" destId="1" srcOrd="0" destOrd="0"/>
+        <dgm:cxn modelId="4" srcId="0" destId="2" srcOrd="0" destOrd="0"/>
+        <dgm:cxn modelId="5" srcId="1" destId="11" srcOrd="0" destOrd="0"/>
+        <dgm:cxn modelId="6" srcId="2" destId="22" srcOrd="0" destOrd="0"/>
+      </dgm:cxnLst>
+      <dgm:bg/>
+      <dgm:whole/>
+    </dgm:dataModel>
+  </dgm:styleData>
+  <dgm:clrData>
+    <dgm:dataModel>
+      <dgm:ptLst>
+        <dgm:pt modelId="0" type="doc"/>
+        <dgm:pt modelId="1"/>
+        <dgm:pt modelId="11"/>
+        <dgm:pt modelId="2"/>
+        <dgm:pt modelId="21"/>
+        <dgm:pt modelId="3"/>
+        <dgm:pt modelId="31"/>
+        <dgm:pt modelId="4"/>
+        <dgm:pt modelId="41"/>
+      </dgm:ptLst>
+      <dgm:cxnLst>
+        <dgm:cxn modelId="5" srcId="0" destId="1" srcOrd="0" destOrd="0"/>
+        <dgm:cxn modelId="6" srcId="0" destId="2" srcOrd="1" destOrd="0"/>
+        <dgm:cxn modelId="7" srcId="0" destId="3" srcOrd="2" destOrd="0"/>
+        <dgm:cxn modelId="8" srcId="0" destId="4" srcOrd="3" destOrd="0"/>
+        <dgm:cxn modelId="51" srcId="1" destId="11" srcOrd="0" destOrd="0"/>
+        <dgm:cxn modelId="61" srcId="2" destId="21" srcOrd="0" destOrd="0"/>
+        <dgm:cxn modelId="71" srcId="3" destId="31" srcOrd="0" destOrd="0"/>
+        <dgm:cxn modelId="81" srcId="4" destId="41" srcOrd="0" destOrd="0"/>
+      </dgm:cxnLst>
+      <dgm:bg/>
+      <dgm:whole/>
+    </dgm:dataModel>
+  </dgm:clrData>
+  <dgm:layoutNode name="Name0">
+    <dgm:varLst>
+      <dgm:dir/>
+      <dgm:animLvl val="lvl"/>
+      <dgm:resizeHandles val="exact"/>
+    </dgm:varLst>
+    <dgm:choose name="Name1">
+      <dgm:if name="Name2" func="var" arg="dir" op="equ" val="norm">
+        <dgm:alg type="lin">
+          <dgm:param type="linDir" val="fromL"/>
+          <dgm:param type="vertAlign" val="mid"/>
+          <dgm:param type="nodeHorzAlign" val="l"/>
+          <dgm:param type="nodeVertAlign" val="t"/>
+          <dgm:param type="fallback" val="2D"/>
+        </dgm:alg>
+      </dgm:if>
+      <dgm:else name="Name3">
+        <dgm:alg type="lin">
+          <dgm:param type="linDir" val="fromR"/>
+          <dgm:param type="vertAlign" val="mid"/>
+          <dgm:param type="nodeHorzAlign" val="r"/>
+          <dgm:param type="nodeVertAlign" val="t"/>
+          <dgm:param type="fallback" val="2D"/>
+        </dgm:alg>
+      </dgm:else>
+    </dgm:choose>
+    <dgm:shape xmlns:r="http://schemas.openxmlformats.org/officeDocument/2006/relationships" r:blip="">
+      <dgm:adjLst/>
+    </dgm:shape>
+    <dgm:presOf/>
+    <dgm:constrLst>
+      <dgm:constr type="h" for="des" forName="header" refType="h"/>
+      <dgm:constr type="w" for="des" forName="header" refType="h" refFor="des" refForName="header" op="equ" fact="4"/>
+      <dgm:constr type="h" for="des" forName="child" refType="h" refFor="des" refForName="header" op="equ"/>
+      <dgm:constr type="w" for="des" forName="child" refType="w" refFor="des" refForName="header" op="equ"/>
+      <dgm:constr type="w" for="ch" forName="hSp" refType="w" refFor="des" refForName="header" op="equ" fact="0.14"/>
+      <dgm:constr type="h" for="des" forName="parTrans" refType="h" refFor="des" refForName="header" op="equ" fact="0.35"/>
+      <dgm:constr type="h" for="des" forName="sibTrans" refType="h" refFor="des" refForName="parTrans" op="equ"/>
+      <dgm:constr type="primFontSz" for="des" forName="child" op="equ" val="65"/>
+      <dgm:constr type="primFontSz" for="des" forName="header" op="equ" val="65"/>
+    </dgm:constrLst>
+    <dgm:ruleLst/>
+    <dgm:forEach name="Name4" axis="ch" ptType="node">
+      <dgm:layoutNode name="vertFlow">
+        <dgm:choose name="Name5">
+          <dgm:if name="Name6" func="var" arg="dir" op="equ" val="norm">
+            <dgm:alg type="lin">
+              <dgm:param type="linDir" val="fromT"/>
+              <dgm:param type="nodeHorzAlign" val="ctr"/>
+              <dgm:param type="nodeVertAlign" val="t"/>
+              <dgm:param type="fallback" val="2D"/>
+            </dgm:alg>
+          </dgm:if>
+          <dgm:else name="Name7">
+            <dgm:alg type="lin">
+              <dgm:param type="linDir" val="fromT"/>
+              <dgm:param type="nodeHorzAlign" val="ctr"/>
+              <dgm:param type="nodeVertAlign" val="t"/>
+              <dgm:param type="fallback" val="2D"/>
+            </dgm:alg>
+          </dgm:else>
+        </dgm:choose>
+        <dgm:shape xmlns:r="http://schemas.openxmlformats.org/officeDocument/2006/relationships" r:blip="">
+          <dgm:adjLst/>
+        </dgm:shape>
+        <dgm:presOf/>
+        <dgm:constrLst/>
+        <dgm:ruleLst/>
+        <dgm:layoutNode name="header" styleLbl="node1">
+          <dgm:alg type="tx"/>
+          <dgm:shape xmlns:r="http://schemas.openxmlformats.org/officeDocument/2006/relationships" type="roundRect" r:blip="">
+            <dgm:adjLst>
+              <dgm:adj idx="1" val="0.1"/>
+            </dgm:adjLst>
+          </dgm:shape>
+          <dgm:presOf axis="self"/>
+          <dgm:constrLst>
+            <dgm:constr type="tMarg" refType="primFontSz" fact="0.1"/>
+            <dgm:constr type="bMarg" refType="primFontSz" fact="0.1"/>
+            <dgm:constr type="lMarg" refType="primFontSz" fact="0.1"/>
+            <dgm:constr type="rMarg" refType="primFontSz" fact="0.1"/>
+          </dgm:constrLst>
+          <dgm:ruleLst>
+            <dgm:rule type="primFontSz" val="5" fact="NaN" max="NaN"/>
+          </dgm:ruleLst>
+        </dgm:layoutNode>
+        <dgm:forEach name="Name8" axis="ch" ptType="parTrans" cnt="1">
+          <dgm:layoutNode name="parTrans" styleLbl="sibTrans2D1">
+            <dgm:alg type="conn">
+              <dgm:param type="begPts" val="auto"/>
+              <dgm:param type="endPts" val="auto"/>
+            </dgm:alg>
+            <dgm:shape xmlns:r="http://schemas.openxmlformats.org/officeDocument/2006/relationships" type="conn" r:blip="">
+              <dgm:adjLst/>
+            </dgm:shape>
+            <dgm:presOf axis="self"/>
+            <dgm:constrLst>
+              <dgm:constr type="w" refType="h"/>
+              <dgm:constr type="connDist"/>
+              <dgm:constr type="wArH" refType="h" fact="0.25"/>
+              <dgm:constr type="hArH" refType="wArH" fact="2"/>
+              <dgm:constr type="stemThick" refType="hArH" fact="0.667"/>
+              <dgm:constr type="begPad" refType="connDist" fact="0.25"/>
+              <dgm:constr type="endPad" refType="connDist" fact="0.25"/>
+            </dgm:constrLst>
+            <dgm:ruleLst/>
+          </dgm:layoutNode>
+        </dgm:forEach>
+        <dgm:forEach name="Name9" axis="ch" ptType="node">
+          <dgm:layoutNode name="child" styleLbl="alignAccFollowNode1">
+            <dgm:varLst>
+              <dgm:chMax val="0"/>
+              <dgm:bulletEnabled val="1"/>
+            </dgm:varLst>
+            <dgm:alg type="tx"/>
+            <dgm:shape xmlns:r="http://schemas.openxmlformats.org/officeDocument/2006/relationships" type="roundRect" r:blip="">
+              <dgm:adjLst>
+                <dgm:adj idx="1" val="0.1"/>
+              </dgm:adjLst>
+            </dgm:shape>
+            <dgm:presOf axis="desOrSelf" ptType="node"/>
+            <dgm:constrLst>
+              <dgm:constr type="tMarg" refType="primFontSz" fact="0.1"/>
+              <dgm:constr type="bMarg" refType="primFontSz" fact="0.1"/>
+              <dgm:constr type="lMarg" refType="primFontSz" fact="0.1"/>
+              <dgm:constr type="rMarg" refType="primFontSz" fact="0.1"/>
+            </dgm:constrLst>
+            <dgm:ruleLst>
+              <dgm:rule type="primFontSz" val="5" fact="NaN" max="NaN"/>
+            </dgm:ruleLst>
+          </dgm:layoutNode>
+          <dgm:forEach name="Name10" axis="followSib" ptType="sibTrans" cnt="1">
+            <dgm:layoutNode name="sibTrans" styleLbl="sibTrans2D1">
+              <dgm:alg type="conn">
+                <dgm:param type="begPts" val="auto"/>
+                <dgm:param type="endPts" val="auto"/>
+              </dgm:alg>
+              <dgm:shape xmlns:r="http://schemas.openxmlformats.org/officeDocument/2006/relationships" type="conn" r:blip="">
+                <dgm:adjLst/>
+              </dgm:shape>
+              <dgm:presOf axis="self"/>
+              <dgm:constrLst>
+                <dgm:constr type="w" refType="h"/>
+                <dgm:constr type="connDist"/>
+                <dgm:constr type="wArH" refType="h" fact="0.25"/>
+                <dgm:constr type="hArH" refType="wArH" fact="2"/>
+                <dgm:constr type="stemThick" refType="hArH" fact="0.667"/>
+                <dgm:constr type="begPad" refType="w" fact="0.25"/>
+                <dgm:constr type="endPad" refType="w" fact="0.25"/>
+              </dgm:constrLst>
+              <dgm:ruleLst/>
+            </dgm:layoutNode>
+          </dgm:forEach>
+        </dgm:forEach>
+      </dgm:layoutNode>
+      <dgm:choose name="Name11">
+        <dgm:if name="Name12" axis="self" ptType="node" func="revPos" op="gte" val="2">
+          <dgm:layoutNode name="hSp">
+            <dgm:alg type="sp"/>
+            <dgm:shape xmlns:r="http://schemas.openxmlformats.org/officeDocument/2006/relationships" r:blip="">
+              <dgm:adjLst/>
+            </dgm:shape>
+            <dgm:presOf/>
+            <dgm:constrLst/>
+            <dgm:ruleLst/>
+          </dgm:layoutNode>
+        </dgm:if>
+        <dgm:else name="Name13"/>
+      </dgm:choose>
+    </dgm:forEach>
+  </dgm:layoutNode>
+</dgm:layoutDef>
+</file>
+
+<file path=ppt/diagrams/quickStyle1.xml><?xml version="1.0" encoding="utf-8"?>
+<dgm:styleDef xmlns:dgm="http://schemas.openxmlformats.org/drawingml/2006/diagram" xmlns:a="http://schemas.openxmlformats.org/drawingml/2006/main" uniqueId="urn:microsoft.com/office/officeart/2005/8/quickstyle/simple1">
+  <dgm:title val=""/>
+  <dgm:desc val=""/>
+  <dgm:catLst>
+    <dgm:cat type="simple" pri="10100"/>
+  </dgm:catLst>
+  <dgm:scene3d>
+    <a:camera prst="orthographicFront"/>
+    <a:lightRig rig="threePt" dir="t"/>
+  </dgm:scene3d>
+  <dgm:styleLbl name="node0">
+    <dgm:scene3d>
+      <a:camera prst="orthographicFront"/>
+      <a:lightRig rig="threePt" dir="t"/>
+    </dgm:scene3d>
+    <dgm:sp3d/>
+    <dgm:txPr/>
+    <dgm:style>
+      <a:lnRef idx="2">
+        <a:scrgbClr r="0" g="0" b="0"/>
+      </a:lnRef>
+      <a:fillRef idx="1">
+        <a:scrgbClr r="0" g="0" b="0"/>
+      </a:fillRef>
+      <a:effectRef idx="0">
+        <a:scrgbClr r="0" g="0" b="0"/>
+      </a:effectRef>
+      <a:fontRef idx="minor">
+        <a:schemeClr val="lt1"/>
+      </a:fontRef>
+    </dgm:style>
+  </dgm:styleLbl>
+  <dgm:styleLbl name="lnNode1">
+    <dgm:scene3d>
+      <a:camera prst="orthographicFront"/>
+      <a:lightRig rig="threePt" dir="t"/>
+    </dgm:scene3d>
+    <dgm:sp3d/>
+    <dgm:txPr/>
+    <dgm:style>
+      <a:lnRef idx="2">
+        <a:scrgbClr r="0" g="0" b="0"/>
+      </a:lnRef>
+      <a:fillRef idx="1">
+        <a:scrgbClr r="0" g="0" b="0"/>
+      </a:fillRef>
+      <a:effectRef idx="0">
+        <a:scrgbClr r="0" g="0" b="0"/>
+      </a:effectRef>
+      <a:fontRef idx="minor">
+        <a:schemeClr val="lt1"/>
+      </a:fontRef>
+    </dgm:style>
+  </dgm:styleLbl>
+  <dgm:styleLbl name="vennNode1">
+    <dgm:scene3d>
+      <a:camera prst="orthographicFront"/>
+      <a:lightRig rig="threePt" dir="t"/>
+    </dgm:scene3d>
+    <dgm:sp3d/>
+    <dgm:txPr/>
+    <dgm:style>
+      <a:lnRef idx="2">
+        <a:scrgbClr r="0" g="0" b="0"/>
+      </a:lnRef>
+      <a:fillRef idx="1">
+        <a:scrgbClr r="0" g="0" b="0"/>
+      </a:fillRef>
+      <a:effectRef idx="0">
+        <a:scrgbClr r="0" g="0" b="0"/>
+      </a:effectRef>
+      <a:fontRef idx="minor">
+        <a:schemeClr val="tx1"/>
+      </a:fontRef>
+    </dgm:style>
+  </dgm:styleLbl>
+  <dgm:styleLbl name="alignNode1">
+    <dgm:scene3d>
+      <a:camera prst="orthographicFront"/>
+      <a:lightRig rig="threePt" dir="t"/>
+    </dgm:scene3d>
+    <dgm:sp3d/>
+    <dgm:txPr/>
+    <dgm:style>
+      <a:lnRef idx="2">
+        <a:scrgbClr r="0" g="0" b="0"/>
+      </a:lnRef>
+      <a:fillRef idx="1">
+        <a:scrgbClr r="0" g="0" b="0"/>
+      </a:fillRef>
+      <a:effectRef idx="0">
+        <a:scrgbClr r="0" g="0" b="0"/>
+      </a:effectRef>
+      <a:fontRef idx="minor">
+        <a:schemeClr val="lt1"/>
+      </a:fontRef>
+    </dgm:style>
+  </dgm:styleLbl>
+  <dgm:styleLbl name="node1">
+    <dgm:scene3d>
+      <a:camera prst="orthographicFront"/>
+      <a:lightRig rig="threePt" dir="t"/>
+    </dgm:scene3d>
+    <dgm:sp3d/>
+    <dgm:txPr/>
+    <dgm:style>
+      <a:lnRef idx="2">
+        <a:scrgbClr r="0" g="0" b="0"/>
+      </a:lnRef>
+      <a:fillRef idx="1">
+        <a:scrgbClr r="0" g="0" b="0"/>
+      </a:fillRef>
+      <a:effectRef idx="0">
+        <a:scrgbClr r="0" g="0" b="0"/>
+      </a:effectRef>
+      <a:fontRef idx="minor">
+        <a:schemeClr val="lt1"/>
+      </a:fontRef>
+    </dgm:style>
+  </dgm:styleLbl>
+  <dgm:styleLbl name="node2">
+    <dgm:scene3d>
+      <a:camera prst="orthographicFront"/>
+      <a:lightRig rig="threePt" dir="t"/>
+    </dgm:scene3d>
+    <dgm:sp3d/>
+    <dgm:txPr/>
+    <dgm:style>
+      <a:lnRef idx="2">
+        <a:scrgbClr r="0" g="0" b="0"/>
+      </a:lnRef>
+      <a:fillRef idx="1">
+        <a:scrgbClr r="0" g="0" b="0"/>
+      </a:fillRef>
+      <a:effectRef idx="0">
+        <a:scrgbClr r="0" g="0" b="0"/>
+      </a:effectRef>
+      <a:fontRef idx="minor">
+        <a:schemeClr val="lt1"/>
+      </a:fontRef>
+    </dgm:style>
+  </dgm:styleLbl>
+  <dgm:styleLbl name="node3">
+    <dgm:scene3d>
+      <a:camera prst="orthographicFront"/>
+      <a:lightRig rig="threePt" dir="t"/>
+    </dgm:scene3d>
+    <dgm:sp3d/>
+    <dgm:txPr/>
+    <dgm:style>
+      <a:lnRef idx="2">
+        <a:scrgbClr r="0" g="0" b="0"/>
+      </a:lnRef>
+      <a:fillRef idx="1">
+        <a:scrgbClr r="0" g="0" b="0"/>
+      </a:fillRef>
+      <a:effectRef idx="0">
+        <a:scrgbClr r="0" g="0" b="0"/>
+      </a:effectRef>
+      <a:fontRef idx="minor">
+        <a:schemeClr val="lt1"/>
+      </a:fontRef>
+    </dgm:style>
+  </dgm:styleLbl>
+  <dgm:styleLbl name="node4">
+    <dgm:scene3d>
+      <a:camera prst="orthographicFront"/>
+      <a:lightRig rig="threePt" dir="t"/>
+    </dgm:scene3d>
+    <dgm:sp3d/>
+    <dgm:txPr/>
+    <dgm:style>
+      <a:lnRef idx="2">
+        <a:scrgbClr r="0" g="0" b="0"/>
+      </a:lnRef>
+      <a:fillRef idx="1">
+        <a:scrgbClr r="0" g="0" b="0"/>
+      </a:fillRef>
+      <a:effectRef idx="0">
+        <a:scrgbClr r="0" g="0" b="0"/>
+      </a:effectRef>
+      <a:fontRef idx="minor">
+        <a:schemeClr val="lt1"/>
+      </a:fontRef>
+    </dgm:style>
+  </dgm:styleLbl>
+  <dgm:styleLbl name="fgImgPlace1">
+    <dgm:scene3d>
+      <a:camera prst="orthographicFront"/>
+      <a:lightRig rig="threePt" dir="t"/>
+    </dgm:scene3d>
+    <dgm:sp3d/>
+    <dgm:txPr/>
+    <dgm:style>
+      <a:lnRef idx="2">
+        <a:scrgbClr r="0" g="0" b="0"/>
+      </a:lnRef>
+      <a:fillRef idx="1">
+        <a:scrgbClr r="0" g="0" b="0"/>
+      </a:fillRef>
+      <a:effectRef idx="0">
+        <a:scrgbClr r="0" g="0" b="0"/>
+      </a:effectRef>
+      <a:fontRef idx="minor"/>
+    </dgm:style>
+  </dgm:styleLbl>
+  <dgm:styleLbl name="alignImgPlace1">
+    <dgm:scene3d>
+      <a:camera prst="orthographicFront"/>
+      <a:lightRig rig="threePt" dir="t"/>
+    </dgm:scene3d>
+    <dgm:sp3d/>
+    <dgm:txPr/>
+    <dgm:style>
+      <a:lnRef idx="2">
+        <a:scrgbClr r="0" g="0" b="0"/>
+      </a:lnRef>
+      <a:fillRef idx="1">
+        <a:scrgbClr r="0" g="0" b="0"/>
+      </a:fillRef>
+      <a:effectRef idx="0">
+        <a:scrgbClr r="0" g="0" b="0"/>
+      </a:effectRef>
+      <a:fontRef idx="minor"/>
+    </dgm:style>
+  </dgm:styleLbl>
+  <dgm:styleLbl name="bgImgPlace1">
+    <dgm:scene3d>
+      <a:camera prst="orthographicFront"/>
+      <a:lightRig rig="threePt" dir="t"/>
+    </dgm:scene3d>
+    <dgm:sp3d/>
+    <dgm:txPr/>
+    <dgm:style>
+      <a:lnRef idx="2">
+        <a:scrgbClr r="0" g="0" b="0"/>
+      </a:lnRef>
+      <a:fillRef idx="1">
+        <a:scrgbClr r="0" g="0" b="0"/>
+      </a:fillRef>
+      <a:effectRef idx="0">
+        <a:scrgbClr r="0" g="0" b="0"/>
+      </a:effectRef>
+      <a:fontRef idx="minor"/>
+    </dgm:style>
+  </dgm:styleLbl>
+  <dgm:styleLbl name="sibTrans2D1">
+    <dgm:scene3d>
+      <a:camera prst="orthographicFront"/>
+      <a:lightRig rig="threePt" dir="t"/>
+    </dgm:scene3d>
+    <dgm:sp3d/>
+    <dgm:txPr/>
+    <dgm:style>
+      <a:lnRef idx="0">
+        <a:scrgbClr r="0" g="0" b="0"/>
+      </a:lnRef>
+      <a:fillRef idx="1">
+        <a:scrgbClr r="0" g="0" b="0"/>
+      </a:fillRef>
+      <a:effectRef idx="0">
+        <a:scrgbClr r="0" g="0" b="0"/>
+      </a:effectRef>
+      <a:fontRef idx="minor">
+        <a:schemeClr val="lt1"/>
+      </a:fontRef>
+    </dgm:style>
+  </dgm:styleLbl>
+  <dgm:styleLbl name="fgSibTrans2D1">
+    <dgm:scene3d>
+      <a:camera prst="orthographicFront"/>
+      <a:lightRig rig="threePt" dir="t"/>
+    </dgm:scene3d>
+    <dgm:sp3d/>
+    <dgm:txPr/>
+    <dgm:style>
+      <a:lnRef idx="0">
+        <a:scrgbClr r="0" g="0" b="0"/>
+      </a:lnRef>
+      <a:fillRef idx="1">
+        <a:scrgbClr r="0" g="0" b="0"/>
+      </a:fillRef>
+      <a:effectRef idx="0">
+        <a:scrgbClr r="0" g="0" b="0"/>
+      </a:effectRef>
+      <a:fontRef idx="minor">
+        <a:schemeClr val="lt1"/>
+      </a:fontRef>
+    </dgm:style>
+  </dgm:styleLbl>
+  <dgm:styleLbl name="bgSibTrans2D1">
+    <dgm:scene3d>
+      <a:camera prst="orthographicFront"/>
+      <a:lightRig rig="threePt" dir="t"/>
+    </dgm:scene3d>
+    <dgm:sp3d/>
+    <dgm:txPr/>
+    <dgm:style>
+      <a:lnRef idx="0">
+        <a:scrgbClr r="0" g="0" b="0"/>
+      </a:lnRef>
+      <a:fillRef idx="1">
+        <a:scrgbClr r="0" g="0" b="0"/>
+      </a:fillRef>
+      <a:effectRef idx="0">
+        <a:scrgbClr r="0" g="0" b="0"/>
+      </a:effectRef>
+      <a:fontRef idx="minor">
+        <a:schemeClr val="lt1"/>
+      </a:fontRef>
+    </dgm:style>
+  </dgm:styleLbl>
+  <dgm:styleLbl name="sibTrans1D1">
+    <dgm:scene3d>
+      <a:camera prst="orthographicFront"/>
+      <a:lightRig rig="threePt" dir="t"/>
+    </dgm:scene3d>
+    <dgm:sp3d/>
+    <dgm:txPr/>
+    <dgm:style>
+      <a:lnRef idx="1">
+        <a:scrgbClr r="0" g="0" b="0"/>
+      </a:lnRef>
+      <a:fillRef idx="0">
+        <a:scrgbClr r="0" g="0" b="0"/>
+      </a:fillRef>
+      <a:effectRef idx="0">
+        <a:scrgbClr r="0" g="0" b="0"/>
+      </a:effectRef>
+      <a:fontRef idx="minor"/>
+    </dgm:style>
+  </dgm:styleLbl>
+  <dgm:styleLbl name="callout">
+    <dgm:scene3d>
+      <a:camera prst="orthographicFront"/>
+      <a:lightRig rig="threePt" dir="t"/>
+    </dgm:scene3d>
+    <dgm:sp3d/>
+    <dgm:txPr/>
+    <dgm:style>
+      <a:lnRef idx="2">
+        <a:scrgbClr r="0" g="0" b="0"/>
+      </a:lnRef>
+      <a:fillRef idx="1">
+        <a:scrgbClr r="0" g="0" b="0"/>
+      </a:fillRef>
+      <a:effectRef idx="0">
+        <a:scrgbClr r="0" g="0" b="0"/>
+      </a:effectRef>
+      <a:fontRef idx="minor"/>
+    </dgm:style>
+  </dgm:styleLbl>
+  <dgm:styleLbl name="asst0">
+    <dgm:scene3d>
+      <a:camera prst="orthographicFront"/>
+      <a:lightRig rig="threePt" dir="t"/>
+    </dgm:scene3d>
+    <dgm:sp3d/>
+    <dgm:txPr/>
+    <dgm:style>
+      <a:lnRef idx="2">
+        <a:scrgbClr r="0" g="0" b="0"/>
+      </a:lnRef>
+      <a:fillRef idx="1">
+        <a:scrgbClr r="0" g="0" b="0"/>
+      </a:fillRef>
+      <a:effectRef idx="0">
+        <a:scrgbClr r="0" g="0" b="0"/>
+      </a:effectRef>
+      <a:fontRef idx="minor">
+        <a:schemeClr val="lt1"/>
+      </a:fontRef>
+    </dgm:style>
+  </dgm:styleLbl>
+  <dgm:styleLbl name="asst1">
+    <dgm:scene3d>
+      <a:camera prst="orthographicFront"/>
+      <a:lightRig rig="threePt" dir="t"/>
+    </dgm:scene3d>
+    <dgm:sp3d/>
+    <dgm:txPr/>
+    <dgm:style>
+      <a:lnRef idx="2">
+        <a:scrgbClr r="0" g="0" b="0"/>
+      </a:lnRef>
+      <a:fillRef idx="1">
+        <a:scrgbClr r="0" g="0" b="0"/>
+      </a:fillRef>
+      <a:effectRef idx="0">
+        <a:scrgbClr r="0" g="0" b="0"/>
+      </a:effectRef>
+      <a:fontRef idx="minor">
+        <a:schemeClr val="lt1"/>
+      </a:fontRef>
+    </dgm:style>
+  </dgm:styleLbl>
+  <dgm:styleLbl name="asst2">
+    <dgm:scene3d>
+      <a:camera prst="orthographicFront"/>
+      <a:lightRig rig="threePt" dir="t"/>
+    </dgm:scene3d>
+    <dgm:sp3d/>
+    <dgm:txPr/>
+    <dgm:style>
+      <a:lnRef idx="2">
+        <a:scrgbClr r="0" g="0" b="0"/>
+      </a:lnRef>
+      <a:fillRef idx="1">
+        <a:scrgbClr r="0" g="0" b="0"/>
+      </a:fillRef>
+      <a:effectRef idx="0">
+        <a:scrgbClr r="0" g="0" b="0"/>
+      </a:effectRef>
+      <a:fontRef idx="minor">
+        <a:schemeClr val="lt1"/>
+      </a:fontRef>
+    </dgm:style>
+  </dgm:styleLbl>
+  <dgm:styleLbl name="asst3">
+    <dgm:scene3d>
+      <a:camera prst="orthographicFront"/>
+      <a:lightRig rig="threePt" dir="t"/>
+    </dgm:scene3d>
+    <dgm:sp3d/>
+    <dgm:txPr/>
+    <dgm:style>
+      <a:lnRef idx="2">
+        <a:scrgbClr r="0" g="0" b="0"/>
+      </a:lnRef>
+      <a:fillRef idx="1">
+        <a:scrgbClr r="0" g="0" b="0"/>
+      </a:fillRef>
+      <a:effectRef idx="0">
+        <a:scrgbClr r="0" g="0" b="0"/>
+      </a:effectRef>
+      <a:fontRef idx="minor">
+        <a:schemeClr val="lt1"/>
+      </a:fontRef>
+    </dgm:style>
+  </dgm:styleLbl>
+  <dgm:styleLbl name="asst4">
+    <dgm:scene3d>
+      <a:camera prst="orthographicFront"/>
+      <a:lightRig rig="threePt" dir="t"/>
+    </dgm:scene3d>
+    <dgm:sp3d/>
+    <dgm:txPr/>
+    <dgm:style>
+      <a:lnRef idx="2">
+        <a:scrgbClr r="0" g="0" b="0"/>
+      </a:lnRef>
+      <a:fillRef idx="1">
+        <a:scrgbClr r="0" g="0" b="0"/>
+      </a:fillRef>
+      <a:effectRef idx="0">
+        <a:scrgbClr r="0" g="0" b="0"/>
+      </a:effectRef>
+      <a:fontRef idx="minor">
+        <a:schemeClr val="lt1"/>
+      </a:fontRef>
+    </dgm:style>
+  </dgm:styleLbl>
+  <dgm:styleLbl name="parChTrans2D1">
+    <dgm:scene3d>
+      <a:camera prst="orthographicFront"/>
+      <a:lightRig rig="threePt" dir="t"/>
+    </dgm:scene3d>
+    <dgm:sp3d/>
+    <dgm:txPr/>
+    <dgm:style>
+      <a:lnRef idx="2">
+        <a:scrgbClr r="0" g="0" b="0"/>
+      </a:lnRef>
+      <a:fillRef idx="1">
+        <a:scrgbClr r="0" g="0" b="0"/>
+      </a:fillRef>
+      <a:effectRef idx="0">
+        <a:scrgbClr r="0" g="0" b="0"/>
+      </a:effectRef>
+      <a:fontRef idx="minor">
+        <a:schemeClr val="lt1"/>
+      </a:fontRef>
+    </dgm:style>
+  </dgm:styleLbl>
+  <dgm:styleLbl name="parChTrans2D2">
+    <dgm:scene3d>
+      <a:camera prst="orthographicFront"/>
+      <a:lightRig rig="threePt" dir="t"/>
+    </dgm:scene3d>
+    <dgm:sp3d/>
+    <dgm:txPr/>
+    <dgm:style>
+      <a:lnRef idx="2">
+        <a:scrgbClr r="0" g="0" b="0"/>
+      </a:lnRef>
+      <a:fillRef idx="1">
+        <a:scrgbClr r="0" g="0" b="0"/>
+      </a:fillRef>
+      <a:effectRef idx="0">
+        <a:scrgbClr r="0" g="0" b="0"/>
+      </a:effectRef>
+      <a:fontRef idx="minor">
+        <a:schemeClr val="lt1"/>
+      </a:fontRef>
+    </dgm:style>
+  </dgm:styleLbl>
+  <dgm:styleLbl name="parChTrans2D3">
+    <dgm:scene3d>
+      <a:camera prst="orthographicFront"/>
+      <a:lightRig rig="threePt" dir="t"/>
+    </dgm:scene3d>
+    <dgm:sp3d/>
+    <dgm:txPr/>
+    <dgm:style>
+      <a:lnRef idx="2">
+        <a:scrgbClr r="0" g="0" b="0"/>
+      </a:lnRef>
+      <a:fillRef idx="1">
+        <a:scrgbClr r="0" g="0" b="0"/>
+      </a:fillRef>
+      <a:effectRef idx="0">
+        <a:scrgbClr r="0" g="0" b="0"/>
+      </a:effectRef>
+      <a:fontRef idx="minor">
+        <a:schemeClr val="lt1"/>
+      </a:fontRef>
+    </dgm:style>
+  </dgm:styleLbl>
+  <dgm:styleLbl name="parChTrans2D4">
+    <dgm:scene3d>
+      <a:camera prst="orthographicFront"/>
+      <a:lightRig rig="threePt" dir="t"/>
+    </dgm:scene3d>
+    <dgm:sp3d/>
+    <dgm:txPr/>
+    <dgm:style>
+      <a:lnRef idx="2">
+        <a:scrgbClr r="0" g="0" b="0"/>
+      </a:lnRef>
+      <a:fillRef idx="1">
+        <a:scrgbClr r="0" g="0" b="0"/>
+      </a:fillRef>
+      <a:effectRef idx="0">
+        <a:scrgbClr r="0" g="0" b="0"/>
+      </a:effectRef>
+      <a:fontRef idx="minor">
+        <a:schemeClr val="lt1"/>
+      </a:fontRef>
+    </dgm:style>
+  </dgm:styleLbl>
+  <dgm:styleLbl name="parChTrans1D1">
+    <dgm:scene3d>
+      <a:camera prst="orthographicFront"/>
+      <a:lightRig rig="threePt" dir="t"/>
+    </dgm:scene3d>
+    <dgm:sp3d/>
+    <dgm:txPr/>
+    <dgm:style>
+      <a:lnRef idx="2">
+        <a:scrgbClr r="0" g="0" b="0"/>
+      </a:lnRef>
+      <a:fillRef idx="0">
+        <a:scrgbClr r="0" g="0" b="0"/>
+      </a:fillRef>
+      <a:effectRef idx="0">
+        <a:scrgbClr r="0" g="0" b="0"/>
+      </a:effectRef>
+      <a:fontRef idx="minor"/>
+    </dgm:style>
+  </dgm:styleLbl>
+  <dgm:styleLbl name="parChTrans1D2">
+    <dgm:scene3d>
+      <a:camera prst="orthographicFront"/>
+      <a:lightRig rig="threePt" dir="t"/>
+    </dgm:scene3d>
+    <dgm:sp3d/>
+    <dgm:txPr/>
+    <dgm:style>
+      <a:lnRef idx="2">
+        <a:scrgbClr r="0" g="0" b="0"/>
+      </a:lnRef>
+      <a:fillRef idx="0">
+        <a:scrgbClr r="0" g="0" b="0"/>
+      </a:fillRef>
+      <a:effectRef idx="0">
+        <a:scrgbClr r="0" g="0" b="0"/>
+      </a:effectRef>
+      <a:fontRef idx="minor"/>
+    </dgm:style>
+  </dgm:styleLbl>
+  <dgm:styleLbl name="parChTrans1D3">
+    <dgm:scene3d>
+      <a:camera prst="orthographicFront"/>
+      <a:lightRig rig="threePt" dir="t"/>
+    </dgm:scene3d>
+    <dgm:sp3d/>
+    <dgm:txPr/>
+    <dgm:style>
+      <a:lnRef idx="2">
+        <a:scrgbClr r="0" g="0" b="0"/>
+      </a:lnRef>
+      <a:fillRef idx="0">
+        <a:scrgbClr r="0" g="0" b="0"/>
+      </a:fillRef>
+      <a:effectRef idx="0">
+        <a:scrgbClr r="0" g="0" b="0"/>
+      </a:effectRef>
+      <a:fontRef idx="minor"/>
+    </dgm:style>
+  </dgm:styleLbl>
+  <dgm:styleLbl name="parChTrans1D4">
+    <dgm:scene3d>
+      <a:camera prst="orthographicFront"/>
+      <a:lightRig rig="threePt" dir="t"/>
+    </dgm:scene3d>
+    <dgm:sp3d/>
+    <dgm:txPr/>
+    <dgm:style>
+      <a:lnRef idx="2">
+        <a:scrgbClr r="0" g="0" b="0"/>
+      </a:lnRef>
+      <a:fillRef idx="0">
+        <a:scrgbClr r="0" g="0" b="0"/>
+      </a:fillRef>
+      <a:effectRef idx="0">
+        <a:scrgbClr r="0" g="0" b="0"/>
+      </a:effectRef>
+      <a:fontRef idx="minor"/>
+    </dgm:style>
+  </dgm:styleLbl>
+  <dgm:styleLbl name="fgAcc1">
+    <dgm:scene3d>
+      <a:camera prst="orthographicFront"/>
+      <a:lightRig rig="threePt" dir="t"/>
+    </dgm:scene3d>
+    <dgm:sp3d/>
+    <dgm:txPr/>
+    <dgm:style>
+      <a:lnRef idx="2">
+        <a:scrgbClr r="0" g="0" b="0"/>
+      </a:lnRef>
+      <a:fillRef idx="1">
+        <a:scrgbClr r="0" g="0" b="0"/>
+      </a:fillRef>
+      <a:effectRef idx="0">
+        <a:scrgbClr r="0" g="0" b="0"/>
+      </a:effectRef>
+      <a:fontRef idx="minor"/>
+    </dgm:style>
+  </dgm:styleLbl>
+  <dgm:styleLbl name="conFgAcc1">
+    <dgm:scene3d>
+      <a:camera prst="orthographicFront"/>
+      <a:lightRig rig="threePt" dir="t"/>
+    </dgm:scene3d>
+    <dgm:sp3d/>
+    <dgm:txPr/>
+    <dgm:style>
+      <a:lnRef idx="2">
+        <a:scrgbClr r="0" g="0" b="0"/>
+      </a:lnRef>
+      <a:fillRef idx="1">
+        <a:scrgbClr r="0" g="0" b="0"/>
+      </a:fillRef>
+      <a:effectRef idx="0">
+        <a:scrgbClr r="0" g="0" b="0"/>
+      </a:effectRef>
+      <a:fontRef idx="minor"/>
+    </dgm:style>
+  </dgm:styleLbl>
+  <dgm:styleLbl name="alignAcc1">
+    <dgm:scene3d>
+      <a:camera prst="orthographicFront"/>
+      <a:lightRig rig="threePt" dir="t"/>
+    </dgm:scene3d>
+    <dgm:sp3d/>
+    <dgm:txPr/>
+    <dgm:style>
+      <a:lnRef idx="2">
+        <a:scrgbClr r="0" g="0" b="0"/>
+      </a:lnRef>
+      <a:fillRef idx="1">
+        <a:scrgbClr r="0" g="0" b="0"/>
+      </a:fillRef>
+      <a:effectRef idx="0">
+        <a:scrgbClr r="0" g="0" b="0"/>
+      </a:effectRef>
+      <a:fontRef idx="minor"/>
+    </dgm:style>
+  </dgm:styleLbl>
+  <dgm:styleLbl name="trAlignAcc1">
+    <dgm:scene3d>
+      <a:camera prst="orthographicFront"/>
+      <a:lightRig rig="threePt" dir="t"/>
+    </dgm:scene3d>
+    <dgm:sp3d/>
+    <dgm:txPr/>
+    <dgm:style>
+      <a:lnRef idx="1">
+        <a:scrgbClr r="0" g="0" b="0"/>
+      </a:lnRef>
+      <a:fillRef idx="1">
+        <a:scrgbClr r="0" g="0" b="0"/>
+      </a:fillRef>
+      <a:effectRef idx="0">
+        <a:scrgbClr r="0" g="0" b="0"/>
+      </a:effectRef>
+      <a:fontRef idx="minor"/>
+    </dgm:style>
+  </dgm:styleLbl>
+  <dgm:styleLbl name="bgAcc1">
+    <dgm:scene3d>
+      <a:camera prst="orthographicFront"/>
+      <a:lightRig rig="threePt" dir="t"/>
+    </dgm:scene3d>
+    <dgm:sp3d/>
+    <dgm:txPr/>
+    <dgm:style>
+      <a:lnRef idx="2">
+        <a:scrgbClr r="0" g="0" b="0"/>
+      </a:lnRef>
+      <a:fillRef idx="1">
+        <a:scrgbClr r="0" g="0" b="0"/>
+      </a:fillRef>
+      <a:effectRef idx="0">
+        <a:scrgbClr r="0" g="0" b="0"/>
+      </a:effectRef>
+      <a:fontRef idx="minor"/>
+    </dgm:style>
+  </dgm:styleLbl>
+  <dgm:styleLbl name="solidFgAcc1">
+    <dgm:scene3d>
+      <a:camera prst="orthographicFront"/>
+      <a:lightRig rig="threePt" dir="t"/>
+    </dgm:scene3d>
+    <dgm:sp3d/>
+    <dgm:txPr/>
+    <dgm:style>
+      <a:lnRef idx="2">
+        <a:scrgbClr r="0" g="0" b="0"/>
+      </a:lnRef>
+      <a:fillRef idx="1">
+        <a:scrgbClr r="0" g="0" b="0"/>
+      </a:fillRef>
+      <a:effectRef idx="0">
+        <a:scrgbClr r="0" g="0" b="0"/>
+      </a:effectRef>
+      <a:fontRef idx="minor"/>
+    </dgm:style>
+  </dgm:styleLbl>
+  <dgm:styleLbl name="solidAlignAcc1">
+    <dgm:scene3d>
+      <a:camera prst="orthographicFront"/>
+      <a:lightRig rig="threePt" dir="t"/>
+    </dgm:scene3d>
+    <dgm:sp3d/>
+    <dgm:txPr/>
+    <dgm:style>
+      <a:lnRef idx="2">
+        <a:scrgbClr r="0" g="0" b="0"/>
+      </a:lnRef>
+      <a:fillRef idx="1">
+        <a:scrgbClr r="0" g="0" b="0"/>
+      </a:fillRef>
+      <a:effectRef idx="0">
+        <a:scrgbClr r="0" g="0" b="0"/>
+      </a:effectRef>
+      <a:fontRef idx="minor"/>
+    </dgm:style>
+  </dgm:styleLbl>
+  <dgm:styleLbl name="solidBgAcc1">
+    <dgm:scene3d>
+      <a:camera prst="orthographicFront"/>
+      <a:lightRig rig="threePt" dir="t"/>
+    </dgm:scene3d>
+    <dgm:sp3d/>
+    <dgm:txPr/>
+    <dgm:style>
+      <a:lnRef idx="2">
+        <a:scrgbClr r="0" g="0" b="0"/>
+      </a:lnRef>
+      <a:fillRef idx="1">
+        <a:scrgbClr r="0" g="0" b="0"/>
+      </a:fillRef>
+      <a:effectRef idx="0">
+        <a:scrgbClr r="0" g="0" b="0"/>
+      </a:effectRef>
+      <a:fontRef idx="minor"/>
+    </dgm:style>
+  </dgm:styleLbl>
+  <dgm:styleLbl name="fgAccFollowNode1">
+    <dgm:scene3d>
+      <a:camera prst="orthographicFront"/>
+      <a:lightRig rig="threePt" dir="t"/>
+    </dgm:scene3d>
+    <dgm:sp3d/>
+    <dgm:txPr/>
+    <dgm:style>
+      <a:lnRef idx="2">
+        <a:scrgbClr r="0" g="0" b="0"/>
+      </a:lnRef>
+      <a:fillRef idx="1">
+        <a:scrgbClr r="0" g="0" b="0"/>
+      </a:fillRef>
+      <a:effectRef idx="0">
+        <a:scrgbClr r="0" g="0" b="0"/>
+      </a:effectRef>
+      <a:fontRef idx="minor"/>
+    </dgm:style>
+  </dgm:styleLbl>
+  <dgm:styleLbl name="alignAccFollowNode1">
+    <dgm:scene3d>
+      <a:camera prst="orthographicFront"/>
+      <a:lightRig rig="threePt" dir="t"/>
+    </dgm:scene3d>
+    <dgm:sp3d/>
+    <dgm:txPr/>
+    <dgm:style>
+      <a:lnRef idx="2">
+        <a:scrgbClr r="0" g="0" b="0"/>
+      </a:lnRef>
+      <a:fillRef idx="1">
+        <a:scrgbClr r="0" g="0" b="0"/>
+      </a:fillRef>
+      <a:effectRef idx="0">
+        <a:scrgbClr r="0" g="0" b="0"/>
+      </a:effectRef>
+      <a:fontRef idx="minor"/>
+    </dgm:style>
+  </dgm:styleLbl>
+  <dgm:styleLbl name="bgAccFollowNode1">
+    <dgm:scene3d>
+      <a:camera prst="orthographicFront"/>
+      <a:lightRig rig="threePt" dir="t"/>
+    </dgm:scene3d>
+    <dgm:sp3d/>
+    <dgm:txPr/>
+    <dgm:style>
+      <a:lnRef idx="2">
+        <a:scrgbClr r="0" g="0" b="0"/>
+      </a:lnRef>
+      <a:fillRef idx="1">
+        <a:scrgbClr r="0" g="0" b="0"/>
+      </a:fillRef>
+      <a:effectRef idx="0">
+        <a:scrgbClr r="0" g="0" b="0"/>
+      </a:effectRef>
+      <a:fontRef idx="minor"/>
+    </dgm:style>
+  </dgm:styleLbl>
+  <dgm:styleLbl name="fgAcc0">
+    <dgm:scene3d>
+      <a:camera prst="orthographicFront"/>
+      <a:lightRig rig="threePt" dir="t"/>
+    </dgm:scene3d>
+    <dgm:sp3d/>
+    <dgm:txPr/>
+    <dgm:style>
+      <a:lnRef idx="2">
+        <a:scrgbClr r="0" g="0" b="0"/>
+      </a:lnRef>
+      <a:fillRef idx="1">
+        <a:scrgbClr r="0" g="0" b="0"/>
+      </a:fillRef>
+      <a:effectRef idx="0">
+        <a:scrgbClr r="0" g="0" b="0"/>
+      </a:effectRef>
+      <a:fontRef idx="minor"/>
+    </dgm:style>
+  </dgm:styleLbl>
+  <dgm:styleLbl name="fgAcc2">
+    <dgm:scene3d>
+      <a:camera prst="orthographicFront"/>
+      <a:lightRig rig="threePt" dir="t"/>
+    </dgm:scene3d>
+    <dgm:sp3d/>
+    <dgm:txPr/>
+    <dgm:style>
+      <a:lnRef idx="2">
+        <a:scrgbClr r="0" g="0" b="0"/>
+      </a:lnRef>
+      <a:fillRef idx="1">
+        <a:scrgbClr r="0" g="0" b="0"/>
+      </a:fillRef>
+      <a:effectRef idx="0">
+        <a:scrgbClr r="0" g="0" b="0"/>
+      </a:effectRef>
+      <a:fontRef idx="minor"/>
+    </dgm:style>
+  </dgm:styleLbl>
+  <dgm:styleLbl name="fgAcc3">
+    <dgm:scene3d>
+      <a:camera prst="orthographicFront"/>
+      <a:lightRig rig="threePt" dir="t"/>
+    </dgm:scene3d>
+    <dgm:sp3d/>
+    <dgm:txPr/>
+    <dgm:style>
+      <a:lnRef idx="2">
+        <a:scrgbClr r="0" g="0" b="0"/>
+      </a:lnRef>
+      <a:fillRef idx="1">
+        <a:scrgbClr r="0" g="0" b="0"/>
+      </a:fillRef>
+      <a:effectRef idx="0">
+        <a:scrgbClr r="0" g="0" b="0"/>
+      </a:effectRef>
+      <a:fontRef idx="minor"/>
+    </dgm:style>
+  </dgm:styleLbl>
+  <dgm:styleLbl name="fgAcc4">
+    <dgm:scene3d>
+      <a:camera prst="orthographicFront"/>
+      <a:lightRig rig="threePt" dir="t"/>
+    </dgm:scene3d>
+    <dgm:sp3d/>
+    <dgm:txPr/>
+    <dgm:style>
+      <a:lnRef idx="2">
+        <a:scrgbClr r="0" g="0" b="0"/>
+      </a:lnRef>
+      <a:fillRef idx="1">
+        <a:scrgbClr r="0" g="0" b="0"/>
+      </a:fillRef>
+      <a:effectRef idx="0">
+        <a:scrgbClr r="0" g="0" b="0"/>
+      </a:effectRef>
+      <a:fontRef idx="minor"/>
+    </dgm:style>
+  </dgm:styleLbl>
+  <dgm:styleLbl name="bgShp">
+    <dgm:scene3d>
+      <a:camera prst="orthographicFront"/>
+      <a:lightRig rig="threePt" dir="t"/>
+    </dgm:scene3d>
+    <dgm:sp3d/>
+    <dgm:txPr/>
+    <dgm:style>
+      <a:lnRef idx="0">
+        <a:scrgbClr r="0" g="0" b="0"/>
+      </a:lnRef>
+      <a:fillRef idx="1">
+        <a:scrgbClr r="0" g="0" b="0"/>
+      </a:fillRef>
+      <a:effectRef idx="0">
+        <a:scrgbClr r="0" g="0" b="0"/>
+      </a:effectRef>
+      <a:fontRef idx="minor"/>
+    </dgm:style>
+  </dgm:styleLbl>
+  <dgm:styleLbl name="dkBgShp">
+    <dgm:scene3d>
+      <a:camera prst="orthographicFront"/>
+      <a:lightRig rig="threePt" dir="t"/>
+    </dgm:scene3d>
+    <dgm:sp3d/>
+    <dgm:txPr/>
+    <dgm:style>
+      <a:lnRef idx="0">
+        <a:scrgbClr r="0" g="0" b="0"/>
+      </a:lnRef>
+      <a:fillRef idx="1">
+        <a:scrgbClr r="0" g="0" b="0"/>
+      </a:fillRef>
+      <a:effectRef idx="0">
+        <a:scrgbClr r="0" g="0" b="0"/>
+      </a:effectRef>
+      <a:fontRef idx="minor"/>
+    </dgm:style>
+  </dgm:styleLbl>
+  <dgm:styleLbl name="trBgShp">
+    <dgm:scene3d>
+      <a:camera prst="orthographicFront"/>
+      <a:lightRig rig="threePt" dir="t"/>
+    </dgm:scene3d>
+    <dgm:sp3d/>
+    <dgm:txPr/>
+    <dgm:style>
+      <a:lnRef idx="0">
+        <a:scrgbClr r="0" g="0" b="0"/>
+      </a:lnRef>
+      <a:fillRef idx="1">
+        <a:scrgbClr r="0" g="0" b="0"/>
+      </a:fillRef>
+      <a:effectRef idx="0">
+        <a:scrgbClr r="0" g="0" b="0"/>
+      </a:effectRef>
+      <a:fontRef idx="minor"/>
+    </dgm:style>
+  </dgm:styleLbl>
+  <dgm:styleLbl name="fgShp">
+    <dgm:scene3d>
+      <a:camera prst="orthographicFront"/>
+      <a:lightRig rig="threePt" dir="t"/>
+    </dgm:scene3d>
+    <dgm:sp3d/>
+    <dgm:txPr/>
+    <dgm:style>
+      <a:lnRef idx="2">
+        <a:scrgbClr r="0" g="0" b="0"/>
+      </a:lnRef>
+      <a:fillRef idx="1">
+        <a:scrgbClr r="0" g="0" b="0"/>
+      </a:fillRef>
+      <a:effectRef idx="0">
+        <a:scrgbClr r="0" g="0" b="0"/>
+      </a:effectRef>
+      <a:fontRef idx="minor"/>
+    </dgm:style>
+  </dgm:styleLbl>
+  <dgm:styleLbl name="revTx">
+    <dgm:scene3d>
+      <a:camera prst="orthographicFront"/>
+      <a:lightRig rig="threePt" dir="t"/>
+    </dgm:scene3d>
+    <dgm:sp3d/>
+    <dgm:txPr/>
+    <dgm:style>
+      <a:lnRef idx="0">
+        <a:scrgbClr r="0" g="0" b="0"/>
+      </a:lnRef>
+      <a:fillRef idx="0">
+        <a:scrgbClr r="0" g="0" b="0"/>
+      </a:fillRef>
+      <a:effectRef idx="0">
+        <a:scrgbClr r="0" g="0" b="0"/>
+      </a:effectRef>
+      <a:fontRef idx="minor"/>
+    </dgm:style>
+  </dgm:styleLbl>
+</dgm:styleDef>
 </file>
 
 <file path=ppt/notesMasters/notesMaster1.xml><?xml version="1.0" encoding="utf-8"?>
@@ -199,7 +5557,7 @@
           <a:p>
             <a:fld id="{B515C4BE-1326-8949-8988-36C34787E2BD}" type="datetimeFigureOut">
               <a:rPr lang="en-US" smtClean="0"/>
-              <a:t>1/4/21</a:t>
+              <a:t>1/10/21</a:t>
             </a:fld>
             <a:endParaRPr lang="en-US"/>
           </a:p>
@@ -755,7 +6113,7 @@
           <a:p>
             <a:fld id="{FF205131-6C20-8944-9BE2-56B38CB96356}" type="slidenum">
               <a:rPr lang="en-US" smtClean="0"/>
-              <a:t>3</a:t>
+              <a:t>4</a:t>
             </a:fld>
             <a:endParaRPr lang="en-US"/>
           </a:p>
@@ -877,7 +6235,7 @@
           <a:p>
             <a:fld id="{FF205131-6C20-8944-9BE2-56B38CB96356}" type="slidenum">
               <a:rPr lang="en-US" smtClean="0"/>
-              <a:t>4</a:t>
+              <a:t>5</a:t>
             </a:fld>
             <a:endParaRPr lang="en-US"/>
           </a:p>
@@ -981,7 +6339,7 @@
           <a:p>
             <a:fld id="{FF205131-6C20-8944-9BE2-56B38CB96356}" type="slidenum">
               <a:rPr lang="en-US" smtClean="0"/>
-              <a:t>5</a:t>
+              <a:t>6</a:t>
             </a:fld>
             <a:endParaRPr lang="en-US"/>
           </a:p>
@@ -1077,7 +6435,7 @@
           <a:p>
             <a:fld id="{FF205131-6C20-8944-9BE2-56B38CB96356}" type="slidenum">
               <a:rPr lang="en-US" smtClean="0"/>
-              <a:t>6</a:t>
+              <a:t>7</a:t>
             </a:fld>
             <a:endParaRPr lang="en-US"/>
           </a:p>
@@ -1179,7 +6537,7 @@
           <a:p>
             <a:fld id="{FF205131-6C20-8944-9BE2-56B38CB96356}" type="slidenum">
               <a:rPr lang="en-US" smtClean="0"/>
-              <a:t>7</a:t>
+              <a:t>8</a:t>
             </a:fld>
             <a:endParaRPr lang="en-US"/>
           </a:p>
@@ -1275,7 +6633,7 @@
           <a:p>
             <a:fld id="{FF205131-6C20-8944-9BE2-56B38CB96356}" type="slidenum">
               <a:rPr lang="en-US" smtClean="0"/>
-              <a:t>8</a:t>
+              <a:t>9</a:t>
             </a:fld>
             <a:endParaRPr lang="en-US"/>
           </a:p>
@@ -1433,7 +6791,7 @@
           <a:p>
             <a:fld id="{48A87A34-81AB-432B-8DAE-1953F412C126}" type="datetimeFigureOut">
               <a:rPr lang="en-US" smtClean="0"/>
-              <a:t>1/4/21</a:t>
+              <a:t>1/10/21</a:t>
             </a:fld>
             <a:endParaRPr lang="en-US" dirty="0"/>
           </a:p>
@@ -1653,7 +7011,7 @@
           <a:p>
             <a:fld id="{48A87A34-81AB-432B-8DAE-1953F412C126}" type="datetimeFigureOut">
               <a:rPr lang="en-US" smtClean="0"/>
-              <a:t>1/4/21</a:t>
+              <a:t>1/10/21</a:t>
             </a:fld>
             <a:endParaRPr lang="en-US" dirty="0"/>
           </a:p>
@@ -1877,7 +7235,7 @@
           <a:p>
             <a:fld id="{48A87A34-81AB-432B-8DAE-1953F412C126}" type="datetimeFigureOut">
               <a:rPr lang="en-US" smtClean="0"/>
-              <a:t>1/4/21</a:t>
+              <a:t>1/10/21</a:t>
             </a:fld>
             <a:endParaRPr lang="en-US" dirty="0"/>
           </a:p>
@@ -2091,7 +7449,7 @@
           <a:p>
             <a:fld id="{48A87A34-81AB-432B-8DAE-1953F412C126}" type="datetimeFigureOut">
               <a:rPr lang="en-US" smtClean="0"/>
-              <a:t>1/4/21</a:t>
+              <a:t>1/10/21</a:t>
             </a:fld>
             <a:endParaRPr lang="en-US" dirty="0"/>
           </a:p>
@@ -2383,7 +7741,7 @@
           <a:p>
             <a:fld id="{48A87A34-81AB-432B-8DAE-1953F412C126}" type="datetimeFigureOut">
               <a:rPr lang="en-US" smtClean="0"/>
-              <a:t>1/4/21</a:t>
+              <a:t>1/10/21</a:t>
             </a:fld>
             <a:endParaRPr lang="en-US" dirty="0"/>
           </a:p>
@@ -2660,7 +8018,7 @@
           <a:p>
             <a:fld id="{48A87A34-81AB-432B-8DAE-1953F412C126}" type="datetimeFigureOut">
               <a:rPr lang="en-US" smtClean="0"/>
-              <a:t>1/4/21</a:t>
+              <a:t>1/10/21</a:t>
             </a:fld>
             <a:endParaRPr lang="en-US" dirty="0"/>
           </a:p>
@@ -3085,7 +8443,7 @@
           <a:p>
             <a:fld id="{48A87A34-81AB-432B-8DAE-1953F412C126}" type="datetimeFigureOut">
               <a:rPr lang="en-US" smtClean="0"/>
-              <a:t>1/4/21</a:t>
+              <a:t>1/10/21</a:t>
             </a:fld>
             <a:endParaRPr lang="en-US" dirty="0"/>
           </a:p>
@@ -3243,7 +8601,7 @@
           <a:p>
             <a:fld id="{48A87A34-81AB-432B-8DAE-1953F412C126}" type="datetimeFigureOut">
               <a:rPr lang="en-US" smtClean="0"/>
-              <a:t>1/4/21</a:t>
+              <a:t>1/10/21</a:t>
             </a:fld>
             <a:endParaRPr lang="en-US" dirty="0"/>
           </a:p>
@@ -3378,7 +8736,7 @@
           <a:p>
             <a:fld id="{48A87A34-81AB-432B-8DAE-1953F412C126}" type="datetimeFigureOut">
               <a:rPr lang="en-US" smtClean="0"/>
-              <a:t>1/4/21</a:t>
+              <a:t>1/10/21</a:t>
             </a:fld>
             <a:endParaRPr lang="en-US" dirty="0"/>
           </a:p>
@@ -3629,7 +8987,7 @@
           <a:p>
             <a:fld id="{48A87A34-81AB-432B-8DAE-1953F412C126}" type="datetimeFigureOut">
               <a:rPr lang="en-US" smtClean="0"/>
-              <a:t>1/4/21</a:t>
+              <a:t>1/10/21</a:t>
             </a:fld>
             <a:endParaRPr lang="en-US" dirty="0"/>
           </a:p>
@@ -4090,7 +9448,7 @@
             <a:fld id="{48A87A34-81AB-432B-8DAE-1953F412C126}" type="datetimeFigureOut">
               <a:rPr lang="en-US" smtClean="0"/>
               <a:pPr/>
-              <a:t>1/4/21</a:t>
+              <a:t>1/10/21</a:t>
             </a:fld>
             <a:endParaRPr lang="en-US" dirty="0"/>
           </a:p>
@@ -4473,7 +9831,7 @@
             <a:fld id="{48A87A34-81AB-432B-8DAE-1953F412C126}" type="datetimeFigureOut">
               <a:rPr lang="en-US" smtClean="0"/>
               <a:pPr/>
-              <a:t>1/4/21</a:t>
+              <a:t>1/10/21</a:t>
             </a:fld>
             <a:endParaRPr lang="en-US" dirty="0"/>
           </a:p>
@@ -5107,8 +10465,8 @@
           <a:lstStyle/>
           <a:p>
             <a:r>
-              <a:rPr lang="en-US" sz="4800"/>
-              <a:t>Data Analysis Project</a:t>
+              <a:rPr lang="en-US" sz="4800" dirty="0"/>
+              <a:t>Python Data Analysis Project</a:t>
             </a:r>
           </a:p>
         </p:txBody>
@@ -5313,7 +10671,7 @@
           <a:p>
             <a:r>
               <a:rPr lang="en-US" dirty="0"/>
-              <a:t>Motivation &amp; Summary Slide</a:t>
+              <a:t>Motivation  </a:t>
             </a:r>
           </a:p>
         </p:txBody>
@@ -5334,12 +10692,43 @@
             <p:ph idx="1"/>
           </p:nvPr>
         </p:nvSpPr>
-        <p:spPr/>
+        <p:spPr>
+          <a:xfrm>
+            <a:off x="1157979" y="1675280"/>
+            <a:ext cx="9603275" cy="1049236"/>
+          </a:xfrm>
+        </p:spPr>
         <p:txBody>
-          <a:bodyPr/>
+          <a:bodyPr>
+            <a:normAutofit fontScale="70000" lnSpcReduction="20000"/>
+          </a:bodyPr>
           <a:lstStyle/>
           <a:p>
-            <a:endParaRPr lang="en-US"/>
+            <a:pPr marL="0" indent="0">
+              <a:buNone/>
+            </a:pPr>
+            <a:r>
+              <a:rPr lang="en-US" b="1" dirty="0"/>
+              <a:t>Project Intent: Collect, Clean, and Visualize data through Python. </a:t>
+            </a:r>
+          </a:p>
+          <a:p>
+            <a:pPr marL="0" indent="0">
+              <a:buNone/>
+            </a:pPr>
+            <a:r>
+              <a:rPr lang="en-US" b="1" dirty="0"/>
+              <a:t>Project Motivation:  Has Covid-19 impacted google searches? If So, How? </a:t>
+            </a:r>
+          </a:p>
+          <a:p>
+            <a:pPr marL="0" indent="0">
+              <a:buNone/>
+            </a:pPr>
+            <a:r>
+              <a:rPr lang="en-US" b="1" dirty="0"/>
+              <a:t>Team Assumptions: </a:t>
+            </a:r>
           </a:p>
         </p:txBody>
       </p:sp>
@@ -5378,6 +10767,95 @@
           <p:cNvPr id="2" name="Title 1">
             <a:extLst>
               <a:ext uri="{FF2B5EF4-FFF2-40B4-BE49-F238E27FC236}">
+                <a16:creationId xmlns:a16="http://schemas.microsoft.com/office/drawing/2014/main" id="{AC7A56D1-08D3-204B-A103-08F846CCDACA}"/>
+              </a:ext>
+            </a:extLst>
+          </p:cNvPr>
+          <p:cNvSpPr>
+            <a:spLocks noGrp="1"/>
+          </p:cNvSpPr>
+          <p:nvPr>
+            <p:ph type="title"/>
+          </p:nvPr>
+        </p:nvSpPr>
+        <p:spPr/>
+        <p:txBody>
+          <a:bodyPr/>
+          <a:lstStyle/>
+          <a:p>
+            <a:r>
+              <a:rPr lang="en-US" dirty="0"/>
+              <a:t>Summary</a:t>
+            </a:r>
+          </a:p>
+        </p:txBody>
+      </p:sp>
+      <p:graphicFrame>
+        <p:nvGraphicFramePr>
+          <p:cNvPr id="4" name="Content Placeholder 3">
+            <a:extLst>
+              <a:ext uri="{FF2B5EF4-FFF2-40B4-BE49-F238E27FC236}">
+                <a16:creationId xmlns:a16="http://schemas.microsoft.com/office/drawing/2014/main" id="{5F5F2778-FA99-FC48-8727-78F6C8E786C8}"/>
+              </a:ext>
+            </a:extLst>
+          </p:cNvPr>
+          <p:cNvGraphicFramePr>
+            <a:graphicFrameLocks noGrp="1"/>
+          </p:cNvGraphicFramePr>
+          <p:nvPr>
+            <p:ph idx="1"/>
+            <p:extLst>
+              <p:ext uri="{D42A27DB-BD31-4B8C-83A1-F6EECF244321}">
+                <p14:modId xmlns:p14="http://schemas.microsoft.com/office/powerpoint/2010/main" val="829118431"/>
+              </p:ext>
+            </p:extLst>
+          </p:nvPr>
+        </p:nvGraphicFramePr>
+        <p:xfrm>
+          <a:off x="77585" y="953324"/>
+          <a:ext cx="12036829" cy="4782458"/>
+        </p:xfrm>
+        <a:graphic>
+          <a:graphicData uri="http://schemas.openxmlformats.org/drawingml/2006/diagram">
+            <dgm:relIds xmlns:dgm="http://schemas.openxmlformats.org/drawingml/2006/diagram" xmlns:r="http://schemas.openxmlformats.org/officeDocument/2006/relationships" r:dm="rId2" r:lo="rId3" r:qs="rId4" r:cs="rId5"/>
+          </a:graphicData>
+        </a:graphic>
+      </p:graphicFrame>
+    </p:spTree>
+    <p:extLst>
+      <p:ext uri="{BB962C8B-B14F-4D97-AF65-F5344CB8AC3E}">
+        <p14:creationId xmlns:p14="http://schemas.microsoft.com/office/powerpoint/2010/main" val="2531205617"/>
+      </p:ext>
+    </p:extLst>
+  </p:cSld>
+  <p:clrMapOvr>
+    <a:masterClrMapping/>
+  </p:clrMapOvr>
+</p:sld>
+</file>
+
+<file path=ppt/slides/slide4.xml><?xml version="1.0" encoding="utf-8"?>
+<p:sld xmlns:a="http://schemas.openxmlformats.org/drawingml/2006/main" xmlns:r="http://schemas.openxmlformats.org/officeDocument/2006/relationships" xmlns:p="http://schemas.openxmlformats.org/presentationml/2006/main">
+  <p:cSld>
+    <p:spTree>
+      <p:nvGrpSpPr>
+        <p:cNvPr id="1" name=""/>
+        <p:cNvGrpSpPr/>
+        <p:nvPr/>
+      </p:nvGrpSpPr>
+      <p:grpSpPr>
+        <a:xfrm>
+          <a:off x="0" y="0"/>
+          <a:ext cx="0" cy="0"/>
+          <a:chOff x="0" y="0"/>
+          <a:chExt cx="0" cy="0"/>
+        </a:xfrm>
+      </p:grpSpPr>
+      <p:sp>
+        <p:nvSpPr>
+          <p:cNvPr id="2" name="Title 1">
+            <a:extLst>
+              <a:ext uri="{FF2B5EF4-FFF2-40B4-BE49-F238E27FC236}">
                 <a16:creationId xmlns:a16="http://schemas.microsoft.com/office/drawing/2014/main" id="{A97BA53E-C578-524F-8B1E-47EABA4A0AAF}"/>
               </a:ext>
             </a:extLst>
@@ -5440,7 +10918,7 @@
 </p:sld>
 </file>
 
-<file path=ppt/slides/slide4.xml><?xml version="1.0" encoding="utf-8"?>
+<file path=ppt/slides/slide5.xml><?xml version="1.0" encoding="utf-8"?>
 <p:sld xmlns:a="http://schemas.openxmlformats.org/drawingml/2006/main" xmlns:r="http://schemas.openxmlformats.org/officeDocument/2006/relationships" xmlns:p="http://schemas.openxmlformats.org/presentationml/2006/main">
   <p:cSld>
     <p:spTree>
@@ -5523,7 +11001,7 @@
 </p:sld>
 </file>
 
-<file path=ppt/slides/slide5.xml><?xml version="1.0" encoding="utf-8"?>
+<file path=ppt/slides/slide6.xml><?xml version="1.0" encoding="utf-8"?>
 <p:sld xmlns:a="http://schemas.openxmlformats.org/drawingml/2006/main" xmlns:r="http://schemas.openxmlformats.org/officeDocument/2006/relationships" xmlns:p="http://schemas.openxmlformats.org/presentationml/2006/main">
   <p:cSld>
     <p:spTree>
@@ -5606,7 +11084,7 @@
 </p:sld>
 </file>
 
-<file path=ppt/slides/slide6.xml><?xml version="1.0" encoding="utf-8"?>
+<file path=ppt/slides/slide7.xml><?xml version="1.0" encoding="utf-8"?>
 <p:sld xmlns:a="http://schemas.openxmlformats.org/drawingml/2006/main" xmlns:r="http://schemas.openxmlformats.org/officeDocument/2006/relationships" xmlns:p="http://schemas.openxmlformats.org/presentationml/2006/main">
   <p:cSld>
     <p:spTree>
@@ -5689,7 +11167,7 @@
 </p:sld>
 </file>
 
-<file path=ppt/slides/slide7.xml><?xml version="1.0" encoding="utf-8"?>
+<file path=ppt/slides/slide8.xml><?xml version="1.0" encoding="utf-8"?>
 <p:sld xmlns:a="http://schemas.openxmlformats.org/drawingml/2006/main" xmlns:r="http://schemas.openxmlformats.org/officeDocument/2006/relationships" xmlns:p="http://schemas.openxmlformats.org/presentationml/2006/main">
   <p:cSld>
     <p:spTree>
@@ -5772,7 +11250,7 @@
 </p:sld>
 </file>
 
-<file path=ppt/slides/slide8.xml><?xml version="1.0" encoding="utf-8"?>
+<file path=ppt/slides/slide9.xml><?xml version="1.0" encoding="utf-8"?>
 <p:sld xmlns:a="http://schemas.openxmlformats.org/drawingml/2006/main" xmlns:r="http://schemas.openxmlformats.org/officeDocument/2006/relationships" xmlns:p="http://schemas.openxmlformats.org/presentationml/2006/main">
   <p:cSld>
     <p:bg>

--- a/final/final_presentation.pptx
+++ b/final/final_presentation.pptx
@@ -892,7 +892,7 @@
         <a:lstStyle/>
         <a:p>
           <a:r>
-            <a:rPr lang="en-US" sz="2000" b="1" dirty="0"/>
+            <a:rPr lang="en-US" sz="2000" b="0" dirty="0"/>
             <a:t>Brainstorm</a:t>
           </a:r>
         </a:p>
@@ -928,7 +928,7 @@
         <a:lstStyle/>
         <a:p>
           <a:r>
-            <a:rPr lang="en-US" sz="1400" b="1" dirty="0"/>
+            <a:rPr lang="en-US" sz="1400" b="0" dirty="0"/>
             <a:t>Explore Data Sources</a:t>
           </a:r>
         </a:p>
@@ -964,7 +964,7 @@
         <a:lstStyle/>
         <a:p>
           <a:r>
-            <a:rPr lang="en-US" sz="2000" b="1" dirty="0"/>
+            <a:rPr lang="en-US" sz="2000" b="0" dirty="0"/>
             <a:t>Collect Data</a:t>
           </a:r>
         </a:p>
@@ -1000,7 +1000,7 @@
         <a:lstStyle/>
         <a:p>
           <a:r>
-            <a:rPr lang="en-US" sz="1400" b="1" dirty="0"/>
+            <a:rPr lang="en-US" sz="1400" b="0" dirty="0"/>
             <a:t>Covid-19 Cases</a:t>
           </a:r>
         </a:p>
@@ -1036,7 +1036,7 @@
         <a:lstStyle/>
         <a:p>
           <a:r>
-            <a:rPr lang="en-US" sz="2000" b="1" dirty="0"/>
+            <a:rPr lang="en-US" sz="2000" b="0" dirty="0"/>
             <a:t>Review</a:t>
           </a:r>
         </a:p>
@@ -1072,7 +1072,7 @@
         <a:lstStyle/>
         <a:p>
           <a:r>
-            <a:rPr lang="en-US" sz="2000" b="1" dirty="0"/>
+            <a:rPr lang="en-US" sz="2000" b="0" dirty="0"/>
             <a:t>Organize Data</a:t>
           </a:r>
         </a:p>
@@ -1108,7 +1108,11 @@
         <a:lstStyle/>
         <a:p>
           <a:r>
-            <a:rPr lang="en-US" sz="1400" b="1" dirty="0"/>
+            <a:rPr lang="en-US" sz="1400" b="0" dirty="0">
+              <a:solidFill>
+                <a:srgbClr val="FF0000"/>
+              </a:solidFill>
+            </a:rPr>
             <a:t>*Need to update</a:t>
           </a:r>
         </a:p>
@@ -1144,7 +1148,7 @@
         <a:lstStyle/>
         <a:p>
           <a:r>
-            <a:rPr lang="en-US" sz="2000" b="1" dirty="0"/>
+            <a:rPr lang="en-US" sz="2000" b="0" dirty="0"/>
             <a:t>Visualize Data</a:t>
           </a:r>
         </a:p>
@@ -1180,7 +1184,7 @@
         <a:lstStyle/>
         <a:p>
           <a:r>
-            <a:rPr lang="en-US" sz="2000" b="1" dirty="0"/>
+            <a:rPr lang="en-US" sz="2000" b="0" dirty="0"/>
             <a:t>Analyze </a:t>
           </a:r>
         </a:p>
@@ -1216,7 +1220,11 @@
         <a:lstStyle/>
         <a:p>
           <a:r>
-            <a:rPr lang="en-US" sz="1400" b="1" dirty="0"/>
+            <a:rPr lang="en-US" sz="1400" b="0" dirty="0">
+              <a:solidFill>
+                <a:srgbClr val="FF0000"/>
+              </a:solidFill>
+            </a:rPr>
             <a:t>*Need to Update</a:t>
           </a:r>
         </a:p>
@@ -1252,7 +1260,7 @@
         <a:lstStyle/>
         <a:p>
           <a:r>
-            <a:rPr lang="en-US" sz="2000" b="1" dirty="0"/>
+            <a:rPr lang="en-US" sz="2000" b="0" dirty="0"/>
             <a:t>Review</a:t>
           </a:r>
         </a:p>
@@ -1288,7 +1296,7 @@
         <a:lstStyle/>
         <a:p>
           <a:r>
-            <a:rPr lang="en-US" sz="1400" b="1" dirty="0"/>
+            <a:rPr lang="en-US" sz="1400" b="0" dirty="0"/>
             <a:t>Review Cleaned Data</a:t>
           </a:r>
         </a:p>
@@ -1324,7 +1332,11 @@
         <a:lstStyle/>
         <a:p>
           <a:r>
-            <a:rPr lang="en-US" sz="1400" b="1" dirty="0"/>
+            <a:rPr lang="en-US" sz="1400" b="0" dirty="0">
+              <a:solidFill>
+                <a:srgbClr val="FF0000"/>
+              </a:solidFill>
+            </a:rPr>
             <a:t>*Need to Update</a:t>
           </a:r>
         </a:p>
@@ -1360,7 +1372,7 @@
         <a:lstStyle/>
         <a:p>
           <a:r>
-            <a:rPr lang="en-US" sz="1400" b="1" dirty="0"/>
+            <a:rPr lang="en-US" sz="1400" b="0" dirty="0"/>
             <a:t>Consult TA's</a:t>
           </a:r>
         </a:p>
@@ -1396,7 +1408,7 @@
         <a:lstStyle/>
         <a:p>
           <a:r>
-            <a:rPr lang="en-US" sz="1400" b="1" dirty="0"/>
+            <a:rPr lang="en-US" sz="1400" b="0" dirty="0"/>
             <a:t>Define Project Hypothesis</a:t>
           </a:r>
         </a:p>
@@ -1432,7 +1444,7 @@
         <a:lstStyle/>
         <a:p>
           <a:r>
-            <a:rPr lang="en-US" sz="1400" b="1" dirty="0"/>
+            <a:rPr lang="en-US" sz="1400" b="0" dirty="0"/>
             <a:t>Google Search Trends</a:t>
           </a:r>
         </a:p>
@@ -1468,7 +1480,7 @@
         <a:lstStyle/>
         <a:p>
           <a:r>
-            <a:rPr lang="en-US" sz="1400" b="1" dirty="0"/>
+            <a:rPr lang="en-US" sz="1400" b="0" dirty="0"/>
             <a:t>State Restrictions</a:t>
           </a:r>
         </a:p>
@@ -1504,7 +1516,7 @@
         <a:lstStyle/>
         <a:p>
           <a:r>
-            <a:rPr lang="en-US" sz="1400" b="1" dirty="0"/>
+            <a:rPr lang="en-US" sz="1400" b="0" dirty="0"/>
             <a:t>Review Collected Data</a:t>
           </a:r>
         </a:p>
@@ -1540,7 +1552,7 @@
         <a:lstStyle/>
         <a:p>
           <a:r>
-            <a:rPr lang="en-US" sz="1400" b="1" dirty="0"/>
+            <a:rPr lang="en-US" sz="1400" b="0" dirty="0"/>
             <a:t>Defined a Common Measure</a:t>
           </a:r>
         </a:p>
@@ -1576,7 +1588,7 @@
         <a:lstStyle/>
         <a:p>
           <a:r>
-            <a:rPr lang="en-US" sz="1400" b="1" dirty="0"/>
+            <a:rPr lang="en-US" sz="1400" b="0" dirty="0"/>
             <a:t>Brainstorm Visualization ideas</a:t>
           </a:r>
         </a:p>
@@ -1991,8 +2003,8 @@
       </dsp:nvSpPr>
       <dsp:spPr>
         <a:xfrm>
-          <a:off x="4286" y="759099"/>
-          <a:ext cx="1534216" cy="840838"/>
+          <a:off x="2308" y="818720"/>
+          <a:ext cx="1478171" cy="810123"/>
         </a:xfrm>
         <a:prstGeom prst="roundRect">
           <a:avLst>
@@ -2053,14 +2065,14 @@
             <a:buNone/>
           </a:pPr>
           <a:r>
-            <a:rPr lang="en-US" sz="2000" b="1" kern="1200" dirty="0"/>
+            <a:rPr lang="en-US" sz="2000" b="0" kern="1200" dirty="0"/>
             <a:t>Brainstorm</a:t>
           </a:r>
         </a:p>
       </dsp:txBody>
       <dsp:txXfrm>
-        <a:off x="28913" y="783726"/>
-        <a:ext cx="1484962" cy="791584"/>
+        <a:off x="26036" y="842448"/>
+        <a:ext cx="1430715" cy="762667"/>
       </dsp:txXfrm>
     </dsp:sp>
     <dsp:sp modelId="{10D500A6-E33C-2340-9790-6D50B4EB2351}">
@@ -2070,8 +2082,8 @@
       </dsp:nvSpPr>
       <dsp:spPr>
         <a:xfrm rot="5400000">
-          <a:off x="737833" y="1633498"/>
-          <a:ext cx="67121" cy="67121"/>
+          <a:off x="709059" y="1661178"/>
+          <a:ext cx="64670" cy="64670"/>
         </a:xfrm>
         <a:prstGeom prst="rightArrow">
           <a:avLst>
@@ -2115,8 +2127,8 @@
       </dsp:nvSpPr>
       <dsp:spPr>
         <a:xfrm>
-          <a:off x="4286" y="1734181"/>
-          <a:ext cx="1534216" cy="673563"/>
+          <a:off x="2308" y="1758183"/>
+          <a:ext cx="1478171" cy="648958"/>
         </a:xfrm>
         <a:prstGeom prst="roundRect">
           <a:avLst>
@@ -2179,14 +2191,14 @@
             <a:buNone/>
           </a:pPr>
           <a:r>
-            <a:rPr lang="en-US" sz="1400" b="1" kern="1200" dirty="0"/>
+            <a:rPr lang="en-US" sz="1400" b="0" kern="1200" dirty="0"/>
             <a:t>Explore Data Sources</a:t>
           </a:r>
         </a:p>
       </dsp:txBody>
       <dsp:txXfrm>
-        <a:off x="24014" y="1753909"/>
-        <a:ext cx="1494760" cy="634107"/>
+        <a:off x="21315" y="1777190"/>
+        <a:ext cx="1440157" cy="610944"/>
       </dsp:txXfrm>
     </dsp:sp>
     <dsp:sp modelId="{242EBDB3-BF34-904E-A317-EBF6A1858597}">
@@ -2196,8 +2208,8 @@
       </dsp:nvSpPr>
       <dsp:spPr>
         <a:xfrm rot="5400000">
-          <a:off x="737833" y="2441305"/>
-          <a:ext cx="67121" cy="67121"/>
+          <a:off x="709059" y="2439476"/>
+          <a:ext cx="64670" cy="64670"/>
         </a:xfrm>
         <a:prstGeom prst="rightArrow">
           <a:avLst>
@@ -2241,8 +2253,8 @@
       </dsp:nvSpPr>
       <dsp:spPr>
         <a:xfrm>
-          <a:off x="4286" y="2541988"/>
-          <a:ext cx="1534216" cy="673563"/>
+          <a:off x="2308" y="2536481"/>
+          <a:ext cx="1478171" cy="648958"/>
         </a:xfrm>
         <a:prstGeom prst="roundRect">
           <a:avLst>
@@ -2305,14 +2317,14 @@
             <a:buNone/>
           </a:pPr>
           <a:r>
-            <a:rPr lang="en-US" sz="1400" b="1" kern="1200" dirty="0"/>
+            <a:rPr lang="en-US" sz="1400" b="0" kern="1200" dirty="0"/>
             <a:t>Consult TA's</a:t>
           </a:r>
         </a:p>
       </dsp:txBody>
       <dsp:txXfrm>
-        <a:off x="24014" y="2561716"/>
-        <a:ext cx="1494760" cy="634107"/>
+        <a:off x="21315" y="2555488"/>
+        <a:ext cx="1440157" cy="610944"/>
       </dsp:txXfrm>
     </dsp:sp>
     <dsp:sp modelId="{B59D26C6-8805-4F4F-9EFD-4D187FA5A925}">
@@ -2322,8 +2334,8 @@
       </dsp:nvSpPr>
       <dsp:spPr>
         <a:xfrm rot="5400000">
-          <a:off x="737833" y="3249112"/>
-          <a:ext cx="67121" cy="67121"/>
+          <a:off x="709059" y="3217774"/>
+          <a:ext cx="64670" cy="64670"/>
         </a:xfrm>
         <a:prstGeom prst="rightArrow">
           <a:avLst>
@@ -2367,8 +2379,8 @@
       </dsp:nvSpPr>
       <dsp:spPr>
         <a:xfrm>
-          <a:off x="4286" y="3349795"/>
-          <a:ext cx="1534216" cy="673563"/>
+          <a:off x="2308" y="3314779"/>
+          <a:ext cx="1478171" cy="648958"/>
         </a:xfrm>
         <a:prstGeom prst="roundRect">
           <a:avLst>
@@ -2431,14 +2443,14 @@
             <a:buNone/>
           </a:pPr>
           <a:r>
-            <a:rPr lang="en-US" sz="1400" b="1" kern="1200" dirty="0"/>
+            <a:rPr lang="en-US" sz="1400" b="0" kern="1200" dirty="0"/>
             <a:t>Define Project Hypothesis</a:t>
           </a:r>
         </a:p>
       </dsp:txBody>
       <dsp:txXfrm>
-        <a:off x="24014" y="3369523"/>
-        <a:ext cx="1494760" cy="634107"/>
+        <a:off x="21315" y="3333786"/>
+        <a:ext cx="1440157" cy="610944"/>
       </dsp:txXfrm>
     </dsp:sp>
     <dsp:sp modelId="{73B0273D-7348-4042-9720-ACA5A59E2CA7}">
@@ -2448,8 +2460,8 @@
       </dsp:nvSpPr>
       <dsp:spPr>
         <a:xfrm>
-          <a:off x="1753293" y="759099"/>
-          <a:ext cx="1534216" cy="840838"/>
+          <a:off x="1687424" y="818720"/>
+          <a:ext cx="1478171" cy="810123"/>
         </a:xfrm>
         <a:prstGeom prst="roundRect">
           <a:avLst>
@@ -2510,14 +2522,14 @@
             <a:buNone/>
           </a:pPr>
           <a:r>
-            <a:rPr lang="en-US" sz="2000" b="1" kern="1200" dirty="0"/>
+            <a:rPr lang="en-US" sz="2000" b="0" kern="1200" dirty="0"/>
             <a:t>Collect Data</a:t>
           </a:r>
         </a:p>
       </dsp:txBody>
       <dsp:txXfrm>
-        <a:off x="1777920" y="783726"/>
-        <a:ext cx="1484962" cy="791584"/>
+        <a:off x="1711152" y="842448"/>
+        <a:ext cx="1430715" cy="762667"/>
       </dsp:txXfrm>
     </dsp:sp>
     <dsp:sp modelId="{3354D689-792B-BF41-8E28-F8CA6A7F8841}">
@@ -2527,8 +2539,8 @@
       </dsp:nvSpPr>
       <dsp:spPr>
         <a:xfrm rot="5400000">
-          <a:off x="2486840" y="1633498"/>
-          <a:ext cx="67121" cy="67121"/>
+          <a:off x="2394175" y="1661178"/>
+          <a:ext cx="64670" cy="64670"/>
         </a:xfrm>
         <a:prstGeom prst="rightArrow">
           <a:avLst>
@@ -2572,8 +2584,8 @@
       </dsp:nvSpPr>
       <dsp:spPr>
         <a:xfrm>
-          <a:off x="1753293" y="1734181"/>
-          <a:ext cx="1534216" cy="673563"/>
+          <a:off x="1687424" y="1758183"/>
+          <a:ext cx="1478171" cy="648958"/>
         </a:xfrm>
         <a:prstGeom prst="roundRect">
           <a:avLst>
@@ -2636,14 +2648,14 @@
             <a:buNone/>
           </a:pPr>
           <a:r>
-            <a:rPr lang="en-US" sz="1400" b="1" kern="1200" dirty="0"/>
+            <a:rPr lang="en-US" sz="1400" b="0" kern="1200" dirty="0"/>
             <a:t>Covid-19 Cases</a:t>
           </a:r>
         </a:p>
       </dsp:txBody>
       <dsp:txXfrm>
-        <a:off x="1773021" y="1753909"/>
-        <a:ext cx="1494760" cy="634107"/>
+        <a:off x="1706431" y="1777190"/>
+        <a:ext cx="1440157" cy="610944"/>
       </dsp:txXfrm>
     </dsp:sp>
     <dsp:sp modelId="{6C2A8A67-2B11-7746-8141-CB9515E7AF09}">
@@ -2653,8 +2665,8 @@
       </dsp:nvSpPr>
       <dsp:spPr>
         <a:xfrm rot="5400000">
-          <a:off x="2486840" y="2441305"/>
-          <a:ext cx="67121" cy="67121"/>
+          <a:off x="2394175" y="2439476"/>
+          <a:ext cx="64670" cy="64670"/>
         </a:xfrm>
         <a:prstGeom prst="rightArrow">
           <a:avLst>
@@ -2698,8 +2710,8 @@
       </dsp:nvSpPr>
       <dsp:spPr>
         <a:xfrm>
-          <a:off x="1753293" y="2541988"/>
-          <a:ext cx="1534216" cy="673563"/>
+          <a:off x="1687424" y="2536481"/>
+          <a:ext cx="1478171" cy="648958"/>
         </a:xfrm>
         <a:prstGeom prst="roundRect">
           <a:avLst>
@@ -2762,14 +2774,14 @@
             <a:buNone/>
           </a:pPr>
           <a:r>
-            <a:rPr lang="en-US" sz="1400" b="1" kern="1200" dirty="0"/>
+            <a:rPr lang="en-US" sz="1400" b="0" kern="1200" dirty="0"/>
             <a:t>Google Search Trends</a:t>
           </a:r>
         </a:p>
       </dsp:txBody>
       <dsp:txXfrm>
-        <a:off x="1773021" y="2561716"/>
-        <a:ext cx="1494760" cy="634107"/>
+        <a:off x="1706431" y="2555488"/>
+        <a:ext cx="1440157" cy="610944"/>
       </dsp:txXfrm>
     </dsp:sp>
     <dsp:sp modelId="{E1583A09-4CA6-9743-9A41-03E64C4D547D}">
@@ -2779,8 +2791,8 @@
       </dsp:nvSpPr>
       <dsp:spPr>
         <a:xfrm rot="5400000">
-          <a:off x="2486840" y="3249112"/>
-          <a:ext cx="67121" cy="67121"/>
+          <a:off x="2394175" y="3217774"/>
+          <a:ext cx="64670" cy="64670"/>
         </a:xfrm>
         <a:prstGeom prst="rightArrow">
           <a:avLst>
@@ -2824,8 +2836,8 @@
       </dsp:nvSpPr>
       <dsp:spPr>
         <a:xfrm>
-          <a:off x="1753293" y="3349795"/>
-          <a:ext cx="1534216" cy="673563"/>
+          <a:off x="1687424" y="3314779"/>
+          <a:ext cx="1478171" cy="648958"/>
         </a:xfrm>
         <a:prstGeom prst="roundRect">
           <a:avLst>
@@ -2888,14 +2900,14 @@
             <a:buNone/>
           </a:pPr>
           <a:r>
-            <a:rPr lang="en-US" sz="1400" b="1" kern="1200" dirty="0"/>
+            <a:rPr lang="en-US" sz="1400" b="0" kern="1200" dirty="0"/>
             <a:t>State Restrictions</a:t>
           </a:r>
         </a:p>
       </dsp:txBody>
       <dsp:txXfrm>
-        <a:off x="1773021" y="3369523"/>
-        <a:ext cx="1494760" cy="634107"/>
+        <a:off x="1706431" y="3333786"/>
+        <a:ext cx="1440157" cy="610944"/>
       </dsp:txXfrm>
     </dsp:sp>
     <dsp:sp modelId="{088683D4-4D78-5C4D-A6BC-BAC7FDA2C5B7}">
@@ -2905,8 +2917,8 @@
       </dsp:nvSpPr>
       <dsp:spPr>
         <a:xfrm>
-          <a:off x="3502299" y="759099"/>
-          <a:ext cx="1534216" cy="840838"/>
+          <a:off x="3372540" y="818720"/>
+          <a:ext cx="1478171" cy="810123"/>
         </a:xfrm>
         <a:prstGeom prst="roundRect">
           <a:avLst>
@@ -2967,14 +2979,14 @@
             <a:buNone/>
           </a:pPr>
           <a:r>
-            <a:rPr lang="en-US" sz="2000" b="1" kern="1200" dirty="0"/>
+            <a:rPr lang="en-US" sz="2000" b="0" kern="1200" dirty="0"/>
             <a:t>Review</a:t>
           </a:r>
         </a:p>
       </dsp:txBody>
       <dsp:txXfrm>
-        <a:off x="3526926" y="783726"/>
-        <a:ext cx="1484962" cy="791584"/>
+        <a:off x="3396268" y="842448"/>
+        <a:ext cx="1430715" cy="762667"/>
       </dsp:txXfrm>
     </dsp:sp>
     <dsp:sp modelId="{416B8FE7-7D59-1F4D-A25C-34ABB384F8D1}">
@@ -2984,8 +2996,8 @@
       </dsp:nvSpPr>
       <dsp:spPr>
         <a:xfrm rot="5400000">
-          <a:off x="4235846" y="1633498"/>
-          <a:ext cx="67121" cy="67121"/>
+          <a:off x="4079291" y="1661178"/>
+          <a:ext cx="64670" cy="64670"/>
         </a:xfrm>
         <a:prstGeom prst="rightArrow">
           <a:avLst>
@@ -3029,8 +3041,8 @@
       </dsp:nvSpPr>
       <dsp:spPr>
         <a:xfrm>
-          <a:off x="3502299" y="1734181"/>
-          <a:ext cx="1534216" cy="673563"/>
+          <a:off x="3372540" y="1758183"/>
+          <a:ext cx="1478171" cy="648958"/>
         </a:xfrm>
         <a:prstGeom prst="roundRect">
           <a:avLst>
@@ -3093,14 +3105,14 @@
             <a:buNone/>
           </a:pPr>
           <a:r>
-            <a:rPr lang="en-US" sz="1400" b="1" kern="1200" dirty="0"/>
+            <a:rPr lang="en-US" sz="1400" b="0" kern="1200" dirty="0"/>
             <a:t>Review Collected Data</a:t>
           </a:r>
         </a:p>
       </dsp:txBody>
       <dsp:txXfrm>
-        <a:off x="3522027" y="1753909"/>
-        <a:ext cx="1494760" cy="634107"/>
+        <a:off x="3391547" y="1777190"/>
+        <a:ext cx="1440157" cy="610944"/>
       </dsp:txXfrm>
     </dsp:sp>
     <dsp:sp modelId="{1073260A-A87E-1042-8C61-FD32C3E2990B}">
@@ -3110,8 +3122,8 @@
       </dsp:nvSpPr>
       <dsp:spPr>
         <a:xfrm rot="5400000">
-          <a:off x="4235846" y="2441305"/>
-          <a:ext cx="67121" cy="67121"/>
+          <a:off x="4079291" y="2439476"/>
+          <a:ext cx="64670" cy="64670"/>
         </a:xfrm>
         <a:prstGeom prst="rightArrow">
           <a:avLst>
@@ -3155,8 +3167,8 @@
       </dsp:nvSpPr>
       <dsp:spPr>
         <a:xfrm>
-          <a:off x="3502299" y="2541988"/>
-          <a:ext cx="1534216" cy="673563"/>
+          <a:off x="3372540" y="2536481"/>
+          <a:ext cx="1478171" cy="648958"/>
         </a:xfrm>
         <a:prstGeom prst="roundRect">
           <a:avLst>
@@ -3219,14 +3231,14 @@
             <a:buNone/>
           </a:pPr>
           <a:r>
-            <a:rPr lang="en-US" sz="1400" b="1" kern="1200" dirty="0"/>
+            <a:rPr lang="en-US" sz="1400" b="0" kern="1200" dirty="0"/>
             <a:t>Defined a Common Measure</a:t>
           </a:r>
         </a:p>
       </dsp:txBody>
       <dsp:txXfrm>
-        <a:off x="3522027" y="2561716"/>
-        <a:ext cx="1494760" cy="634107"/>
+        <a:off x="3391547" y="2555488"/>
+        <a:ext cx="1440157" cy="610944"/>
       </dsp:txXfrm>
     </dsp:sp>
     <dsp:sp modelId="{4ADE6C04-70AD-0446-B6FD-35079C49FFD6}">
@@ -3236,8 +3248,8 @@
       </dsp:nvSpPr>
       <dsp:spPr>
         <a:xfrm>
-          <a:off x="5251306" y="759099"/>
-          <a:ext cx="1534216" cy="840838"/>
+          <a:off x="5057656" y="818720"/>
+          <a:ext cx="1478171" cy="810123"/>
         </a:xfrm>
         <a:prstGeom prst="roundRect">
           <a:avLst>
@@ -3298,14 +3310,14 @@
             <a:buNone/>
           </a:pPr>
           <a:r>
-            <a:rPr lang="en-US" sz="2000" b="1" kern="1200" dirty="0"/>
+            <a:rPr lang="en-US" sz="2000" b="0" kern="1200" dirty="0"/>
             <a:t>Organize Data</a:t>
           </a:r>
         </a:p>
       </dsp:txBody>
       <dsp:txXfrm>
-        <a:off x="5275933" y="783726"/>
-        <a:ext cx="1484962" cy="791584"/>
+        <a:off x="5081384" y="842448"/>
+        <a:ext cx="1430715" cy="762667"/>
       </dsp:txXfrm>
     </dsp:sp>
     <dsp:sp modelId="{F2A709A2-1CA5-9646-9DB5-432064AF85DB}">
@@ -3315,8 +3327,8 @@
       </dsp:nvSpPr>
       <dsp:spPr>
         <a:xfrm rot="5400000">
-          <a:off x="5984853" y="1633498"/>
-          <a:ext cx="67121" cy="67121"/>
+          <a:off x="5764406" y="1661178"/>
+          <a:ext cx="64670" cy="64670"/>
         </a:xfrm>
         <a:prstGeom prst="rightArrow">
           <a:avLst>
@@ -3360,8 +3372,8 @@
       </dsp:nvSpPr>
       <dsp:spPr>
         <a:xfrm>
-          <a:off x="5251306" y="1734181"/>
-          <a:ext cx="1534216" cy="673563"/>
+          <a:off x="5057656" y="1758183"/>
+          <a:ext cx="1478171" cy="648958"/>
         </a:xfrm>
         <a:prstGeom prst="roundRect">
           <a:avLst>
@@ -3424,14 +3436,18 @@
             <a:buNone/>
           </a:pPr>
           <a:r>
-            <a:rPr lang="en-US" sz="1400" b="1" kern="1200" dirty="0"/>
+            <a:rPr lang="en-US" sz="1400" b="0" kern="1200" dirty="0">
+              <a:solidFill>
+                <a:srgbClr val="FF0000"/>
+              </a:solidFill>
+            </a:rPr>
             <a:t>*Need to update</a:t>
           </a:r>
         </a:p>
       </dsp:txBody>
       <dsp:txXfrm>
-        <a:off x="5271034" y="1753909"/>
-        <a:ext cx="1494760" cy="634107"/>
+        <a:off x="5076663" y="1777190"/>
+        <a:ext cx="1440157" cy="610944"/>
       </dsp:txXfrm>
     </dsp:sp>
     <dsp:sp modelId="{293EE86D-6C95-C54D-B190-C6810E79A98B}">
@@ -3441,8 +3457,8 @@
       </dsp:nvSpPr>
       <dsp:spPr>
         <a:xfrm>
-          <a:off x="7000312" y="759099"/>
-          <a:ext cx="1534216" cy="840838"/>
+          <a:off x="6742771" y="818720"/>
+          <a:ext cx="1478171" cy="810123"/>
         </a:xfrm>
         <a:prstGeom prst="roundRect">
           <a:avLst>
@@ -3503,14 +3519,14 @@
             <a:buNone/>
           </a:pPr>
           <a:r>
-            <a:rPr lang="en-US" sz="2000" b="1" kern="1200" dirty="0"/>
+            <a:rPr lang="en-US" sz="2000" b="0" kern="1200" dirty="0"/>
             <a:t>Review</a:t>
           </a:r>
         </a:p>
       </dsp:txBody>
       <dsp:txXfrm>
-        <a:off x="7024939" y="783726"/>
-        <a:ext cx="1484962" cy="791584"/>
+        <a:off x="6766499" y="842448"/>
+        <a:ext cx="1430715" cy="762667"/>
       </dsp:txXfrm>
     </dsp:sp>
     <dsp:sp modelId="{0E4E1DC6-D79B-7A43-A6A4-7AAEB5BA0D36}">
@@ -3520,8 +3536,8 @@
       </dsp:nvSpPr>
       <dsp:spPr>
         <a:xfrm rot="5400000">
-          <a:off x="7733860" y="1633498"/>
-          <a:ext cx="67121" cy="67121"/>
+          <a:off x="7449522" y="1661178"/>
+          <a:ext cx="64670" cy="64670"/>
         </a:xfrm>
         <a:prstGeom prst="rightArrow">
           <a:avLst>
@@ -3565,8 +3581,8 @@
       </dsp:nvSpPr>
       <dsp:spPr>
         <a:xfrm>
-          <a:off x="7000312" y="1734181"/>
-          <a:ext cx="1534216" cy="673563"/>
+          <a:off x="6742771" y="1758183"/>
+          <a:ext cx="1478171" cy="648958"/>
         </a:xfrm>
         <a:prstGeom prst="roundRect">
           <a:avLst>
@@ -3629,14 +3645,14 @@
             <a:buNone/>
           </a:pPr>
           <a:r>
-            <a:rPr lang="en-US" sz="1400" b="1" kern="1200" dirty="0"/>
+            <a:rPr lang="en-US" sz="1400" b="0" kern="1200" dirty="0"/>
             <a:t>Review Cleaned Data</a:t>
           </a:r>
         </a:p>
       </dsp:txBody>
       <dsp:txXfrm>
-        <a:off x="7020040" y="1753909"/>
-        <a:ext cx="1494760" cy="634107"/>
+        <a:off x="6761778" y="1777190"/>
+        <a:ext cx="1440157" cy="610944"/>
       </dsp:txXfrm>
     </dsp:sp>
     <dsp:sp modelId="{031ABB83-D440-6D4B-8064-F980922F428F}">
@@ -3646,8 +3662,8 @@
       </dsp:nvSpPr>
       <dsp:spPr>
         <a:xfrm rot="5400000">
-          <a:off x="7733860" y="2441305"/>
-          <a:ext cx="67121" cy="67121"/>
+          <a:off x="7449522" y="2439476"/>
+          <a:ext cx="64670" cy="64670"/>
         </a:xfrm>
         <a:prstGeom prst="rightArrow">
           <a:avLst>
@@ -3691,8 +3707,8 @@
       </dsp:nvSpPr>
       <dsp:spPr>
         <a:xfrm>
-          <a:off x="7000312" y="2541988"/>
-          <a:ext cx="1534216" cy="673563"/>
+          <a:off x="6742771" y="2536481"/>
+          <a:ext cx="1478171" cy="648958"/>
         </a:xfrm>
         <a:prstGeom prst="roundRect">
           <a:avLst>
@@ -3755,14 +3771,14 @@
             <a:buNone/>
           </a:pPr>
           <a:r>
-            <a:rPr lang="en-US" sz="1400" b="1" kern="1200" dirty="0"/>
+            <a:rPr lang="en-US" sz="1400" b="0" kern="1200" dirty="0"/>
             <a:t>Brainstorm Visualization ideas</a:t>
           </a:r>
         </a:p>
       </dsp:txBody>
       <dsp:txXfrm>
-        <a:off x="7020040" y="2561716"/>
-        <a:ext cx="1494760" cy="634107"/>
+        <a:off x="6761778" y="2555488"/>
+        <a:ext cx="1440157" cy="610944"/>
       </dsp:txXfrm>
     </dsp:sp>
     <dsp:sp modelId="{CD251BD9-1808-994A-9D7B-44D585859501}">
@@ -3772,8 +3788,8 @@
       </dsp:nvSpPr>
       <dsp:spPr>
         <a:xfrm>
-          <a:off x="8749319" y="759099"/>
-          <a:ext cx="1534216" cy="840838"/>
+          <a:off x="8427887" y="818720"/>
+          <a:ext cx="1478171" cy="810123"/>
         </a:xfrm>
         <a:prstGeom prst="roundRect">
           <a:avLst>
@@ -3834,14 +3850,14 @@
             <a:buNone/>
           </a:pPr>
           <a:r>
-            <a:rPr lang="en-US" sz="2000" b="1" kern="1200" dirty="0"/>
+            <a:rPr lang="en-US" sz="2000" b="0" kern="1200" dirty="0"/>
             <a:t>Visualize Data</a:t>
           </a:r>
         </a:p>
       </dsp:txBody>
       <dsp:txXfrm>
-        <a:off x="8773946" y="783726"/>
-        <a:ext cx="1484962" cy="791584"/>
+        <a:off x="8451615" y="842448"/>
+        <a:ext cx="1430715" cy="762667"/>
       </dsp:txXfrm>
     </dsp:sp>
     <dsp:sp modelId="{B6D64924-3669-9347-BC66-29FB0474CBE3}">
@@ -3851,8 +3867,8 @@
       </dsp:nvSpPr>
       <dsp:spPr>
         <a:xfrm rot="5400000">
-          <a:off x="9482866" y="1633498"/>
-          <a:ext cx="67121" cy="67121"/>
+          <a:off x="9134638" y="1661178"/>
+          <a:ext cx="64670" cy="64670"/>
         </a:xfrm>
         <a:prstGeom prst="rightArrow">
           <a:avLst>
@@ -3896,8 +3912,8 @@
       </dsp:nvSpPr>
       <dsp:spPr>
         <a:xfrm>
-          <a:off x="8749319" y="1734181"/>
-          <a:ext cx="1534216" cy="673563"/>
+          <a:off x="8427887" y="1758183"/>
+          <a:ext cx="1478171" cy="648958"/>
         </a:xfrm>
         <a:prstGeom prst="roundRect">
           <a:avLst>
@@ -3960,14 +3976,18 @@
             <a:buNone/>
           </a:pPr>
           <a:r>
-            <a:rPr lang="en-US" sz="1400" b="1" kern="1200" dirty="0"/>
+            <a:rPr lang="en-US" sz="1400" b="0" kern="1200" dirty="0">
+              <a:solidFill>
+                <a:srgbClr val="FF0000"/>
+              </a:solidFill>
+            </a:rPr>
             <a:t>*Need to Update</a:t>
           </a:r>
         </a:p>
       </dsp:txBody>
       <dsp:txXfrm>
-        <a:off x="8769047" y="1753909"/>
-        <a:ext cx="1494760" cy="634107"/>
+        <a:off x="8446894" y="1777190"/>
+        <a:ext cx="1440157" cy="610944"/>
       </dsp:txXfrm>
     </dsp:sp>
     <dsp:sp modelId="{69FBF7F5-8FE6-A845-9DD2-9B15C98D71DA}">
@@ -3977,8 +3997,8 @@
       </dsp:nvSpPr>
       <dsp:spPr>
         <a:xfrm>
-          <a:off x="10498325" y="759099"/>
-          <a:ext cx="1534216" cy="840838"/>
+          <a:off x="10113003" y="818720"/>
+          <a:ext cx="1478171" cy="810123"/>
         </a:xfrm>
         <a:prstGeom prst="roundRect">
           <a:avLst>
@@ -4039,14 +4059,14 @@
             <a:buNone/>
           </a:pPr>
           <a:r>
-            <a:rPr lang="en-US" sz="2000" b="1" kern="1200" dirty="0"/>
+            <a:rPr lang="en-US" sz="2000" b="0" kern="1200" dirty="0"/>
             <a:t>Analyze </a:t>
           </a:r>
         </a:p>
       </dsp:txBody>
       <dsp:txXfrm>
-        <a:off x="10522952" y="783726"/>
-        <a:ext cx="1484962" cy="791584"/>
+        <a:off x="10136731" y="842448"/>
+        <a:ext cx="1430715" cy="762667"/>
       </dsp:txXfrm>
     </dsp:sp>
     <dsp:sp modelId="{4392A30B-F377-954A-B7E2-CA21997708C9}">
@@ -4056,8 +4076,8 @@
       </dsp:nvSpPr>
       <dsp:spPr>
         <a:xfrm rot="5400000">
-          <a:off x="11231873" y="1633498"/>
-          <a:ext cx="67121" cy="67121"/>
+          <a:off x="10819754" y="1661178"/>
+          <a:ext cx="64670" cy="64670"/>
         </a:xfrm>
         <a:prstGeom prst="rightArrow">
           <a:avLst>
@@ -4101,8 +4121,8 @@
       </dsp:nvSpPr>
       <dsp:spPr>
         <a:xfrm>
-          <a:off x="10498325" y="1734181"/>
-          <a:ext cx="1534216" cy="673563"/>
+          <a:off x="10113003" y="1758183"/>
+          <a:ext cx="1478171" cy="648958"/>
         </a:xfrm>
         <a:prstGeom prst="roundRect">
           <a:avLst>
@@ -4165,14 +4185,18 @@
             <a:buNone/>
           </a:pPr>
           <a:r>
-            <a:rPr lang="en-US" sz="1400" b="1" kern="1200" dirty="0"/>
+            <a:rPr lang="en-US" sz="1400" b="0" kern="1200" dirty="0">
+              <a:solidFill>
+                <a:srgbClr val="FF0000"/>
+              </a:solidFill>
+            </a:rPr>
             <a:t>*Need to Update</a:t>
           </a:r>
         </a:p>
       </dsp:txBody>
       <dsp:txXfrm>
-        <a:off x="10518053" y="1753909"/>
-        <a:ext cx="1494760" cy="634107"/>
+        <a:off x="10132010" y="1777190"/>
+        <a:ext cx="1440157" cy="610944"/>
       </dsp:txXfrm>
     </dsp:sp>
   </dsp:spTree>
@@ -5966,7 +5990,7 @@
           <a:p>
             <a:r>
               <a:rPr lang="en-US" dirty="0"/>
-              <a:t>Motivation &amp; Summary Slide</a:t>
+              <a:t>(Read Me) Motivation &amp; Summary Slide</a:t>
             </a:r>
           </a:p>
           <a:p>
@@ -10671,7 +10695,7 @@
           <a:p>
             <a:r>
               <a:rPr lang="en-US" dirty="0"/>
-              <a:t>Motivation  </a:t>
+              <a:t>Read Me  </a:t>
             </a:r>
           </a:p>
         </p:txBody>
@@ -10694,13 +10718,13 @@
         </p:nvSpPr>
         <p:spPr>
           <a:xfrm>
-            <a:off x="1157979" y="1675280"/>
-            <a:ext cx="9603275" cy="1049236"/>
+            <a:off x="1157979" y="1596044"/>
+            <a:ext cx="9603275" cy="4308632"/>
           </a:xfrm>
         </p:spPr>
         <p:txBody>
           <a:bodyPr>
-            <a:normAutofit fontScale="70000" lnSpcReduction="20000"/>
+            <a:normAutofit/>
           </a:bodyPr>
           <a:lstStyle/>
           <a:p>
@@ -10708,8 +10732,12 @@
               <a:buNone/>
             </a:pPr>
             <a:r>
-              <a:rPr lang="en-US" b="1" dirty="0"/>
-              <a:t>Project Intent: Collect, Clean, and Visualize data through Python. </a:t>
+              <a:rPr lang="en-US" sz="1800" i="1" dirty="0"/>
+              <a:t>Project Intent:  </a:t>
+            </a:r>
+            <a:r>
+              <a:rPr lang="en-US" sz="1800" dirty="0"/>
+              <a:t>Collect, Clean, and Visualize data using Python. </a:t>
             </a:r>
           </a:p>
           <a:p>
@@ -10717,8 +10745,12 @@
               <a:buNone/>
             </a:pPr>
             <a:r>
-              <a:rPr lang="en-US" b="1" dirty="0"/>
-              <a:t>Project Motivation:  Has Covid-19 impacted google searches? If So, How? </a:t>
+              <a:rPr lang="en-US" sz="1800" i="1" dirty="0"/>
+              <a:t>Motivation: </a:t>
+            </a:r>
+            <a:r>
+              <a:rPr lang="en-US" sz="1800" dirty="0"/>
+              <a:t>Take advantage of the widely available Data resources. Pick a concept that can be analyzed on multiple factors (time, location, volume).</a:t>
             </a:r>
           </a:p>
           <a:p>
@@ -10726,8 +10758,76 @@
               <a:buNone/>
             </a:pPr>
             <a:r>
-              <a:rPr lang="en-US" b="1" dirty="0"/>
+              <a:rPr lang="en-US" sz="1800" i="1" dirty="0"/>
+              <a:t>Project Theme: </a:t>
+            </a:r>
+            <a:r>
+              <a:rPr lang="en-US" sz="1800" dirty="0"/>
+              <a:t>Exploration of Top Google Searches in the US between 2018-2020.</a:t>
+            </a:r>
+          </a:p>
+          <a:p>
+            <a:pPr marL="0" indent="0">
+              <a:buNone/>
+            </a:pPr>
+            <a:r>
+              <a:rPr lang="en-US" sz="1800" i="1" dirty="0"/>
+              <a:t>Key Questions: </a:t>
+            </a:r>
+            <a:r>
+              <a:rPr lang="en-US" sz="1800" dirty="0"/>
+              <a:t>Has Covid-19 impacted google searches? If so, How? Where? Did State Restrictions play a Factor?</a:t>
+            </a:r>
+          </a:p>
+          <a:p>
+            <a:pPr marL="0" indent="0">
+              <a:buNone/>
+            </a:pPr>
+            <a:r>
+              <a:rPr lang="en-US" sz="1800" i="1" dirty="0"/>
               <a:t>Team Assumptions: </a:t>
+            </a:r>
+          </a:p>
+          <a:p>
+            <a:pPr marL="457200" indent="-457200">
+              <a:buFont typeface="+mj-lt"/>
+              <a:buAutoNum type="arabicPeriod"/>
+            </a:pPr>
+            <a:r>
+              <a:rPr lang="en-US" sz="1800" dirty="0">
+                <a:solidFill>
+                  <a:srgbClr val="FF0000"/>
+                </a:solidFill>
+              </a:rPr>
+              <a:t>Update with team assumption #1</a:t>
+            </a:r>
+          </a:p>
+          <a:p>
+            <a:pPr marL="457200" indent="-457200">
+              <a:buFont typeface="+mj-lt"/>
+              <a:buAutoNum type="arabicPeriod"/>
+            </a:pPr>
+            <a:r>
+              <a:rPr lang="en-US" sz="1800" dirty="0">
+                <a:solidFill>
+                  <a:srgbClr val="FF0000"/>
+                </a:solidFill>
+              </a:rPr>
+              <a:t>Update with team assumption #2</a:t>
+            </a:r>
+          </a:p>
+          <a:p>
+            <a:pPr marL="457200" indent="-457200">
+              <a:buFont typeface="+mj-lt"/>
+              <a:buAutoNum type="arabicPeriod"/>
+            </a:pPr>
+            <a:r>
+              <a:rPr lang="en-US" sz="1800" dirty="0">
+                <a:solidFill>
+                  <a:srgbClr val="FF0000"/>
+                </a:solidFill>
+              </a:rPr>
+              <a:t>Update with team assumption #3 (if we have that many) </a:t>
             </a:r>
           </a:p>
         </p:txBody>
@@ -10806,14 +10906,14 @@
             <p:ph idx="1"/>
             <p:extLst>
               <p:ext uri="{D42A27DB-BD31-4B8C-83A1-F6EECF244321}">
-                <p14:modId xmlns:p14="http://schemas.microsoft.com/office/powerpoint/2010/main" val="829118431"/>
+                <p14:modId xmlns:p14="http://schemas.microsoft.com/office/powerpoint/2010/main" val="4230966206"/>
               </p:ext>
             </p:extLst>
           </p:nvPr>
         </p:nvGraphicFramePr>
         <p:xfrm>
-          <a:off x="77585" y="953324"/>
-          <a:ext cx="12036829" cy="4782458"/>
+          <a:off x="299258" y="925746"/>
+          <a:ext cx="11593484" cy="4782458"/>
         </p:xfrm>
         <a:graphic>
           <a:graphicData uri="http://schemas.openxmlformats.org/drawingml/2006/diagram">

--- a/final/final_presentation.pptx
+++ b/final/final_presentation.pptx
@@ -1030,7 +1030,11 @@
     </dgm:pt>
     <dgm:pt modelId="{5A893E2B-E89B-BE4C-AF3C-5533CC0FD0E6}">
       <dgm:prSet phldrT="[Text]" custT="1"/>
-      <dgm:spPr/>
+      <dgm:spPr>
+        <a:solidFill>
+          <a:srgbClr val="FFC000"/>
+        </a:solidFill>
+      </dgm:spPr>
       <dgm:t>
         <a:bodyPr/>
         <a:lstStyle/>
@@ -1254,7 +1258,11 @@
     </dgm:pt>
     <dgm:pt modelId="{58A80F11-9CE8-1848-8441-1AD38C2CABBA}">
       <dgm:prSet custT="1"/>
-      <dgm:spPr/>
+      <dgm:spPr>
+        <a:solidFill>
+          <a:srgbClr val="FFC000"/>
+        </a:solidFill>
+      </dgm:spPr>
       <dgm:t>
         <a:bodyPr/>
         <a:lstStyle/>
@@ -2926,12 +2934,7 @@
           </a:avLst>
         </a:prstGeom>
         <a:solidFill>
-          <a:schemeClr val="accent1">
-            <a:hueOff val="0"/>
-            <a:satOff val="0"/>
-            <a:lumOff val="0"/>
-            <a:alphaOff val="0"/>
-          </a:schemeClr>
+          <a:srgbClr val="FFC000"/>
         </a:solidFill>
         <a:ln w="15875" cap="flat" cmpd="sng" algn="ctr">
           <a:solidFill>
@@ -3466,12 +3469,7 @@
           </a:avLst>
         </a:prstGeom>
         <a:solidFill>
-          <a:schemeClr val="accent1">
-            <a:hueOff val="0"/>
-            <a:satOff val="0"/>
-            <a:lumOff val="0"/>
-            <a:alphaOff val="0"/>
-          </a:schemeClr>
+          <a:srgbClr val="FFC000"/>
         </a:solidFill>
         <a:ln w="15875" cap="flat" cmpd="sng" algn="ctr">
           <a:solidFill>
@@ -10776,7 +10774,7 @@
             </a:r>
             <a:r>
               <a:rPr lang="en-US" sz="1800" dirty="0"/>
-              <a:t>Has Covid-19 impacted google searches? If so, How? Where? Did State Restrictions play a Factor?</a:t>
+              <a:t>Has Covid-19 impacted Google searches in the US? If so, How? Where? Did State Restrictions play a Factor?</a:t>
             </a:r>
           </a:p>
           <a:p>
@@ -10906,7 +10904,7 @@
             <p:ph idx="1"/>
             <p:extLst>
               <p:ext uri="{D42A27DB-BD31-4B8C-83A1-F6EECF244321}">
-                <p14:modId xmlns:p14="http://schemas.microsoft.com/office/powerpoint/2010/main" val="4230966206"/>
+                <p14:modId xmlns:p14="http://schemas.microsoft.com/office/powerpoint/2010/main" val="3981583366"/>
               </p:ext>
             </p:extLst>
           </p:nvPr>
@@ -10921,6 +10919,113 @@
           </a:graphicData>
         </a:graphic>
       </p:graphicFrame>
+      <p:sp>
+        <p:nvSpPr>
+          <p:cNvPr id="3" name="Rounded Rectangle 2">
+            <a:extLst>
+              <a:ext uri="{FF2B5EF4-FFF2-40B4-BE49-F238E27FC236}">
+                <a16:creationId xmlns:a16="http://schemas.microsoft.com/office/drawing/2014/main" id="{3D17687A-11D7-5A4F-9457-BD056451C161}"/>
+              </a:ext>
+            </a:extLst>
+          </p:cNvPr>
+          <p:cNvSpPr/>
+          <p:nvPr/>
+        </p:nvSpPr>
+        <p:spPr>
+          <a:xfrm>
+            <a:off x="10413076" y="5000509"/>
+            <a:ext cx="1479666" cy="329870"/>
+          </a:xfrm>
+          <a:prstGeom prst="roundRect">
+            <a:avLst/>
+          </a:prstGeom>
+          <a:ln>
+            <a:noFill/>
+          </a:ln>
+        </p:spPr>
+        <p:style>
+          <a:lnRef idx="2">
+            <a:schemeClr val="accent1">
+              <a:shade val="50000"/>
+            </a:schemeClr>
+          </a:lnRef>
+          <a:fillRef idx="1">
+            <a:schemeClr val="accent1"/>
+          </a:fillRef>
+          <a:effectRef idx="0">
+            <a:schemeClr val="accent1"/>
+          </a:effectRef>
+          <a:fontRef idx="minor">
+            <a:schemeClr val="lt1"/>
+          </a:fontRef>
+        </p:style>
+        <p:txBody>
+          <a:bodyPr rtlCol="0" anchor="ctr"/>
+          <a:lstStyle/>
+          <a:p>
+            <a:pPr algn="ctr"/>
+            <a:r>
+              <a:rPr lang="en-US" sz="1600" dirty="0"/>
+              <a:t>Phase</a:t>
+            </a:r>
+          </a:p>
+        </p:txBody>
+      </p:sp>
+      <p:sp>
+        <p:nvSpPr>
+          <p:cNvPr id="8" name="Rounded Rectangle 7">
+            <a:extLst>
+              <a:ext uri="{FF2B5EF4-FFF2-40B4-BE49-F238E27FC236}">
+                <a16:creationId xmlns:a16="http://schemas.microsoft.com/office/drawing/2014/main" id="{251DCE76-07BD-B642-A82B-7775A8B5F458}"/>
+              </a:ext>
+            </a:extLst>
+          </p:cNvPr>
+          <p:cNvSpPr/>
+          <p:nvPr/>
+        </p:nvSpPr>
+        <p:spPr>
+          <a:xfrm>
+            <a:off x="10413076" y="5378334"/>
+            <a:ext cx="1479666" cy="329870"/>
+          </a:xfrm>
+          <a:prstGeom prst="roundRect">
+            <a:avLst/>
+          </a:prstGeom>
+          <a:solidFill>
+            <a:srgbClr val="FFC000"/>
+          </a:solidFill>
+          <a:ln>
+            <a:noFill/>
+          </a:ln>
+        </p:spPr>
+        <p:style>
+          <a:lnRef idx="2">
+            <a:schemeClr val="accent1">
+              <a:shade val="50000"/>
+            </a:schemeClr>
+          </a:lnRef>
+          <a:fillRef idx="1">
+            <a:schemeClr val="accent1"/>
+          </a:fillRef>
+          <a:effectRef idx="0">
+            <a:schemeClr val="accent1"/>
+          </a:effectRef>
+          <a:fontRef idx="minor">
+            <a:schemeClr val="lt1"/>
+          </a:fontRef>
+        </p:style>
+        <p:txBody>
+          <a:bodyPr rtlCol="0" anchor="ctr"/>
+          <a:lstStyle/>
+          <a:p>
+            <a:pPr algn="ctr"/>
+            <a:r>
+              <a:rPr lang="en-US" sz="1600" dirty="0"/>
+              <a:t>Phase Gate</a:t>
+            </a:r>
+          </a:p>
+        </p:txBody>
+      </p:sp>
     </p:spTree>
     <p:extLst>
       <p:ext uri="{BB962C8B-B14F-4D97-AF65-F5344CB8AC3E}">

--- a/final/final_presentation.pptx
+++ b/final/final_presentation.pptx
@@ -10774,7 +10774,7 @@
             </a:r>
             <a:r>
               <a:rPr lang="en-US" sz="1800" dirty="0"/>
-              <a:t>Has Covid-19 impacted Google searches in the US? If so, How? Where? Did State Restrictions play a Factor?</a:t>
+              <a:t>Has Covid-19 impacted Google searches in the US compared to previous years? If so, How? Where? Did State Restrictions play a Factor?</a:t>
             </a:r>
           </a:p>
           <a:p>

--- a/final/final_presentation.pptx
+++ b/final/final_presentation.pptx
@@ -896,6 +896,12 @@
             <a:t>Brainstorm</a:t>
           </a:r>
         </a:p>
+        <a:p>
+          <a:r>
+            <a:rPr lang="en-US" sz="2000" b="0" dirty="0"/>
+            <a:t>Ideas</a:t>
+          </a:r>
+        </a:p>
       </dgm:t>
     </dgm:pt>
     <dgm:pt modelId="{733E57C5-8198-F040-8B17-5964D4283562}" type="parTrans" cxnId="{BDC13F07-2C80-1D43-9359-9C3AFE07608A}">
@@ -1189,7 +1195,13 @@
         <a:p>
           <a:r>
             <a:rPr lang="en-US" sz="2000" b="0" dirty="0"/>
-            <a:t>Analyze </a:t>
+            <a:t>Analyze</a:t>
+          </a:r>
+        </a:p>
+        <a:p>
+          <a:r>
+            <a:rPr lang="en-US" sz="2000" b="0" dirty="0"/>
+            <a:t>Graphs </a:t>
           </a:r>
         </a:p>
       </dgm:t>
@@ -2075,6 +2087,24 @@
           <a:r>
             <a:rPr lang="en-US" sz="2000" b="0" kern="1200" dirty="0"/>
             <a:t>Brainstorm</a:t>
+          </a:r>
+        </a:p>
+        <a:p>
+          <a:pPr marL="0" lvl="0" indent="0" algn="ctr" defTabSz="889000">
+            <a:lnSpc>
+              <a:spcPct val="90000"/>
+            </a:lnSpc>
+            <a:spcBef>
+              <a:spcPct val="0"/>
+            </a:spcBef>
+            <a:spcAft>
+              <a:spcPct val="35000"/>
+            </a:spcAft>
+            <a:buNone/>
+          </a:pPr>
+          <a:r>
+            <a:rPr lang="en-US" sz="2000" b="0" kern="1200" dirty="0"/>
+            <a:t>Ideas</a:t>
           </a:r>
         </a:p>
       </dsp:txBody>
@@ -4058,7 +4088,25 @@
           </a:pPr>
           <a:r>
             <a:rPr lang="en-US" sz="2000" b="0" kern="1200" dirty="0"/>
-            <a:t>Analyze </a:t>
+            <a:t>Analyze</a:t>
+          </a:r>
+        </a:p>
+        <a:p>
+          <a:pPr marL="0" lvl="0" indent="0" algn="ctr" defTabSz="889000">
+            <a:lnSpc>
+              <a:spcPct val="90000"/>
+            </a:lnSpc>
+            <a:spcBef>
+              <a:spcPct val="0"/>
+            </a:spcBef>
+            <a:spcAft>
+              <a:spcPct val="35000"/>
+            </a:spcAft>
+            <a:buNone/>
+          </a:pPr>
+          <a:r>
+            <a:rPr lang="en-US" sz="2000" b="0" kern="1200" dirty="0"/>
+            <a:t>Graphs </a:t>
           </a:r>
         </a:p>
       </dsp:txBody>
@@ -10904,7 +10952,7 @@
             <p:ph idx="1"/>
             <p:extLst>
               <p:ext uri="{D42A27DB-BD31-4B8C-83A1-F6EECF244321}">
-                <p14:modId xmlns:p14="http://schemas.microsoft.com/office/powerpoint/2010/main" val="3981583366"/>
+                <p14:modId xmlns:p14="http://schemas.microsoft.com/office/powerpoint/2010/main" val="1063196562"/>
               </p:ext>
             </p:extLst>
           </p:nvPr>

--- a/final/final_presentation.pptx
+++ b/final/final_presentation.pptx
@@ -10796,7 +10796,7 @@
             </a:r>
             <a:r>
               <a:rPr lang="en-US" sz="1800" dirty="0"/>
-              <a:t>Take advantage of the widely available Data resources. Pick a concept that can be analyzed on multiple factors (time, location, volume).</a:t>
+              <a:t>Take advantage of widely available Data resources. Pick a concept that can be analyzed on multiple factors (time, location, weather).</a:t>
             </a:r>
           </a:p>
           <a:p>

--- a/final/final_presentation.pptx
+++ b/final/final_presentation.pptx
@@ -1123,7 +1123,7 @@
                 <a:srgbClr val="FF0000"/>
               </a:solidFill>
             </a:rPr>
-            <a:t>*Need to update</a:t>
+            <a:t>Trim Data</a:t>
           </a:r>
         </a:p>
       </dgm:t>
@@ -1238,10 +1238,10 @@
           <a:r>
             <a:rPr lang="en-US" sz="1400" b="0" dirty="0">
               <a:solidFill>
-                <a:srgbClr val="FF0000"/>
+                <a:schemeClr val="tx1"/>
               </a:solidFill>
             </a:rPr>
-            <a:t>*Need to Update</a:t>
+            <a:t>Choose Graphs of best fit</a:t>
           </a:r>
         </a:p>
       </dgm:t>
@@ -1354,10 +1354,10 @@
           <a:r>
             <a:rPr lang="en-US" sz="1400" b="0" dirty="0">
               <a:solidFill>
-                <a:srgbClr val="FF0000"/>
+                <a:schemeClr val="tx1"/>
               </a:solidFill>
             </a:rPr>
-            <a:t>*Need to Update</a:t>
+            <a:t>Use Graphs to spot trends</a:t>
           </a:r>
         </a:p>
       </dgm:t>
@@ -1636,6 +1636,25 @@
         </a:p>
       </dgm:t>
     </dgm:pt>
+    <dgm:pt modelId="{0336D323-6245-634F-B716-9221B6DC46A7}">
+      <dgm:prSet/>
+      <dgm:spPr/>
+      <dgm:t>
+        <a:bodyPr/>
+        <a:lstStyle/>
+        <a:p>
+          <a:endParaRPr lang="en-US"/>
+        </a:p>
+      </dgm:t>
+    </dgm:pt>
+    <dgm:pt modelId="{76EBCC91-E722-F949-AE8E-1B904140F7D5}" type="parTrans" cxnId="{139D7646-AEC5-3549-B0E9-279ECFBA1658}">
+      <dgm:prSet/>
+      <dgm:spPr/>
+    </dgm:pt>
+    <dgm:pt modelId="{24C7BF7C-C07A-6349-9CB2-82C63BDA9817}" type="sibTrans" cxnId="{139D7646-AEC5-3549-B0E9-279ECFBA1658}">
+      <dgm:prSet/>
+      <dgm:spPr/>
+    </dgm:pt>
     <dgm:pt modelId="{3C94FD36-29F5-B040-996E-33D8CCAEB85A}" type="pres">
       <dgm:prSet presAssocID="{898C5174-94EB-DE4C-AE3B-D66DB0F289F0}" presName="Name0" presStyleCnt="0">
         <dgm:presLayoutVars>
@@ -1655,11 +1674,11 @@
       <dgm:spPr/>
     </dgm:pt>
     <dgm:pt modelId="{10D500A6-E33C-2340-9790-6D50B4EB2351}" type="pres">
-      <dgm:prSet presAssocID="{B0897C2B-562B-EA49-959A-75313E19660D}" presName="parTrans" presStyleLbl="sibTrans2D1" presStyleIdx="0" presStyleCnt="13"/>
+      <dgm:prSet presAssocID="{B0897C2B-562B-EA49-959A-75313E19660D}" presName="parTrans" presStyleLbl="sibTrans2D1" presStyleIdx="0" presStyleCnt="14"/>
       <dgm:spPr/>
     </dgm:pt>
     <dgm:pt modelId="{6388C5A6-F5F1-094A-A5D4-5B7DF26E9699}" type="pres">
-      <dgm:prSet presAssocID="{02AC17F7-5E74-6745-9785-3B378A9EA37B}" presName="child" presStyleLbl="alignAccFollowNode1" presStyleIdx="0" presStyleCnt="13" custScaleY="175611">
+      <dgm:prSet presAssocID="{02AC17F7-5E74-6745-9785-3B378A9EA37B}" presName="child" presStyleLbl="alignAccFollowNode1" presStyleIdx="0" presStyleCnt="14" custScaleY="175611">
         <dgm:presLayoutVars>
           <dgm:chMax val="0"/>
           <dgm:bulletEnabled val="1"/>
@@ -1668,11 +1687,11 @@
       <dgm:spPr/>
     </dgm:pt>
     <dgm:pt modelId="{242EBDB3-BF34-904E-A317-EBF6A1858597}" type="pres">
-      <dgm:prSet presAssocID="{94E579BA-08D4-DB43-9A9F-0F39E7B32246}" presName="sibTrans" presStyleLbl="sibTrans2D1" presStyleIdx="1" presStyleCnt="13"/>
+      <dgm:prSet presAssocID="{94E579BA-08D4-DB43-9A9F-0F39E7B32246}" presName="sibTrans" presStyleLbl="sibTrans2D1" presStyleIdx="1" presStyleCnt="14"/>
       <dgm:spPr/>
     </dgm:pt>
     <dgm:pt modelId="{64541A2E-0A5B-784F-AFBC-8947BF3F52CA}" type="pres">
-      <dgm:prSet presAssocID="{428DF7DD-2102-5B45-B530-68319393841E}" presName="child" presStyleLbl="alignAccFollowNode1" presStyleIdx="1" presStyleCnt="13" custScaleY="175611">
+      <dgm:prSet presAssocID="{428DF7DD-2102-5B45-B530-68319393841E}" presName="child" presStyleLbl="alignAccFollowNode1" presStyleIdx="1" presStyleCnt="14" custScaleY="175611">
         <dgm:presLayoutVars>
           <dgm:chMax val="0"/>
           <dgm:bulletEnabled val="1"/>
@@ -1681,11 +1700,11 @@
       <dgm:spPr/>
     </dgm:pt>
     <dgm:pt modelId="{B59D26C6-8805-4F4F-9EFD-4D187FA5A925}" type="pres">
-      <dgm:prSet presAssocID="{75F68DEE-DA29-7449-ACBA-F7840EA3C2BC}" presName="sibTrans" presStyleLbl="sibTrans2D1" presStyleIdx="2" presStyleCnt="13"/>
+      <dgm:prSet presAssocID="{75F68DEE-DA29-7449-ACBA-F7840EA3C2BC}" presName="sibTrans" presStyleLbl="sibTrans2D1" presStyleIdx="2" presStyleCnt="14"/>
       <dgm:spPr/>
     </dgm:pt>
     <dgm:pt modelId="{294EA16D-1E26-8443-8359-102D903AF8E7}" type="pres">
-      <dgm:prSet presAssocID="{594F6612-34DE-6641-9E12-DFDDFEE9039E}" presName="child" presStyleLbl="alignAccFollowNode1" presStyleIdx="2" presStyleCnt="13" custScaleY="175611">
+      <dgm:prSet presAssocID="{594F6612-34DE-6641-9E12-DFDDFEE9039E}" presName="child" presStyleLbl="alignAccFollowNode1" presStyleIdx="2" presStyleCnt="14" custScaleY="175611">
         <dgm:presLayoutVars>
           <dgm:chMax val="0"/>
           <dgm:bulletEnabled val="1"/>
@@ -1706,11 +1725,11 @@
       <dgm:spPr/>
     </dgm:pt>
     <dgm:pt modelId="{3354D689-792B-BF41-8E28-F8CA6A7F8841}" type="pres">
-      <dgm:prSet presAssocID="{2065DA7C-E00F-DF43-98B9-4566BA3604D9}" presName="parTrans" presStyleLbl="sibTrans2D1" presStyleIdx="3" presStyleCnt="13"/>
+      <dgm:prSet presAssocID="{2065DA7C-E00F-DF43-98B9-4566BA3604D9}" presName="parTrans" presStyleLbl="sibTrans2D1" presStyleIdx="3" presStyleCnt="14"/>
       <dgm:spPr/>
     </dgm:pt>
     <dgm:pt modelId="{841E770B-5AEA-1C46-8545-C41C43D05ECC}" type="pres">
-      <dgm:prSet presAssocID="{36D7BCDA-E4BB-D949-B466-57ECDB73EDE9}" presName="child" presStyleLbl="alignAccFollowNode1" presStyleIdx="3" presStyleCnt="13" custScaleY="175611">
+      <dgm:prSet presAssocID="{36D7BCDA-E4BB-D949-B466-57ECDB73EDE9}" presName="child" presStyleLbl="alignAccFollowNode1" presStyleIdx="3" presStyleCnt="14" custScaleY="175611">
         <dgm:presLayoutVars>
           <dgm:chMax val="0"/>
           <dgm:bulletEnabled val="1"/>
@@ -1719,11 +1738,11 @@
       <dgm:spPr/>
     </dgm:pt>
     <dgm:pt modelId="{6C2A8A67-2B11-7746-8141-CB9515E7AF09}" type="pres">
-      <dgm:prSet presAssocID="{E3A6FF26-83D7-0D46-AAD1-87EBD83B17FF}" presName="sibTrans" presStyleLbl="sibTrans2D1" presStyleIdx="4" presStyleCnt="13"/>
+      <dgm:prSet presAssocID="{E3A6FF26-83D7-0D46-AAD1-87EBD83B17FF}" presName="sibTrans" presStyleLbl="sibTrans2D1" presStyleIdx="4" presStyleCnt="14"/>
       <dgm:spPr/>
     </dgm:pt>
     <dgm:pt modelId="{FB4EA5B9-A235-2144-B5D9-BE5BDE1FEAA3}" type="pres">
-      <dgm:prSet presAssocID="{8824B295-8C25-2141-B5D6-F2B4B926FBF3}" presName="child" presStyleLbl="alignAccFollowNode1" presStyleIdx="4" presStyleCnt="13" custScaleY="175611">
+      <dgm:prSet presAssocID="{8824B295-8C25-2141-B5D6-F2B4B926FBF3}" presName="child" presStyleLbl="alignAccFollowNode1" presStyleIdx="4" presStyleCnt="14" custScaleY="175611">
         <dgm:presLayoutVars>
           <dgm:chMax val="0"/>
           <dgm:bulletEnabled val="1"/>
@@ -1732,11 +1751,11 @@
       <dgm:spPr/>
     </dgm:pt>
     <dgm:pt modelId="{E1583A09-4CA6-9743-9A41-03E64C4D547D}" type="pres">
-      <dgm:prSet presAssocID="{1ACA25C6-EA6B-6642-BC61-EE6254D3DC01}" presName="sibTrans" presStyleLbl="sibTrans2D1" presStyleIdx="5" presStyleCnt="13"/>
+      <dgm:prSet presAssocID="{1ACA25C6-EA6B-6642-BC61-EE6254D3DC01}" presName="sibTrans" presStyleLbl="sibTrans2D1" presStyleIdx="5" presStyleCnt="14"/>
       <dgm:spPr/>
     </dgm:pt>
     <dgm:pt modelId="{710EFF23-8AB5-1748-B753-14EC1981A01A}" type="pres">
-      <dgm:prSet presAssocID="{B2E55E24-76C8-7447-996F-8B6075884977}" presName="child" presStyleLbl="alignAccFollowNode1" presStyleIdx="5" presStyleCnt="13" custScaleY="175611">
+      <dgm:prSet presAssocID="{B2E55E24-76C8-7447-996F-8B6075884977}" presName="child" presStyleLbl="alignAccFollowNode1" presStyleIdx="5" presStyleCnt="14" custScaleY="175611">
         <dgm:presLayoutVars>
           <dgm:chMax val="0"/>
           <dgm:bulletEnabled val="1"/>
@@ -1757,11 +1776,11 @@
       <dgm:spPr/>
     </dgm:pt>
     <dgm:pt modelId="{416B8FE7-7D59-1F4D-A25C-34ABB384F8D1}" type="pres">
-      <dgm:prSet presAssocID="{305299C0-EE81-A048-8DB5-7E48C24901BE}" presName="parTrans" presStyleLbl="sibTrans2D1" presStyleIdx="6" presStyleCnt="13"/>
+      <dgm:prSet presAssocID="{305299C0-EE81-A048-8DB5-7E48C24901BE}" presName="parTrans" presStyleLbl="sibTrans2D1" presStyleIdx="6" presStyleCnt="14"/>
       <dgm:spPr/>
     </dgm:pt>
     <dgm:pt modelId="{9A1B8672-2CE8-414D-A672-BA69FB633BAE}" type="pres">
-      <dgm:prSet presAssocID="{3009B096-D069-BC42-999A-AAB67DBDCD5B}" presName="child" presStyleLbl="alignAccFollowNode1" presStyleIdx="6" presStyleCnt="13" custScaleY="175611">
+      <dgm:prSet presAssocID="{3009B096-D069-BC42-999A-AAB67DBDCD5B}" presName="child" presStyleLbl="alignAccFollowNode1" presStyleIdx="6" presStyleCnt="14" custScaleY="175611">
         <dgm:presLayoutVars>
           <dgm:chMax val="0"/>
           <dgm:bulletEnabled val="1"/>
@@ -1770,11 +1789,11 @@
       <dgm:spPr/>
     </dgm:pt>
     <dgm:pt modelId="{1073260A-A87E-1042-8C61-FD32C3E2990B}" type="pres">
-      <dgm:prSet presAssocID="{A8135A5B-A489-154D-AB47-B48D2B32DB8F}" presName="sibTrans" presStyleLbl="sibTrans2D1" presStyleIdx="7" presStyleCnt="13"/>
+      <dgm:prSet presAssocID="{A8135A5B-A489-154D-AB47-B48D2B32DB8F}" presName="sibTrans" presStyleLbl="sibTrans2D1" presStyleIdx="7" presStyleCnt="14"/>
       <dgm:spPr/>
     </dgm:pt>
     <dgm:pt modelId="{7073CD36-6660-9B4A-B4AD-3F40083033A6}" type="pres">
-      <dgm:prSet presAssocID="{24E20B78-1FFC-B145-9924-C57F6F9CA4EC}" presName="child" presStyleLbl="alignAccFollowNode1" presStyleIdx="7" presStyleCnt="13" custScaleY="175611">
+      <dgm:prSet presAssocID="{24E20B78-1FFC-B145-9924-C57F6F9CA4EC}" presName="child" presStyleLbl="alignAccFollowNode1" presStyleIdx="7" presStyleCnt="14" custScaleY="175611">
         <dgm:presLayoutVars>
           <dgm:chMax val="0"/>
           <dgm:bulletEnabled val="1"/>
@@ -1795,11 +1814,24 @@
       <dgm:spPr/>
     </dgm:pt>
     <dgm:pt modelId="{F2A709A2-1CA5-9646-9DB5-432064AF85DB}" type="pres">
-      <dgm:prSet presAssocID="{4EFBDC61-BCE7-D941-8D24-C1E2FF152611}" presName="parTrans" presStyleLbl="sibTrans2D1" presStyleIdx="8" presStyleCnt="13"/>
+      <dgm:prSet presAssocID="{4EFBDC61-BCE7-D941-8D24-C1E2FF152611}" presName="parTrans" presStyleLbl="sibTrans2D1" presStyleIdx="8" presStyleCnt="14"/>
       <dgm:spPr/>
     </dgm:pt>
     <dgm:pt modelId="{181593FC-C2EE-394F-A114-1882CB1CAD2E}" type="pres">
-      <dgm:prSet presAssocID="{BB7673A4-F943-8E4E-B238-23871B057044}" presName="child" presStyleLbl="alignAccFollowNode1" presStyleIdx="8" presStyleCnt="13" custScaleY="175611">
+      <dgm:prSet presAssocID="{BB7673A4-F943-8E4E-B238-23871B057044}" presName="child" presStyleLbl="alignAccFollowNode1" presStyleIdx="8" presStyleCnt="14" custScaleY="175611">
+        <dgm:presLayoutVars>
+          <dgm:chMax val="0"/>
+          <dgm:bulletEnabled val="1"/>
+        </dgm:presLayoutVars>
+      </dgm:prSet>
+      <dgm:spPr/>
+    </dgm:pt>
+    <dgm:pt modelId="{758E231E-8680-F549-B7A8-FE13BFE4DDA2}" type="pres">
+      <dgm:prSet presAssocID="{2DE8218A-03EB-9B40-BD8D-AA5F2135817D}" presName="sibTrans" presStyleLbl="sibTrans2D1" presStyleIdx="9" presStyleCnt="14"/>
+      <dgm:spPr/>
+    </dgm:pt>
+    <dgm:pt modelId="{8713C547-0B5A-CA4D-B624-8C6CEA60647B}" type="pres">
+      <dgm:prSet presAssocID="{0336D323-6245-634F-B716-9221B6DC46A7}" presName="child" presStyleLbl="alignAccFollowNode1" presStyleIdx="9" presStyleCnt="14">
         <dgm:presLayoutVars>
           <dgm:chMax val="0"/>
           <dgm:bulletEnabled val="1"/>
@@ -1820,11 +1852,11 @@
       <dgm:spPr/>
     </dgm:pt>
     <dgm:pt modelId="{0E4E1DC6-D79B-7A43-A6A4-7AAEB5BA0D36}" type="pres">
-      <dgm:prSet presAssocID="{0B0F90B6-506E-6649-873A-AD3FE1CD4A16}" presName="parTrans" presStyleLbl="sibTrans2D1" presStyleIdx="9" presStyleCnt="13"/>
+      <dgm:prSet presAssocID="{0B0F90B6-506E-6649-873A-AD3FE1CD4A16}" presName="parTrans" presStyleLbl="sibTrans2D1" presStyleIdx="10" presStyleCnt="14"/>
       <dgm:spPr/>
     </dgm:pt>
     <dgm:pt modelId="{CD31F6B9-66D4-8549-8593-9EF82007421A}" type="pres">
-      <dgm:prSet presAssocID="{2494E046-A293-8743-94A9-816F9B727893}" presName="child" presStyleLbl="alignAccFollowNode1" presStyleIdx="9" presStyleCnt="13" custScaleY="175611">
+      <dgm:prSet presAssocID="{2494E046-A293-8743-94A9-816F9B727893}" presName="child" presStyleLbl="alignAccFollowNode1" presStyleIdx="10" presStyleCnt="14" custScaleY="175611">
         <dgm:presLayoutVars>
           <dgm:chMax val="0"/>
           <dgm:bulletEnabled val="1"/>
@@ -1833,11 +1865,11 @@
       <dgm:spPr/>
     </dgm:pt>
     <dgm:pt modelId="{031ABB83-D440-6D4B-8064-F980922F428F}" type="pres">
-      <dgm:prSet presAssocID="{6685ED33-CF31-BB4A-8F70-22E7395E2FC3}" presName="sibTrans" presStyleLbl="sibTrans2D1" presStyleIdx="10" presStyleCnt="13"/>
+      <dgm:prSet presAssocID="{6685ED33-CF31-BB4A-8F70-22E7395E2FC3}" presName="sibTrans" presStyleLbl="sibTrans2D1" presStyleIdx="11" presStyleCnt="14"/>
       <dgm:spPr/>
     </dgm:pt>
     <dgm:pt modelId="{381A3F45-9589-234A-8154-A2B679621008}" type="pres">
-      <dgm:prSet presAssocID="{48B98B79-FEDE-DD4D-BDAB-497F3C278C88}" presName="child" presStyleLbl="alignAccFollowNode1" presStyleIdx="10" presStyleCnt="13" custScaleY="175611">
+      <dgm:prSet presAssocID="{48B98B79-FEDE-DD4D-BDAB-497F3C278C88}" presName="child" presStyleLbl="alignAccFollowNode1" presStyleIdx="11" presStyleCnt="14" custScaleY="175611">
         <dgm:presLayoutVars>
           <dgm:chMax val="0"/>
           <dgm:bulletEnabled val="1"/>
@@ -1858,11 +1890,11 @@
       <dgm:spPr/>
     </dgm:pt>
     <dgm:pt modelId="{B6D64924-3669-9347-BC66-29FB0474CBE3}" type="pres">
-      <dgm:prSet presAssocID="{8EE4858B-65E3-2A4D-99E7-8292BFDE5632}" presName="parTrans" presStyleLbl="sibTrans2D1" presStyleIdx="11" presStyleCnt="13"/>
+      <dgm:prSet presAssocID="{8EE4858B-65E3-2A4D-99E7-8292BFDE5632}" presName="parTrans" presStyleLbl="sibTrans2D1" presStyleIdx="12" presStyleCnt="14"/>
       <dgm:spPr/>
     </dgm:pt>
     <dgm:pt modelId="{4B2731B8-55E5-7D42-B17A-D23E6665319E}" type="pres">
-      <dgm:prSet presAssocID="{5D58C598-F7AF-E74A-8F28-DCBE13C03583}" presName="child" presStyleLbl="alignAccFollowNode1" presStyleIdx="11" presStyleCnt="13" custScaleY="175611">
+      <dgm:prSet presAssocID="{5D58C598-F7AF-E74A-8F28-DCBE13C03583}" presName="child" presStyleLbl="alignAccFollowNode1" presStyleIdx="12" presStyleCnt="14" custScaleY="175611">
         <dgm:presLayoutVars>
           <dgm:chMax val="0"/>
           <dgm:bulletEnabled val="1"/>
@@ -1883,11 +1915,11 @@
       <dgm:spPr/>
     </dgm:pt>
     <dgm:pt modelId="{4392A30B-F377-954A-B7E2-CA21997708C9}" type="pres">
-      <dgm:prSet presAssocID="{AB3DD5B1-85E0-254E-BC33-E80C42A5C887}" presName="parTrans" presStyleLbl="sibTrans2D1" presStyleIdx="12" presStyleCnt="13"/>
+      <dgm:prSet presAssocID="{AB3DD5B1-85E0-254E-BC33-E80C42A5C887}" presName="parTrans" presStyleLbl="sibTrans2D1" presStyleIdx="13" presStyleCnt="14"/>
       <dgm:spPr/>
     </dgm:pt>
     <dgm:pt modelId="{A1294BDB-B6AB-5840-8AB7-64B756FBD7BC}" type="pres">
-      <dgm:prSet presAssocID="{C76077C3-7A17-2240-9520-9F8FD22D4FC9}" presName="child" presStyleLbl="alignAccFollowNode1" presStyleIdx="12" presStyleCnt="13" custScaleY="175611">
+      <dgm:prSet presAssocID="{C76077C3-7A17-2240-9520-9F8FD22D4FC9}" presName="child" presStyleLbl="alignAccFollowNode1" presStyleIdx="13" presStyleCnt="14" custScaleY="175611">
         <dgm:presLayoutVars>
           <dgm:chMax val="0"/>
           <dgm:bulletEnabled val="1"/>
@@ -1908,12 +1940,14 @@
     <dgm:cxn modelId="{55A97E39-1BB4-3B47-B800-DB6275EE1C3D}" srcId="{A57B4573-9752-CE4D-9B21-F03FAC0A4E98}" destId="{428DF7DD-2102-5B45-B530-68319393841E}" srcOrd="1" destOrd="0" parTransId="{7C92E14B-A571-5D47-A653-45CA5D50385D}" sibTransId="{75F68DEE-DA29-7449-ACBA-F7840EA3C2BC}"/>
     <dgm:cxn modelId="{F8DF273B-42A8-D24B-A4B9-334B8B17FA31}" type="presOf" srcId="{AB3DD5B1-85E0-254E-BC33-E80C42A5C887}" destId="{4392A30B-F377-954A-B7E2-CA21997708C9}" srcOrd="0" destOrd="0" presId="urn:microsoft.com/office/officeart/2005/8/layout/lProcess1"/>
     <dgm:cxn modelId="{6A106E3C-D3D9-B74B-8A4A-1B830A72840A}" type="presOf" srcId="{6F9E8415-7BEB-F545-9AD1-F97E43387DF1}" destId="{4ADE6C04-70AD-0446-B6FD-35079C49FFD6}" srcOrd="0" destOrd="0" presId="urn:microsoft.com/office/officeart/2005/8/layout/lProcess1"/>
+    <dgm:cxn modelId="{139D7646-AEC5-3549-B0E9-279ECFBA1658}" srcId="{6F9E8415-7BEB-F545-9AD1-F97E43387DF1}" destId="{0336D323-6245-634F-B716-9221B6DC46A7}" srcOrd="1" destOrd="0" parTransId="{76EBCC91-E722-F949-AE8E-1B904140F7D5}" sibTransId="{24C7BF7C-C07A-6349-9CB2-82C63BDA9817}"/>
     <dgm:cxn modelId="{7B08EE47-3F1D-534D-9D3B-574823960D9D}" type="presOf" srcId="{3009B096-D069-BC42-999A-AAB67DBDCD5B}" destId="{9A1B8672-2CE8-414D-A672-BA69FB633BAE}" srcOrd="0" destOrd="0" presId="urn:microsoft.com/office/officeart/2005/8/layout/lProcess1"/>
     <dgm:cxn modelId="{CDDD0A57-37D2-624B-9F21-C45CA249D95F}" type="presOf" srcId="{A57B4573-9752-CE4D-9B21-F03FAC0A4E98}" destId="{C3765B1C-8156-7444-81F2-9D0293BA5615}" srcOrd="0" destOrd="0" presId="urn:microsoft.com/office/officeart/2005/8/layout/lProcess1"/>
     <dgm:cxn modelId="{21A38D57-FC9C-8740-B066-B3D00FD535C3}" type="presOf" srcId="{C76077C3-7A17-2240-9520-9F8FD22D4FC9}" destId="{A1294BDB-B6AB-5840-8AB7-64B756FBD7BC}" srcOrd="0" destOrd="0" presId="urn:microsoft.com/office/officeart/2005/8/layout/lProcess1"/>
     <dgm:cxn modelId="{3496325A-5ED3-5D47-B49C-BE15AE6AB171}" type="presOf" srcId="{898C5174-94EB-DE4C-AE3B-D66DB0F289F0}" destId="{3C94FD36-29F5-B040-996E-33D8CCAEB85A}" srcOrd="0" destOrd="0" presId="urn:microsoft.com/office/officeart/2005/8/layout/lProcess1"/>
     <dgm:cxn modelId="{43194C5A-3BA4-4642-B787-06E48B7B7851}" type="presOf" srcId="{36D7BCDA-E4BB-D949-B466-57ECDB73EDE9}" destId="{841E770B-5AEA-1C46-8545-C41C43D05ECC}" srcOrd="0" destOrd="0" presId="urn:microsoft.com/office/officeart/2005/8/layout/lProcess1"/>
     <dgm:cxn modelId="{A332BA5D-CEAC-2249-8B63-76DD614B6592}" type="presOf" srcId="{E3A6FF26-83D7-0D46-AAD1-87EBD83B17FF}" destId="{6C2A8A67-2B11-7746-8141-CB9515E7AF09}" srcOrd="0" destOrd="0" presId="urn:microsoft.com/office/officeart/2005/8/layout/lProcess1"/>
+    <dgm:cxn modelId="{BA176960-8D75-B542-9F81-4D90DE216F08}" type="presOf" srcId="{0336D323-6245-634F-B716-9221B6DC46A7}" destId="{8713C547-0B5A-CA4D-B624-8C6CEA60647B}" srcOrd="0" destOrd="0" presId="urn:microsoft.com/office/officeart/2005/8/layout/lProcess1"/>
     <dgm:cxn modelId="{D5C04162-6154-6443-8E14-ACCAA3B3A607}" srcId="{FBE2640A-87D5-4F47-96EB-2F1CB70D5AF3}" destId="{36D7BCDA-E4BB-D949-B466-57ECDB73EDE9}" srcOrd="0" destOrd="0" parTransId="{2065DA7C-E00F-DF43-98B9-4566BA3604D9}" sibTransId="{E3A6FF26-83D7-0D46-AAD1-87EBD83B17FF}"/>
     <dgm:cxn modelId="{CF158D67-D2DE-B146-8A6B-045344D15DB8}" type="presOf" srcId="{FBE2640A-87D5-4F47-96EB-2F1CB70D5AF3}" destId="{73B0273D-7348-4042-9720-ACA5A59E2CA7}" srcOrd="0" destOrd="0" presId="urn:microsoft.com/office/officeart/2005/8/layout/lProcess1"/>
     <dgm:cxn modelId="{93835968-703A-0C49-BA82-CFAF41C438DB}" srcId="{898C5174-94EB-DE4C-AE3B-D66DB0F289F0}" destId="{58A80F11-9CE8-1848-8441-1AD38C2CABBA}" srcOrd="4" destOrd="0" parTransId="{6E9FE33B-4105-B349-B60B-EA250A39AA2B}" sibTransId="{B8AC3FEC-6472-C946-956E-0FEF0FCF7CC0}"/>
@@ -1941,6 +1975,7 @@
     <dgm:cxn modelId="{6EC460CC-0E7A-4F40-80DF-73D262BD17D6}" type="presOf" srcId="{A9DEE4AD-093B-E44C-AE89-A6B765379BE9}" destId="{CD251BD9-1808-994A-9D7B-44D585859501}" srcOrd="0" destOrd="0" presId="urn:microsoft.com/office/officeart/2005/8/layout/lProcess1"/>
     <dgm:cxn modelId="{E52767CC-154E-5E47-8ECF-9BBB4FD4525C}" srcId="{5A893E2B-E89B-BE4C-AF3C-5533CC0FD0E6}" destId="{3009B096-D069-BC42-999A-AAB67DBDCD5B}" srcOrd="0" destOrd="0" parTransId="{305299C0-EE81-A048-8DB5-7E48C24901BE}" sibTransId="{A8135A5B-A489-154D-AB47-B48D2B32DB8F}"/>
     <dgm:cxn modelId="{B3D281CE-2209-6D43-BC82-5546F1126DA8}" type="presOf" srcId="{2494E046-A293-8743-94A9-816F9B727893}" destId="{CD31F6B9-66D4-8549-8593-9EF82007421A}" srcOrd="0" destOrd="0" presId="urn:microsoft.com/office/officeart/2005/8/layout/lProcess1"/>
+    <dgm:cxn modelId="{E3C89AD3-0E9A-624F-91D2-14C3D9D52FBA}" type="presOf" srcId="{2DE8218A-03EB-9B40-BD8D-AA5F2135817D}" destId="{758E231E-8680-F549-B7A8-FE13BFE4DDA2}" srcOrd="0" destOrd="0" presId="urn:microsoft.com/office/officeart/2005/8/layout/lProcess1"/>
     <dgm:cxn modelId="{F95C60D4-1F93-2048-B222-B2546D292EDA}" srcId="{2E16D0EE-0153-BD40-A3C5-6A1928FAA4F5}" destId="{C76077C3-7A17-2240-9520-9F8FD22D4FC9}" srcOrd="0" destOrd="0" parTransId="{AB3DD5B1-85E0-254E-BC33-E80C42A5C887}" sibTransId="{C15CFBC9-C655-414C-BB48-A039B30C163B}"/>
     <dgm:cxn modelId="{CF6033D7-87BF-A043-ACA2-16EB973FBB45}" srcId="{898C5174-94EB-DE4C-AE3B-D66DB0F289F0}" destId="{A9DEE4AD-093B-E44C-AE89-A6B765379BE9}" srcOrd="5" destOrd="0" parTransId="{D31C39F1-7D99-2F45-B788-D64924B0E588}" sibTransId="{018965DC-3115-9E4E-9D12-C195B3E6C2F8}"/>
     <dgm:cxn modelId="{5A05C9D7-CEB6-734E-9C6E-9BCB4CC8A62A}" type="presOf" srcId="{2065DA7C-E00F-DF43-98B9-4566BA3604D9}" destId="{3354D689-792B-BF41-8E28-F8CA6A7F8841}" srcOrd="0" destOrd="0" presId="urn:microsoft.com/office/officeart/2005/8/layout/lProcess1"/>
@@ -1980,6 +2015,8 @@
     <dgm:cxn modelId="{D7DD4A49-CC92-5646-BCC5-2639C5CE0817}" type="presParOf" srcId="{87F2CB93-D044-0E49-AE2C-0D110FCDED16}" destId="{4ADE6C04-70AD-0446-B6FD-35079C49FFD6}" srcOrd="0" destOrd="0" presId="urn:microsoft.com/office/officeart/2005/8/layout/lProcess1"/>
     <dgm:cxn modelId="{F431E185-AE5C-7D42-A490-06E4A6E54F86}" type="presParOf" srcId="{87F2CB93-D044-0E49-AE2C-0D110FCDED16}" destId="{F2A709A2-1CA5-9646-9DB5-432064AF85DB}" srcOrd="1" destOrd="0" presId="urn:microsoft.com/office/officeart/2005/8/layout/lProcess1"/>
     <dgm:cxn modelId="{E09CEE02-E827-7749-BAD0-07503C350701}" type="presParOf" srcId="{87F2CB93-D044-0E49-AE2C-0D110FCDED16}" destId="{181593FC-C2EE-394F-A114-1882CB1CAD2E}" srcOrd="2" destOrd="0" presId="urn:microsoft.com/office/officeart/2005/8/layout/lProcess1"/>
+    <dgm:cxn modelId="{5B699A40-A0C5-544D-85C9-26A5F570B339}" type="presParOf" srcId="{87F2CB93-D044-0E49-AE2C-0D110FCDED16}" destId="{758E231E-8680-F549-B7A8-FE13BFE4DDA2}" srcOrd="3" destOrd="0" presId="urn:microsoft.com/office/officeart/2005/8/layout/lProcess1"/>
+    <dgm:cxn modelId="{868738FC-17A8-FC4D-ABC5-0E165BC22E64}" type="presParOf" srcId="{87F2CB93-D044-0E49-AE2C-0D110FCDED16}" destId="{8713C547-0B5A-CA4D-B624-8C6CEA60647B}" srcOrd="4" destOrd="0" presId="urn:microsoft.com/office/officeart/2005/8/layout/lProcess1"/>
     <dgm:cxn modelId="{BF18EE07-1E9E-6D47-B5F4-7626245F0802}" type="presParOf" srcId="{3C94FD36-29F5-B040-996E-33D8CCAEB85A}" destId="{AD39B9FA-B929-2749-BF9E-DDC3F9313856}" srcOrd="7" destOrd="0" presId="urn:microsoft.com/office/officeart/2005/8/layout/lProcess1"/>
     <dgm:cxn modelId="{C147EFCF-6B1F-C948-AF88-4D86199D1E5E}" type="presParOf" srcId="{3C94FD36-29F5-B040-996E-33D8CCAEB85A}" destId="{C285EBB2-DA73-2B43-B5A4-60AB48B3369D}" srcOrd="8" destOrd="0" presId="urn:microsoft.com/office/officeart/2005/8/layout/lProcess1"/>
     <dgm:cxn modelId="{8C2818FE-2F48-4140-988D-079860FEF4AB}" type="presParOf" srcId="{C285EBB2-DA73-2B43-B5A4-60AB48B3369D}" destId="{293EE86D-6C95-C54D-B190-C6810E79A98B}" srcOrd="0" destOrd="0" presId="urn:microsoft.com/office/officeart/2005/8/layout/lProcess1"/>
@@ -3474,13 +3511,136 @@
                 <a:srgbClr val="FF0000"/>
               </a:solidFill>
             </a:rPr>
-            <a:t>*Need to update</a:t>
+            <a:t>Trim Data</a:t>
           </a:r>
         </a:p>
       </dsp:txBody>
       <dsp:txXfrm>
         <a:off x="5076663" y="1777190"/>
         <a:ext cx="1440157" cy="610944"/>
+      </dsp:txXfrm>
+    </dsp:sp>
+    <dsp:sp modelId="{758E231E-8680-F549-B7A8-FE13BFE4DDA2}">
+      <dsp:nvSpPr>
+        <dsp:cNvPr id="0" name=""/>
+        <dsp:cNvSpPr/>
+      </dsp:nvSpPr>
+      <dsp:spPr>
+        <a:xfrm rot="5400000">
+          <a:off x="5764406" y="2439476"/>
+          <a:ext cx="64670" cy="64670"/>
+        </a:xfrm>
+        <a:prstGeom prst="rightArrow">
+          <a:avLst>
+            <a:gd name="adj1" fmla="val 66700"/>
+            <a:gd name="adj2" fmla="val 50000"/>
+          </a:avLst>
+        </a:prstGeom>
+        <a:solidFill>
+          <a:schemeClr val="accent1">
+            <a:tint val="60000"/>
+            <a:hueOff val="0"/>
+            <a:satOff val="0"/>
+            <a:lumOff val="0"/>
+            <a:alphaOff val="0"/>
+          </a:schemeClr>
+        </a:solidFill>
+        <a:ln>
+          <a:noFill/>
+        </a:ln>
+        <a:effectLst/>
+      </dsp:spPr>
+      <dsp:style>
+        <a:lnRef idx="0">
+          <a:scrgbClr r="0" g="0" b="0"/>
+        </a:lnRef>
+        <a:fillRef idx="1">
+          <a:scrgbClr r="0" g="0" b="0"/>
+        </a:fillRef>
+        <a:effectRef idx="0">
+          <a:scrgbClr r="0" g="0" b="0"/>
+        </a:effectRef>
+        <a:fontRef idx="minor">
+          <a:schemeClr val="lt1"/>
+        </a:fontRef>
+      </dsp:style>
+    </dsp:sp>
+    <dsp:sp modelId="{8713C547-0B5A-CA4D-B624-8C6CEA60647B}">
+      <dsp:nvSpPr>
+        <dsp:cNvPr id="0" name=""/>
+        <dsp:cNvSpPr/>
+      </dsp:nvSpPr>
+      <dsp:spPr>
+        <a:xfrm>
+          <a:off x="5057656" y="2536481"/>
+          <a:ext cx="1478171" cy="369542"/>
+        </a:xfrm>
+        <a:prstGeom prst="roundRect">
+          <a:avLst>
+            <a:gd name="adj" fmla="val 10000"/>
+          </a:avLst>
+        </a:prstGeom>
+        <a:solidFill>
+          <a:schemeClr val="accent1">
+            <a:alpha val="90000"/>
+            <a:tint val="40000"/>
+            <a:hueOff val="0"/>
+            <a:satOff val="0"/>
+            <a:lumOff val="0"/>
+            <a:alphaOff val="0"/>
+          </a:schemeClr>
+        </a:solidFill>
+        <a:ln w="15875" cap="flat" cmpd="sng" algn="ctr">
+          <a:solidFill>
+            <a:schemeClr val="accent1">
+              <a:alpha val="90000"/>
+              <a:tint val="40000"/>
+              <a:hueOff val="0"/>
+              <a:satOff val="0"/>
+              <a:lumOff val="0"/>
+              <a:alphaOff val="0"/>
+            </a:schemeClr>
+          </a:solidFill>
+          <a:prstDash val="solid"/>
+        </a:ln>
+        <a:effectLst/>
+      </dsp:spPr>
+      <dsp:style>
+        <a:lnRef idx="2">
+          <a:scrgbClr r="0" g="0" b="0"/>
+        </a:lnRef>
+        <a:fillRef idx="1">
+          <a:scrgbClr r="0" g="0" b="0"/>
+        </a:fillRef>
+        <a:effectRef idx="0">
+          <a:scrgbClr r="0" g="0" b="0"/>
+        </a:effectRef>
+        <a:fontRef idx="minor"/>
+      </dsp:style>
+      <dsp:txBody>
+        <a:bodyPr spcFirstLastPara="0" vert="horz" wrap="square" lIns="26670" tIns="26670" rIns="26670" bIns="26670" numCol="1" spcCol="1270" anchor="ctr" anchorCtr="0">
+          <a:noAutofit/>
+        </a:bodyPr>
+        <a:lstStyle/>
+        <a:p>
+          <a:pPr marL="0" lvl="0" indent="0" algn="ctr" defTabSz="933450">
+            <a:lnSpc>
+              <a:spcPct val="90000"/>
+            </a:lnSpc>
+            <a:spcBef>
+              <a:spcPct val="0"/>
+            </a:spcBef>
+            <a:spcAft>
+              <a:spcPct val="35000"/>
+            </a:spcAft>
+            <a:buNone/>
+          </a:pPr>
+          <a:endParaRPr lang="en-US" sz="2100" kern="1200"/>
+        </a:p>
+      </dsp:txBody>
+      <dsp:txXfrm>
+        <a:off x="5068480" y="2547305"/>
+        <a:ext cx="1456523" cy="347894"/>
       </dsp:txXfrm>
     </dsp:sp>
     <dsp:sp modelId="{293EE86D-6C95-C54D-B190-C6810E79A98B}">
@@ -4006,10 +4166,10 @@
           <a:r>
             <a:rPr lang="en-US" sz="1400" b="0" kern="1200" dirty="0">
               <a:solidFill>
-                <a:srgbClr val="FF0000"/>
+                <a:schemeClr val="tx1"/>
               </a:solidFill>
             </a:rPr>
-            <a:t>*Need to Update</a:t>
+            <a:t>Choose Graphs of best fit</a:t>
           </a:r>
         </a:p>
       </dsp:txBody>
@@ -4233,10 +4393,10 @@
           <a:r>
             <a:rPr lang="en-US" sz="1400" b="0" kern="1200" dirty="0">
               <a:solidFill>
-                <a:srgbClr val="FF0000"/>
+                <a:schemeClr val="tx1"/>
               </a:solidFill>
             </a:rPr>
-            <a:t>*Need to Update</a:t>
+            <a:t>Use Graphs to spot trends</a:t>
           </a:r>
         </a:p>
       </dsp:txBody>
@@ -5627,7 +5787,7 @@
           <a:p>
             <a:fld id="{B515C4BE-1326-8949-8988-36C34787E2BD}" type="datetimeFigureOut">
               <a:rPr lang="en-US" smtClean="0"/>
-              <a:t>1/10/21</a:t>
+              <a:t>1/11/21</a:t>
             </a:fld>
             <a:endParaRPr lang="en-US"/>
           </a:p>
@@ -6861,7 +7021,7 @@
           <a:p>
             <a:fld id="{48A87A34-81AB-432B-8DAE-1953F412C126}" type="datetimeFigureOut">
               <a:rPr lang="en-US" smtClean="0"/>
-              <a:t>1/10/21</a:t>
+              <a:t>1/11/21</a:t>
             </a:fld>
             <a:endParaRPr lang="en-US" dirty="0"/>
           </a:p>
@@ -7081,7 +7241,7 @@
           <a:p>
             <a:fld id="{48A87A34-81AB-432B-8DAE-1953F412C126}" type="datetimeFigureOut">
               <a:rPr lang="en-US" smtClean="0"/>
-              <a:t>1/10/21</a:t>
+              <a:t>1/11/21</a:t>
             </a:fld>
             <a:endParaRPr lang="en-US" dirty="0"/>
           </a:p>
@@ -7305,7 +7465,7 @@
           <a:p>
             <a:fld id="{48A87A34-81AB-432B-8DAE-1953F412C126}" type="datetimeFigureOut">
               <a:rPr lang="en-US" smtClean="0"/>
-              <a:t>1/10/21</a:t>
+              <a:t>1/11/21</a:t>
             </a:fld>
             <a:endParaRPr lang="en-US" dirty="0"/>
           </a:p>
@@ -7519,7 +7679,7 @@
           <a:p>
             <a:fld id="{48A87A34-81AB-432B-8DAE-1953F412C126}" type="datetimeFigureOut">
               <a:rPr lang="en-US" smtClean="0"/>
-              <a:t>1/10/21</a:t>
+              <a:t>1/11/21</a:t>
             </a:fld>
             <a:endParaRPr lang="en-US" dirty="0"/>
           </a:p>
@@ -7811,7 +7971,7 @@
           <a:p>
             <a:fld id="{48A87A34-81AB-432B-8DAE-1953F412C126}" type="datetimeFigureOut">
               <a:rPr lang="en-US" smtClean="0"/>
-              <a:t>1/10/21</a:t>
+              <a:t>1/11/21</a:t>
             </a:fld>
             <a:endParaRPr lang="en-US" dirty="0"/>
           </a:p>
@@ -8088,7 +8248,7 @@
           <a:p>
             <a:fld id="{48A87A34-81AB-432B-8DAE-1953F412C126}" type="datetimeFigureOut">
               <a:rPr lang="en-US" smtClean="0"/>
-              <a:t>1/10/21</a:t>
+              <a:t>1/11/21</a:t>
             </a:fld>
             <a:endParaRPr lang="en-US" dirty="0"/>
           </a:p>
@@ -8513,7 +8673,7 @@
           <a:p>
             <a:fld id="{48A87A34-81AB-432B-8DAE-1953F412C126}" type="datetimeFigureOut">
               <a:rPr lang="en-US" smtClean="0"/>
-              <a:t>1/10/21</a:t>
+              <a:t>1/11/21</a:t>
             </a:fld>
             <a:endParaRPr lang="en-US" dirty="0"/>
           </a:p>
@@ -8671,7 +8831,7 @@
           <a:p>
             <a:fld id="{48A87A34-81AB-432B-8DAE-1953F412C126}" type="datetimeFigureOut">
               <a:rPr lang="en-US" smtClean="0"/>
-              <a:t>1/10/21</a:t>
+              <a:t>1/11/21</a:t>
             </a:fld>
             <a:endParaRPr lang="en-US" dirty="0"/>
           </a:p>
@@ -8806,7 +8966,7 @@
           <a:p>
             <a:fld id="{48A87A34-81AB-432B-8DAE-1953F412C126}" type="datetimeFigureOut">
               <a:rPr lang="en-US" smtClean="0"/>
-              <a:t>1/10/21</a:t>
+              <a:t>1/11/21</a:t>
             </a:fld>
             <a:endParaRPr lang="en-US" dirty="0"/>
           </a:p>
@@ -9057,7 +9217,7 @@
           <a:p>
             <a:fld id="{48A87A34-81AB-432B-8DAE-1953F412C126}" type="datetimeFigureOut">
               <a:rPr lang="en-US" smtClean="0"/>
-              <a:t>1/10/21</a:t>
+              <a:t>1/11/21</a:t>
             </a:fld>
             <a:endParaRPr lang="en-US" dirty="0"/>
           </a:p>
@@ -9518,7 +9678,7 @@
             <a:fld id="{48A87A34-81AB-432B-8DAE-1953F412C126}" type="datetimeFigureOut">
               <a:rPr lang="en-US" smtClean="0"/>
               <a:pPr/>
-              <a:t>1/10/21</a:t>
+              <a:t>1/11/21</a:t>
             </a:fld>
             <a:endParaRPr lang="en-US" dirty="0"/>
           </a:p>
@@ -9901,7 +10061,7 @@
             <a:fld id="{48A87A34-81AB-432B-8DAE-1953F412C126}" type="datetimeFigureOut">
               <a:rPr lang="en-US" smtClean="0"/>
               <a:pPr/>
-              <a:t>1/10/21</a:t>
+              <a:t>1/11/21</a:t>
             </a:fld>
             <a:endParaRPr lang="en-US" dirty="0"/>
           </a:p>
@@ -10952,7 +11112,7 @@
             <p:ph idx="1"/>
             <p:extLst>
               <p:ext uri="{D42A27DB-BD31-4B8C-83A1-F6EECF244321}">
-                <p14:modId xmlns:p14="http://schemas.microsoft.com/office/powerpoint/2010/main" val="1063196562"/>
+                <p14:modId xmlns:p14="http://schemas.microsoft.com/office/powerpoint/2010/main" val="1587448156"/>
               </p:ext>
             </p:extLst>
           </p:nvPr>

--- a/final/final_presentation.pptx
+++ b/final/final_presentation.pptx
@@ -9778,6 +9778,7 @@
               </a:lstStyle>
               <a:p>
                 <a:r>
+                  <a:rPr dirty="0"/>
                   <a:t>Use Graphs to spot trends</a:t>
                 </a:r>
               </a:p>
@@ -10000,9 +10001,9 @@
         <p:grpSpPr>
           <a:xfrm>
             <a:off x="10413823" y="3466817"/>
-            <a:ext cx="1478172" cy="648959"/>
+            <a:ext cx="1478173" cy="648960"/>
             <a:chOff x="0" y="0"/>
-            <a:chExt cx="1478171" cy="648958"/>
+            <a:chExt cx="1478172" cy="648959"/>
           </a:xfrm>
         </p:grpSpPr>
         <p:sp>
@@ -10064,8 +10065,8 @@
           </p:nvSpPr>
           <p:spPr>
             <a:xfrm>
-              <a:off x="19006" y="4438"/>
-              <a:ext cx="1440158" cy="640081"/>
+              <a:off x="19006" y="112627"/>
+              <a:ext cx="1440158" cy="423703"/>
             </a:xfrm>
             <a:prstGeom prst="rect">
               <a:avLst/>
@@ -10099,8 +10100,10 @@
             </a:lstStyle>
             <a:p>
               <a:r>
-                <a:t>Brainstorm Visualization ideas</a:t>
+                <a:rPr lang="en-US" dirty="0"/>
+                <a:t>Demonstrate Conclusion</a:t>
               </a:r>
+              <a:endParaRPr dirty="0"/>
             </a:p>
           </p:txBody>
         </p:sp>
@@ -10636,7 +10639,7 @@
                 <a:latin typeface="Arial" panose="020B0604020202020204" pitchFamily="34" charset="0"/>
                 <a:cs typeface="Arial" panose="020B0604020202020204" pitchFamily="34" charset="0"/>
               </a:rPr>
-              <a:t>Google API: conduct a Top Trends keyword search on 2018, 2019, 2020, connect those into larger categories for calling to Google Trends Interest Over Time search </a:t>
+              <a:t>Google API: conduct a Top Trends keyword search on 2019, 2020, connect those into larger categories for calling to Google Trends Interest Over Time search </a:t>
             </a:r>
           </a:p>
           <a:p>
@@ -11215,7 +11218,7 @@
                 <a:latin typeface="Arial" panose="020B0604020202020204" pitchFamily="34" charset="0"/>
                 <a:cs typeface="Arial" panose="020B0604020202020204" pitchFamily="34" charset="0"/>
               </a:rPr>
-              <a:t> Difference G</a:t>
+              <a:t>Difference G</a:t>
             </a:r>
             <a:r>
               <a:rPr sz="1800" b="1" dirty="0">
@@ -11332,8 +11335,8 @@
         </p:blipFill>
         <p:spPr>
           <a:xfrm>
-            <a:off x="6480950" y="1570038"/>
-            <a:ext cx="4252596" cy="4334639"/>
+            <a:off x="6352674" y="1570038"/>
+            <a:ext cx="4380872" cy="4465390"/>
           </a:xfrm>
           <a:prstGeom prst="rect">
             <a:avLst/>
@@ -11345,10 +11348,10 @@
       </p:pic>
       <p:pic>
         <p:nvPicPr>
-          <p:cNvPr id="3" name="Picture 2" descr="Chart, sunburst chart&#10;&#10;Description automatically generated">
+          <p:cNvPr id="6" name="Picture 5" descr="Chart, sunburst chart&#10;&#10;Description automatically generated">
             <a:extLst>
               <a:ext uri="{FF2B5EF4-FFF2-40B4-BE49-F238E27FC236}">
-                <a16:creationId xmlns:a16="http://schemas.microsoft.com/office/drawing/2014/main" id="{04CB5989-4DB4-FF49-808D-1728835AE8E9}"/>
+                <a16:creationId xmlns:a16="http://schemas.microsoft.com/office/drawing/2014/main" id="{17D4F691-2A39-9448-A963-2666EEE97D7F}"/>
               </a:ext>
             </a:extLst>
           </p:cNvPr>
@@ -11371,8 +11374,8 @@
         </p:blipFill>
         <p:spPr>
           <a:xfrm>
-            <a:off x="1130269" y="1570038"/>
-            <a:ext cx="4306354" cy="4335517"/>
+            <a:off x="1130268" y="1570038"/>
+            <a:ext cx="4521225" cy="4465002"/>
           </a:xfrm>
           <a:prstGeom prst="rect">
             <a:avLst/>

--- a/final/final_presentation.pptx
+++ b/final/final_presentation.pptx
@@ -943,6 +943,72 @@
       </p:grpSpPr>
       <p:sp>
         <p:nvSpPr>
+          <p:cNvPr id="2" name="Slide Image Placeholder 1"/>
+          <p:cNvSpPr>
+            <a:spLocks noGrp="1" noRot="1" noChangeAspect="1"/>
+          </p:cNvSpPr>
+          <p:nvPr>
+            <p:ph type="sldImg"/>
+          </p:nvPr>
+        </p:nvSpPr>
+        <p:spPr>
+          <a:xfrm>
+            <a:off x="381000" y="685800"/>
+            <a:ext cx="6096000" cy="3429000"/>
+          </a:xfrm>
+        </p:spPr>
+      </p:sp>
+      <p:sp>
+        <p:nvSpPr>
+          <p:cNvPr id="3" name="Notes Placeholder 2"/>
+          <p:cNvSpPr>
+            <a:spLocks noGrp="1"/>
+          </p:cNvSpPr>
+          <p:nvPr>
+            <p:ph type="body" idx="1"/>
+          </p:nvPr>
+        </p:nvSpPr>
+        <p:spPr/>
+        <p:txBody>
+          <a:bodyPr/>
+          <a:lstStyle/>
+          <a:p>
+            <a:endParaRPr lang="en-US" dirty="0"/>
+          </a:p>
+        </p:txBody>
+      </p:sp>
+    </p:spTree>
+    <p:extLst>
+      <p:ext uri="{BB962C8B-B14F-4D97-AF65-F5344CB8AC3E}">
+        <p14:creationId xmlns:p14="http://schemas.microsoft.com/office/powerpoint/2010/main" val="1345576054"/>
+      </p:ext>
+    </p:extLst>
+  </p:cSld>
+  <p:clrMapOvr>
+    <a:masterClrMapping/>
+  </p:clrMapOvr>
+</p:notes>
+</file>
+
+<file path=ppt/notesSlides/notesSlide7.xml><?xml version="1.0" encoding="utf-8"?>
+<p:notes xmlns:a="http://schemas.openxmlformats.org/drawingml/2006/main" xmlns:r="http://schemas.openxmlformats.org/officeDocument/2006/relationships" xmlns:p="http://schemas.openxmlformats.org/presentationml/2006/main">
+  <p:cSld>
+    <p:spTree>
+      <p:nvGrpSpPr>
+        <p:cNvPr id="1" name=""/>
+        <p:cNvGrpSpPr/>
+        <p:nvPr/>
+      </p:nvGrpSpPr>
+      <p:grpSpPr>
+        <a:xfrm>
+          <a:off x="0" y="0"/>
+          <a:ext cx="0" cy="0"/>
+          <a:chOff x="0" y="0"/>
+          <a:chExt cx="0" cy="0"/>
+        </a:xfrm>
+      </p:grpSpPr>
+      <p:sp>
+        <p:nvSpPr>
           <p:cNvPr id="266" name="Shape 266"/>
           <p:cNvSpPr>
             <a:spLocks noGrp="1" noRot="1" noChangeAspect="1"/>
@@ -1006,7 +1072,7 @@
 </p:notes>
 </file>
 
-<file path=ppt/notesSlides/notesSlide7.xml><?xml version="1.0" encoding="utf-8"?>
+<file path=ppt/notesSlides/notesSlide8.xml><?xml version="1.0" encoding="utf-8"?>
 <p:notes xmlns:a="http://schemas.openxmlformats.org/drawingml/2006/main" xmlns:r="http://schemas.openxmlformats.org/officeDocument/2006/relationships" xmlns:p="http://schemas.openxmlformats.org/presentationml/2006/main">
   <p:cSld>
     <p:spTree>
@@ -1093,7 +1159,7 @@
 </p:notes>
 </file>
 
-<file path=ppt/notesSlides/notesSlide8.xml><?xml version="1.0" encoding="utf-8"?>
+<file path=ppt/notesSlides/notesSlide9.xml><?xml version="1.0" encoding="utf-8"?>
 <p:notes xmlns:a="http://schemas.openxmlformats.org/drawingml/2006/main" xmlns:r="http://schemas.openxmlformats.org/officeDocument/2006/relationships" xmlns:p="http://schemas.openxmlformats.org/presentationml/2006/main">
   <p:cSld>
     <p:spTree>
@@ -11442,7 +11508,7 @@
           <p:nvPr/>
         </p:nvPicPr>
         <p:blipFill>
-          <a:blip r:embed="rId2"/>
+          <a:blip r:embed="rId3"/>
           <a:stretch>
             <a:fillRect/>
           </a:stretch>
@@ -11469,7 +11535,7 @@
           <p:nvPr/>
         </p:nvPicPr>
         <p:blipFill>
-          <a:blip r:embed="rId3"/>
+          <a:blip r:embed="rId4"/>
           <a:stretch>
             <a:fillRect/>
           </a:stretch>
